--- a/UML/TemplateProjectDocumentation.pptx
+++ b/UML/TemplateProjectDocumentation.pptx
@@ -5,7 +5,7 @@
     <p:sldMasterId id="2147483660" r:id="rId1"/>
   </p:sldMasterIdLst>
   <p:notesMasterIdLst>
-    <p:notesMasterId r:id="rId22"/>
+    <p:notesMasterId r:id="rId25"/>
   </p:notesMasterIdLst>
   <p:sldIdLst>
     <p:sldId id="256" r:id="rId2"/>
@@ -14,20 +14,23 @@
     <p:sldId id="291" r:id="rId5"/>
     <p:sldId id="288" r:id="rId6"/>
     <p:sldId id="290" r:id="rId7"/>
-    <p:sldId id="289" r:id="rId8"/>
-    <p:sldId id="301" r:id="rId9"/>
-    <p:sldId id="277" r:id="rId10"/>
-    <p:sldId id="294" r:id="rId11"/>
-    <p:sldId id="295" r:id="rId12"/>
-    <p:sldId id="278" r:id="rId13"/>
-    <p:sldId id="292" r:id="rId14"/>
-    <p:sldId id="281" r:id="rId15"/>
-    <p:sldId id="298" r:id="rId16"/>
-    <p:sldId id="300" r:id="rId17"/>
-    <p:sldId id="299" r:id="rId18"/>
-    <p:sldId id="286" r:id="rId19"/>
-    <p:sldId id="297" r:id="rId20"/>
-    <p:sldId id="296" r:id="rId21"/>
+    <p:sldId id="302" r:id="rId8"/>
+    <p:sldId id="303" r:id="rId9"/>
+    <p:sldId id="304" r:id="rId10"/>
+    <p:sldId id="289" r:id="rId11"/>
+    <p:sldId id="301" r:id="rId12"/>
+    <p:sldId id="277" r:id="rId13"/>
+    <p:sldId id="294" r:id="rId14"/>
+    <p:sldId id="295" r:id="rId15"/>
+    <p:sldId id="278" r:id="rId16"/>
+    <p:sldId id="292" r:id="rId17"/>
+    <p:sldId id="281" r:id="rId18"/>
+    <p:sldId id="298" r:id="rId19"/>
+    <p:sldId id="300" r:id="rId20"/>
+    <p:sldId id="299" r:id="rId21"/>
+    <p:sldId id="286" r:id="rId22"/>
+    <p:sldId id="297" r:id="rId23"/>
+    <p:sldId id="296" r:id="rId24"/>
   </p:sldIdLst>
   <p:sldSz cx="9144000" cy="6858000" type="screen4x3"/>
   <p:notesSz cx="6858000" cy="9144000"/>
@@ -3430,21 +3433,27 @@
       <p:sp>
         <p:nvSpPr>
           <p:cNvPr id="2" name="Title 1"/>
-          <p:cNvSpPr>
+          <p:cNvSpPr txBox="1">
             <a:spLocks noGrp="1"/>
           </p:cNvSpPr>
           <p:nvPr>
             <p:ph type="title"/>
           </p:nvPr>
         </p:nvSpPr>
-        <p:spPr/>
+        <p:spPr>
+          <a:xfrm>
+            <a:off x="324293" y="318525"/>
+            <a:ext cx="7886700" cy="1325563"/>
+          </a:xfrm>
+        </p:spPr>
         <p:txBody>
           <a:bodyPr/>
           <a:lstStyle/>
           <a:p>
-            <a:r>
-              <a:rPr lang="it-IT" dirty="0"/>
-              <a:t>Trigger design &amp; code</a:t>
+            <a:pPr lvl="0"/>
+            <a:r>
+              <a:rPr lang="en-GB" dirty="0"/>
+              <a:t>Relational model</a:t>
             </a:r>
           </a:p>
         </p:txBody>
@@ -3452,84 +3461,321 @@
       <p:sp>
         <p:nvSpPr>
           <p:cNvPr id="3" name="Content Placeholder 2"/>
-          <p:cNvSpPr>
+          <p:cNvSpPr txBox="1">
             <a:spLocks noGrp="1"/>
           </p:cNvSpPr>
           <p:nvPr>
-            <p:ph idx="1"/>
+            <p:ph sz="half" idx="1"/>
           </p:nvPr>
         </p:nvSpPr>
-        <p:spPr/>
-        <p:txBody>
-          <a:bodyPr/>
-          <a:lstStyle/>
-          <a:p>
-            <a:r>
-              <a:rPr lang="it-IT" dirty="0"/>
-              <a:t>For all triggers specify at high level</a:t>
-            </a:r>
-          </a:p>
-          <a:p>
-            <a:pPr lvl="1"/>
-            <a:r>
-              <a:rPr lang="it-IT" dirty="0"/>
-              <a:t>Event </a:t>
-            </a:r>
-          </a:p>
-          <a:p>
-            <a:pPr lvl="1"/>
-            <a:r>
-              <a:rPr lang="it-IT" dirty="0"/>
-              <a:t>Condition</a:t>
-            </a:r>
-          </a:p>
-          <a:p>
-            <a:pPr lvl="1"/>
-            <a:r>
-              <a:rPr lang="it-IT" dirty="0"/>
-              <a:t>Action</a:t>
-            </a:r>
-          </a:p>
-          <a:p>
-            <a:pPr lvl="1"/>
-            <a:r>
-              <a:rPr lang="it-IT" dirty="0"/>
-              <a:t>SQL code of the trigger</a:t>
-            </a:r>
-          </a:p>
-          <a:p>
-            <a:r>
-              <a:rPr lang="it-IT" dirty="0"/>
-              <a:t>Trigger design motivation (if needed)</a:t>
-            </a:r>
-          </a:p>
-          <a:p>
-            <a:pPr lvl="1"/>
-            <a:r>
-              <a:rPr lang="it-IT" dirty="0"/>
-              <a:t>E.g., ROW vs STATEMENT</a:t>
-            </a:r>
-          </a:p>
-          <a:p>
-            <a:pPr lvl="1"/>
-            <a:r>
-              <a:rPr lang="it-IT" dirty="0"/>
-              <a:t>BEFORE vs AFTER</a:t>
-            </a:r>
-          </a:p>
-          <a:p>
-            <a:pPr lvl="1"/>
-            <a:r>
-              <a:rPr lang="it-IT" dirty="0"/>
-              <a:t>Termination and triggering cycle</a:t>
-            </a:r>
-          </a:p>
-        </p:txBody>
-      </p:sp>
+        <p:spPr>
+          <a:xfrm>
+            <a:off x="324293" y="1587120"/>
+            <a:ext cx="8495414" cy="4289573"/>
+          </a:xfrm>
+        </p:spPr>
+        <p:txBody>
+          <a:bodyPr>
+            <a:normAutofit/>
+          </a:bodyPr>
+          <a:lstStyle/>
+          <a:p>
+            <a:pPr marL="0" indent="0">
+              <a:lnSpc>
+                <a:spcPct val="220000"/>
+              </a:lnSpc>
+              <a:buNone/>
+            </a:pPr>
+            <a:r>
+              <a:rPr lang="en-GB" sz="2000" dirty="0"/>
+              <a:t>User (</a:t>
+            </a:r>
+            <a:r>
+              <a:rPr lang="en-GB" sz="2000" u="sng" dirty="0"/>
+              <a:t>username</a:t>
+            </a:r>
+            <a:r>
+              <a:rPr lang="en-GB" sz="2000" dirty="0"/>
+              <a:t>, Password, Email, Insolvent)</a:t>
+            </a:r>
+          </a:p>
+          <a:p>
+            <a:pPr marL="0" indent="0">
+              <a:lnSpc>
+                <a:spcPct val="220000"/>
+              </a:lnSpc>
+              <a:buNone/>
+            </a:pPr>
+            <a:r>
+              <a:rPr lang="en-GB" sz="2000" dirty="0"/>
+              <a:t>Order (</a:t>
+            </a:r>
+            <a:r>
+              <a:rPr lang="en-GB" sz="2000" u="sng" dirty="0"/>
+              <a:t>ID</a:t>
+            </a:r>
+            <a:r>
+              <a:rPr lang="en-GB" sz="2000" dirty="0"/>
+              <a:t>, </a:t>
+            </a:r>
+            <a:r>
+              <a:rPr lang="en-GB" sz="2000" dirty="0" err="1"/>
+              <a:t>UserID</a:t>
+            </a:r>
+            <a:r>
+              <a:rPr lang="en-GB" sz="2000" dirty="0"/>
+              <a:t>, </a:t>
+            </a:r>
+            <a:r>
+              <a:rPr lang="en-GB" sz="2000" dirty="0" err="1"/>
+              <a:t>DateCreated</a:t>
+            </a:r>
+            <a:r>
+              <a:rPr lang="en-GB" sz="2000" dirty="0"/>
+              <a:t>, </a:t>
+            </a:r>
+            <a:r>
+              <a:rPr lang="en-GB" sz="2000" dirty="0" err="1"/>
+              <a:t>HourCreated</a:t>
+            </a:r>
+            <a:r>
+              <a:rPr lang="en-GB" sz="2000" dirty="0"/>
+              <a:t>, </a:t>
+            </a:r>
+            <a:r>
+              <a:rPr lang="en-GB" sz="2000" dirty="0" err="1"/>
+              <a:t>TotalValue</a:t>
+            </a:r>
+            <a:r>
+              <a:rPr lang="en-GB" sz="2000" dirty="0"/>
+              <a:t>, Valid)</a:t>
+            </a:r>
+          </a:p>
+          <a:p>
+            <a:pPr marL="0" indent="0">
+              <a:lnSpc>
+                <a:spcPct val="220000"/>
+              </a:lnSpc>
+              <a:buNone/>
+            </a:pPr>
+            <a:r>
+              <a:rPr lang="en-GB" sz="2000" dirty="0"/>
+              <a:t>Subscription (</a:t>
+            </a:r>
+            <a:r>
+              <a:rPr lang="en-GB" sz="2000" u="sng" dirty="0"/>
+              <a:t>ID</a:t>
+            </a:r>
+            <a:r>
+              <a:rPr lang="en-GB" sz="2000" dirty="0"/>
+              <a:t>, </a:t>
+            </a:r>
+            <a:r>
+              <a:rPr lang="en-GB" sz="2000" dirty="0" err="1"/>
+              <a:t>ValidityPeriod</a:t>
+            </a:r>
+            <a:r>
+              <a:rPr lang="en-GB" sz="2000" dirty="0"/>
+              <a:t>, Fee, </a:t>
+            </a:r>
+            <a:r>
+              <a:rPr lang="en-GB" sz="2000" dirty="0" err="1"/>
+              <a:t>IDOrder</a:t>
+            </a:r>
+            <a:r>
+              <a:rPr lang="en-GB" sz="2000" dirty="0"/>
+              <a:t>, </a:t>
+            </a:r>
+            <a:r>
+              <a:rPr lang="en-GB" sz="2000" dirty="0" err="1"/>
+              <a:t>IDPackage</a:t>
+            </a:r>
+            <a:r>
+              <a:rPr lang="en-GB" sz="2000" dirty="0"/>
+              <a:t>)</a:t>
+            </a:r>
+          </a:p>
+          <a:p>
+            <a:pPr marL="0" indent="0">
+              <a:lnSpc>
+                <a:spcPct val="220000"/>
+              </a:lnSpc>
+              <a:buNone/>
+            </a:pPr>
+            <a:r>
+              <a:rPr lang="en-GB" sz="2000" dirty="0"/>
+              <a:t>ServicePackage (</a:t>
+            </a:r>
+            <a:r>
+              <a:rPr lang="en-GB" sz="2000" u="sng" dirty="0"/>
+              <a:t>ID</a:t>
+            </a:r>
+            <a:r>
+              <a:rPr lang="en-GB" sz="2000" dirty="0"/>
+              <a:t>, Name, </a:t>
+            </a:r>
+            <a:r>
+              <a:rPr lang="en-GB" sz="2000" dirty="0" err="1"/>
+              <a:t>FixedPhone</a:t>
+            </a:r>
+            <a:r>
+              <a:rPr lang="en-GB" sz="2000" dirty="0"/>
+              <a:t>, 12Fee, 24Fee, 36Fee)</a:t>
+            </a:r>
+          </a:p>
+          <a:p>
+            <a:pPr marL="0" lvl="0" indent="0">
+              <a:buNone/>
+            </a:pPr>
+            <a:endParaRPr lang="en-GB" sz="2000" dirty="0"/>
+          </a:p>
+          <a:p>
+            <a:pPr marL="0" lvl="0" indent="0">
+              <a:buNone/>
+            </a:pPr>
+            <a:endParaRPr lang="en-GB" sz="2000" dirty="0"/>
+          </a:p>
+          <a:p>
+            <a:pPr marL="0" lvl="0" indent="0">
+              <a:buNone/>
+            </a:pPr>
+            <a:endParaRPr lang="en-GB" sz="2000" dirty="0"/>
+          </a:p>
+          <a:p>
+            <a:pPr marL="0" lvl="0" indent="0">
+              <a:buNone/>
+            </a:pPr>
+            <a:endParaRPr lang="en-GB" dirty="0"/>
+          </a:p>
+        </p:txBody>
+      </p:sp>
+      <p:cxnSp>
+        <p:nvCxnSpPr>
+          <p:cNvPr id="9" name="Straight Arrow Connector 8">
+            <a:extLst>
+              <a:ext uri="{FF2B5EF4-FFF2-40B4-BE49-F238E27FC236}">
+                <a16:creationId xmlns:a16="http://schemas.microsoft.com/office/drawing/2014/main" id="{B6C9CF91-A931-0C49-96B3-E3FE702042E8}"/>
+              </a:ext>
+            </a:extLst>
+          </p:cNvPr>
+          <p:cNvCxnSpPr>
+            <a:cxnSpLocks/>
+          </p:cNvCxnSpPr>
+          <p:nvPr/>
+        </p:nvCxnSpPr>
+        <p:spPr>
+          <a:xfrm>
+            <a:off x="1449659" y="2252546"/>
+            <a:ext cx="334536" cy="512956"/>
+          </a:xfrm>
+          <a:prstGeom prst="straightConnector1">
+            <a:avLst/>
+          </a:prstGeom>
+          <a:ln>
+            <a:tailEnd type="triangle"/>
+          </a:ln>
+        </p:spPr>
+        <p:style>
+          <a:lnRef idx="3">
+            <a:schemeClr val="accent1"/>
+          </a:lnRef>
+          <a:fillRef idx="0">
+            <a:schemeClr val="accent1"/>
+          </a:fillRef>
+          <a:effectRef idx="2">
+            <a:schemeClr val="accent1"/>
+          </a:effectRef>
+          <a:fontRef idx="minor">
+            <a:schemeClr val="tx1"/>
+          </a:fontRef>
+        </p:style>
+      </p:cxnSp>
+      <p:cxnSp>
+        <p:nvCxnSpPr>
+          <p:cNvPr id="13" name="Straight Arrow Connector 12">
+            <a:extLst>
+              <a:ext uri="{FF2B5EF4-FFF2-40B4-BE49-F238E27FC236}">
+                <a16:creationId xmlns:a16="http://schemas.microsoft.com/office/drawing/2014/main" id="{7C9F7441-9C2F-5E42-97FF-68FE21727F83}"/>
+              </a:ext>
+            </a:extLst>
+          </p:cNvPr>
+          <p:cNvCxnSpPr>
+            <a:cxnSpLocks/>
+          </p:cNvCxnSpPr>
+          <p:nvPr/>
+        </p:nvCxnSpPr>
+        <p:spPr>
+          <a:xfrm>
+            <a:off x="1293541" y="3077737"/>
+            <a:ext cx="2888166" cy="468351"/>
+          </a:xfrm>
+          <a:prstGeom prst="straightConnector1">
+            <a:avLst/>
+          </a:prstGeom>
+          <a:ln>
+            <a:tailEnd type="triangle"/>
+          </a:ln>
+        </p:spPr>
+        <p:style>
+          <a:lnRef idx="3">
+            <a:schemeClr val="accent1"/>
+          </a:lnRef>
+          <a:fillRef idx="0">
+            <a:schemeClr val="accent1"/>
+          </a:fillRef>
+          <a:effectRef idx="2">
+            <a:schemeClr val="accent1"/>
+          </a:effectRef>
+          <a:fontRef idx="minor">
+            <a:schemeClr val="tx1"/>
+          </a:fontRef>
+        </p:style>
+      </p:cxnSp>
+      <p:cxnSp>
+        <p:nvCxnSpPr>
+          <p:cNvPr id="15" name="Straight Arrow Connector 14">
+            <a:extLst>
+              <a:ext uri="{FF2B5EF4-FFF2-40B4-BE49-F238E27FC236}">
+                <a16:creationId xmlns:a16="http://schemas.microsoft.com/office/drawing/2014/main" id="{88BA7E87-A3B4-E64B-A7D6-1B43B834F525}"/>
+              </a:ext>
+            </a:extLst>
+          </p:cNvPr>
+          <p:cNvCxnSpPr>
+            <a:cxnSpLocks/>
+          </p:cNvCxnSpPr>
+          <p:nvPr/>
+        </p:nvCxnSpPr>
+        <p:spPr>
+          <a:xfrm flipV="1">
+            <a:off x="2274849" y="3824868"/>
+            <a:ext cx="3088888" cy="468352"/>
+          </a:xfrm>
+          <a:prstGeom prst="straightConnector1">
+            <a:avLst/>
+          </a:prstGeom>
+          <a:ln>
+            <a:tailEnd type="triangle"/>
+          </a:ln>
+        </p:spPr>
+        <p:style>
+          <a:lnRef idx="3">
+            <a:schemeClr val="accent1"/>
+          </a:lnRef>
+          <a:fillRef idx="0">
+            <a:schemeClr val="accent1"/>
+          </a:fillRef>
+          <a:effectRef idx="2">
+            <a:schemeClr val="accent1"/>
+          </a:effectRef>
+          <a:fontRef idx="minor">
+            <a:schemeClr val="tx1"/>
+          </a:fontRef>
+        </p:style>
+      </p:cxnSp>
     </p:spTree>
     <p:extLst>
       <p:ext uri="{BB962C8B-B14F-4D97-AF65-F5344CB8AC3E}">
-        <p14:creationId xmlns:p14="http://schemas.microsoft.com/office/powerpoint/2010/main" val="409465347"/>
+        <p14:creationId xmlns:p14="http://schemas.microsoft.com/office/powerpoint/2010/main" val="741865338"/>
       </p:ext>
     </p:extLst>
   </p:cSld>
@@ -3558,49 +3804,633 @@
       </p:grpSpPr>
       <p:sp>
         <p:nvSpPr>
-          <p:cNvPr id="4" name="Title 3"/>
-          <p:cNvSpPr>
+          <p:cNvPr id="5" name="Title 1">
+            <a:extLst>
+              <a:ext uri="{FF2B5EF4-FFF2-40B4-BE49-F238E27FC236}">
+                <a16:creationId xmlns:a16="http://schemas.microsoft.com/office/drawing/2014/main" id="{0373DEA9-84F3-EA4B-A7A4-81F9D06F2640}"/>
+              </a:ext>
+            </a:extLst>
+          </p:cNvPr>
+          <p:cNvSpPr txBox="1">
             <a:spLocks noGrp="1"/>
           </p:cNvSpPr>
           <p:nvPr>
-            <p:ph type="ctrTitle"/>
+            <p:ph type="title"/>
           </p:nvPr>
         </p:nvSpPr>
-        <p:spPr/>
+        <p:spPr>
+          <a:xfrm>
+            <a:off x="202020" y="0"/>
+            <a:ext cx="7886700" cy="1325563"/>
+          </a:xfrm>
+        </p:spPr>
         <p:txBody>
           <a:bodyPr/>
           <a:lstStyle/>
           <a:p>
-            <a:r>
-              <a:rPr lang="it-IT" dirty="0"/>
-              <a:t>ORM design</a:t>
-            </a:r>
-          </a:p>
-        </p:txBody>
-      </p:sp>
-      <p:sp>
-        <p:nvSpPr>
-          <p:cNvPr id="5" name="Subtitle 4"/>
-          <p:cNvSpPr>
+            <a:pPr lvl="0"/>
+            <a:r>
+              <a:rPr lang="en-GB" dirty="0"/>
+              <a:t>Relational model</a:t>
+            </a:r>
+          </a:p>
+        </p:txBody>
+      </p:sp>
+      <p:sp>
+        <p:nvSpPr>
+          <p:cNvPr id="6" name="Content Placeholder 2">
+            <a:extLst>
+              <a:ext uri="{FF2B5EF4-FFF2-40B4-BE49-F238E27FC236}">
+                <a16:creationId xmlns:a16="http://schemas.microsoft.com/office/drawing/2014/main" id="{AAF79A1C-B050-3244-86DA-321E7BF84A1D}"/>
+              </a:ext>
+            </a:extLst>
+          </p:cNvPr>
+          <p:cNvSpPr txBox="1">
             <a:spLocks noGrp="1"/>
           </p:cNvSpPr>
           <p:nvPr>
-            <p:ph type="subTitle" idx="1"/>
+            <p:ph sz="half" idx="1"/>
           </p:nvPr>
         </p:nvSpPr>
-        <p:spPr/>
-        <p:txBody>
-          <a:bodyPr/>
-          <a:lstStyle/>
-          <a:p>
-            <a:endParaRPr lang="it-IT"/>
-          </a:p>
-        </p:txBody>
-      </p:sp>
+        <p:spPr>
+          <a:xfrm>
+            <a:off x="202020" y="936703"/>
+            <a:ext cx="8495414" cy="5762328"/>
+          </a:xfrm>
+        </p:spPr>
+        <p:txBody>
+          <a:bodyPr>
+            <a:normAutofit fontScale="77500" lnSpcReduction="20000"/>
+          </a:bodyPr>
+          <a:lstStyle/>
+          <a:p>
+            <a:pPr marL="0" indent="0">
+              <a:lnSpc>
+                <a:spcPct val="220000"/>
+              </a:lnSpc>
+              <a:buNone/>
+            </a:pPr>
+            <a:r>
+              <a:rPr lang="en-GB" sz="2000" dirty="0"/>
+              <a:t>OptionalProduct (</a:t>
+            </a:r>
+            <a:r>
+              <a:rPr lang="en-GB" sz="2000" u="sng" dirty="0"/>
+              <a:t>Name</a:t>
+            </a:r>
+            <a:r>
+              <a:rPr lang="en-GB" sz="2000" dirty="0"/>
+              <a:t>, </a:t>
+            </a:r>
+            <a:r>
+              <a:rPr lang="en-GB" sz="2000" dirty="0" err="1"/>
+              <a:t>MonthlyFee</a:t>
+            </a:r>
+            <a:r>
+              <a:rPr lang="en-GB" sz="2000" dirty="0"/>
+              <a:t>)</a:t>
+            </a:r>
+          </a:p>
+          <a:p>
+            <a:pPr marL="0" indent="0">
+              <a:lnSpc>
+                <a:spcPct val="220000"/>
+              </a:lnSpc>
+              <a:buNone/>
+            </a:pPr>
+            <a:r>
+              <a:rPr lang="en-GB" sz="2000" dirty="0"/>
+              <a:t>ServiceOptional (</a:t>
+            </a:r>
+            <a:r>
+              <a:rPr lang="en-GB" sz="2000" u="sng" dirty="0" err="1"/>
+              <a:t>IDPackage</a:t>
+            </a:r>
+            <a:r>
+              <a:rPr lang="en-GB" sz="2000" dirty="0"/>
+              <a:t>, </a:t>
+            </a:r>
+            <a:r>
+              <a:rPr lang="en-GB" sz="2000" dirty="0" err="1"/>
+              <a:t>OptionalName</a:t>
+            </a:r>
+            <a:r>
+              <a:rPr lang="en-GB" sz="2000" dirty="0"/>
+              <a:t>)</a:t>
+            </a:r>
+          </a:p>
+          <a:p>
+            <a:pPr marL="0" indent="0">
+              <a:lnSpc>
+                <a:spcPct val="220000"/>
+              </a:lnSpc>
+              <a:buNone/>
+            </a:pPr>
+            <a:r>
+              <a:rPr lang="en-GB" sz="2000" dirty="0"/>
+              <a:t>ServicePackage (</a:t>
+            </a:r>
+            <a:r>
+              <a:rPr lang="en-GB" sz="2000" u="sng" dirty="0"/>
+              <a:t>ID</a:t>
+            </a:r>
+            <a:r>
+              <a:rPr lang="en-GB" sz="2000" dirty="0"/>
+              <a:t>, Name, </a:t>
+            </a:r>
+            <a:r>
+              <a:rPr lang="en-GB" sz="2000" dirty="0" err="1"/>
+              <a:t>FixedPhone</a:t>
+            </a:r>
+            <a:r>
+              <a:rPr lang="en-GB" sz="2000" dirty="0"/>
+              <a:t>, 12Fee, 24Fee, 36Fee)</a:t>
+            </a:r>
+          </a:p>
+          <a:p>
+            <a:pPr marL="0" indent="0">
+              <a:lnSpc>
+                <a:spcPct val="220000"/>
+              </a:lnSpc>
+              <a:buNone/>
+            </a:pPr>
+            <a:r>
+              <a:rPr lang="en-GB" sz="2000" dirty="0"/>
+              <a:t>ServiceFixedInternet (</a:t>
+            </a:r>
+            <a:r>
+              <a:rPr lang="en-GB" sz="2000" dirty="0" err="1"/>
+              <a:t>FixedID</a:t>
+            </a:r>
+            <a:r>
+              <a:rPr lang="en-GB" sz="2000" dirty="0"/>
+              <a:t>, </a:t>
+            </a:r>
+            <a:r>
+              <a:rPr lang="en-GB" sz="2000" dirty="0" err="1"/>
+              <a:t>PackageID</a:t>
+            </a:r>
+            <a:r>
+              <a:rPr lang="en-GB" sz="2000" dirty="0"/>
+              <a:t>)</a:t>
+            </a:r>
+          </a:p>
+          <a:p>
+            <a:pPr marL="0" indent="0">
+              <a:lnSpc>
+                <a:spcPct val="220000"/>
+              </a:lnSpc>
+              <a:buNone/>
+            </a:pPr>
+            <a:r>
+              <a:rPr lang="en-GB" sz="2000" dirty="0"/>
+              <a:t>FixedInternet(</a:t>
+            </a:r>
+            <a:r>
+              <a:rPr lang="en-GB" sz="2000" u="sng" dirty="0"/>
+              <a:t>ID</a:t>
+            </a:r>
+            <a:r>
+              <a:rPr lang="en-GB" sz="2000" dirty="0"/>
+              <a:t>, </a:t>
+            </a:r>
+            <a:r>
+              <a:rPr lang="en-GB" sz="2000" dirty="0" err="1"/>
+              <a:t>NoOfGigabytes</a:t>
+            </a:r>
+            <a:r>
+              <a:rPr lang="en-GB" sz="2000" dirty="0"/>
+              <a:t>, </a:t>
+            </a:r>
+            <a:r>
+              <a:rPr lang="en-GB" sz="2000" dirty="0" err="1"/>
+              <a:t>ExtraFee</a:t>
+            </a:r>
+            <a:r>
+              <a:rPr lang="en-GB" sz="2000" dirty="0"/>
+              <a:t>)</a:t>
+            </a:r>
+          </a:p>
+          <a:p>
+            <a:pPr marL="0" indent="0">
+              <a:lnSpc>
+                <a:spcPct val="220000"/>
+              </a:lnSpc>
+              <a:buNone/>
+            </a:pPr>
+            <a:r>
+              <a:rPr lang="en-GB" sz="2000" dirty="0"/>
+              <a:t>MobileInternet (</a:t>
+            </a:r>
+            <a:r>
+              <a:rPr lang="en-GB" sz="2000" u="sng" dirty="0"/>
+              <a:t>ID</a:t>
+            </a:r>
+            <a:r>
+              <a:rPr lang="en-GB" sz="2000" dirty="0"/>
+              <a:t>, </a:t>
+            </a:r>
+            <a:r>
+              <a:rPr lang="en-GB" sz="2000" dirty="0" err="1"/>
+              <a:t>NoOfGigabytes</a:t>
+            </a:r>
+            <a:r>
+              <a:rPr lang="en-GB" sz="2000" dirty="0"/>
+              <a:t>, </a:t>
+            </a:r>
+            <a:r>
+              <a:rPr lang="en-GB" sz="2000" dirty="0" err="1"/>
+              <a:t>ExtraFee</a:t>
+            </a:r>
+            <a:r>
+              <a:rPr lang="en-GB" sz="2000" dirty="0"/>
+              <a:t>)</a:t>
+            </a:r>
+          </a:p>
+          <a:p>
+            <a:pPr marL="0" indent="0">
+              <a:lnSpc>
+                <a:spcPct val="220000"/>
+              </a:lnSpc>
+              <a:buNone/>
+            </a:pPr>
+            <a:r>
+              <a:rPr lang="en-GB" sz="2000" dirty="0"/>
+              <a:t>ServiceMobileInternet (</a:t>
+            </a:r>
+            <a:r>
+              <a:rPr lang="en-GB" sz="2000" dirty="0" err="1"/>
+              <a:t>MobileInternetID</a:t>
+            </a:r>
+            <a:r>
+              <a:rPr lang="en-GB" sz="2000" dirty="0"/>
+              <a:t>, </a:t>
+            </a:r>
+            <a:r>
+              <a:rPr lang="en-GB" sz="2000" dirty="0" err="1"/>
+              <a:t>PackageID</a:t>
+            </a:r>
+            <a:r>
+              <a:rPr lang="en-GB" sz="2000" dirty="0"/>
+              <a:t>)</a:t>
+            </a:r>
+          </a:p>
+          <a:p>
+            <a:pPr marL="0" indent="0">
+              <a:lnSpc>
+                <a:spcPct val="220000"/>
+              </a:lnSpc>
+              <a:buNone/>
+            </a:pPr>
+            <a:r>
+              <a:rPr lang="en-GB" sz="2000" dirty="0"/>
+              <a:t>MobilePhone (</a:t>
+            </a:r>
+            <a:r>
+              <a:rPr lang="en-GB" sz="2000" u="sng" dirty="0"/>
+              <a:t>ID</a:t>
+            </a:r>
+            <a:r>
+              <a:rPr lang="en-GB" sz="2000" dirty="0"/>
+              <a:t>, </a:t>
+            </a:r>
+            <a:r>
+              <a:rPr lang="en-GB" sz="2000" dirty="0" err="1"/>
+              <a:t>NoOfMinutes</a:t>
+            </a:r>
+            <a:r>
+              <a:rPr lang="en-GB" sz="2000" dirty="0"/>
+              <a:t>, </a:t>
+            </a:r>
+            <a:r>
+              <a:rPr lang="en-GB" sz="2000" dirty="0" err="1"/>
+              <a:t>NoOfSms</a:t>
+            </a:r>
+            <a:r>
+              <a:rPr lang="en-GB" sz="2000" dirty="0"/>
+              <a:t>, </a:t>
+            </a:r>
+            <a:r>
+              <a:rPr lang="en-GB" sz="2000" dirty="0" err="1"/>
+              <a:t>ExtraFeeMin</a:t>
+            </a:r>
+            <a:r>
+              <a:rPr lang="en-GB" sz="2000" dirty="0"/>
+              <a:t>, </a:t>
+            </a:r>
+            <a:r>
+              <a:rPr lang="en-GB" sz="2000" dirty="0" err="1"/>
+              <a:t>ExtraFeeSms</a:t>
+            </a:r>
+            <a:r>
+              <a:rPr lang="en-GB" sz="2000" dirty="0"/>
+              <a:t>)</a:t>
+            </a:r>
+          </a:p>
+          <a:p>
+            <a:pPr marL="0" indent="0">
+              <a:lnSpc>
+                <a:spcPct val="220000"/>
+              </a:lnSpc>
+              <a:buNone/>
+            </a:pPr>
+            <a:r>
+              <a:rPr lang="en-GB" sz="2000" dirty="0"/>
+              <a:t>ServiceMobilePhone (</a:t>
+            </a:r>
+            <a:r>
+              <a:rPr lang="en-GB" sz="2000" dirty="0" err="1"/>
+              <a:t>MobilePhoneID</a:t>
+            </a:r>
+            <a:r>
+              <a:rPr lang="en-GB" sz="2000" dirty="0"/>
+              <a:t>, </a:t>
+            </a:r>
+            <a:r>
+              <a:rPr lang="en-GB" sz="2000" dirty="0" err="1"/>
+              <a:t>PackageID</a:t>
+            </a:r>
+            <a:r>
+              <a:rPr lang="en-GB" sz="2000" dirty="0"/>
+              <a:t>)</a:t>
+            </a:r>
+          </a:p>
+          <a:p>
+            <a:pPr marL="0" lvl="0" indent="0">
+              <a:buNone/>
+            </a:pPr>
+            <a:endParaRPr lang="en-GB" sz="2000" dirty="0"/>
+          </a:p>
+          <a:p>
+            <a:pPr marL="0" lvl="0" indent="0">
+              <a:buNone/>
+            </a:pPr>
+            <a:endParaRPr lang="en-GB" sz="2000" dirty="0"/>
+          </a:p>
+          <a:p>
+            <a:pPr marL="0" lvl="0" indent="0">
+              <a:buNone/>
+            </a:pPr>
+            <a:endParaRPr lang="en-GB" sz="2000" dirty="0"/>
+          </a:p>
+          <a:p>
+            <a:pPr marL="0" lvl="0" indent="0">
+              <a:buNone/>
+            </a:pPr>
+            <a:endParaRPr lang="en-GB" dirty="0"/>
+          </a:p>
+        </p:txBody>
+      </p:sp>
+      <p:cxnSp>
+        <p:nvCxnSpPr>
+          <p:cNvPr id="7" name="Straight Arrow Connector 6">
+            <a:extLst>
+              <a:ext uri="{FF2B5EF4-FFF2-40B4-BE49-F238E27FC236}">
+                <a16:creationId xmlns:a16="http://schemas.microsoft.com/office/drawing/2014/main" id="{E7DDDFDE-F824-3D41-AF3F-91316F86780A}"/>
+              </a:ext>
+            </a:extLst>
+          </p:cNvPr>
+          <p:cNvCxnSpPr>
+            <a:cxnSpLocks/>
+          </p:cNvCxnSpPr>
+          <p:nvPr/>
+        </p:nvCxnSpPr>
+        <p:spPr>
+          <a:xfrm flipV="1">
+            <a:off x="1760034" y="2085278"/>
+            <a:ext cx="392151" cy="272772"/>
+          </a:xfrm>
+          <a:prstGeom prst="straightConnector1">
+            <a:avLst/>
+          </a:prstGeom>
+          <a:ln>
+            <a:tailEnd type="triangle"/>
+          </a:ln>
+        </p:spPr>
+        <p:style>
+          <a:lnRef idx="3">
+            <a:schemeClr val="accent1"/>
+          </a:lnRef>
+          <a:fillRef idx="0">
+            <a:schemeClr val="accent1"/>
+          </a:fillRef>
+          <a:effectRef idx="2">
+            <a:schemeClr val="accent1"/>
+          </a:effectRef>
+          <a:fontRef idx="minor">
+            <a:schemeClr val="tx1"/>
+          </a:fontRef>
+        </p:style>
+      </p:cxnSp>
+      <p:cxnSp>
+        <p:nvCxnSpPr>
+          <p:cNvPr id="8" name="Straight Arrow Connector 7">
+            <a:extLst>
+              <a:ext uri="{FF2B5EF4-FFF2-40B4-BE49-F238E27FC236}">
+                <a16:creationId xmlns:a16="http://schemas.microsoft.com/office/drawing/2014/main" id="{717D7A39-A35E-4245-8D33-971E3D883471}"/>
+              </a:ext>
+            </a:extLst>
+          </p:cNvPr>
+          <p:cNvCxnSpPr>
+            <a:cxnSpLocks/>
+          </p:cNvCxnSpPr>
+          <p:nvPr/>
+        </p:nvCxnSpPr>
+        <p:spPr>
+          <a:xfrm flipV="1">
+            <a:off x="1572322" y="3289610"/>
+            <a:ext cx="700019" cy="341687"/>
+          </a:xfrm>
+          <a:prstGeom prst="straightConnector1">
+            <a:avLst/>
+          </a:prstGeom>
+          <a:ln>
+            <a:tailEnd type="triangle"/>
+          </a:ln>
+        </p:spPr>
+        <p:style>
+          <a:lnRef idx="3">
+            <a:schemeClr val="accent1"/>
+          </a:lnRef>
+          <a:fillRef idx="0">
+            <a:schemeClr val="accent1"/>
+          </a:fillRef>
+          <a:effectRef idx="2">
+            <a:schemeClr val="accent1"/>
+          </a:effectRef>
+          <a:fontRef idx="minor">
+            <a:schemeClr val="tx1"/>
+          </a:fontRef>
+        </p:style>
+      </p:cxnSp>
+      <p:cxnSp>
+        <p:nvCxnSpPr>
+          <p:cNvPr id="9" name="Straight Arrow Connector 8">
+            <a:extLst>
+              <a:ext uri="{FF2B5EF4-FFF2-40B4-BE49-F238E27FC236}">
+                <a16:creationId xmlns:a16="http://schemas.microsoft.com/office/drawing/2014/main" id="{39F43AE3-541F-4D42-B97D-9AB4AE5030E2}"/>
+              </a:ext>
+            </a:extLst>
+          </p:cNvPr>
+          <p:cNvCxnSpPr>
+            <a:cxnSpLocks/>
+          </p:cNvCxnSpPr>
+          <p:nvPr/>
+        </p:nvCxnSpPr>
+        <p:spPr>
+          <a:xfrm>
+            <a:off x="1760034" y="4499950"/>
+            <a:ext cx="702807" cy="384284"/>
+          </a:xfrm>
+          <a:prstGeom prst="straightConnector1">
+            <a:avLst/>
+          </a:prstGeom>
+          <a:ln>
+            <a:tailEnd type="triangle"/>
+          </a:ln>
+        </p:spPr>
+        <p:style>
+          <a:lnRef idx="3">
+            <a:schemeClr val="accent1"/>
+          </a:lnRef>
+          <a:fillRef idx="0">
+            <a:schemeClr val="accent1"/>
+          </a:fillRef>
+          <a:effectRef idx="2">
+            <a:schemeClr val="accent1"/>
+          </a:effectRef>
+          <a:fontRef idx="minor">
+            <a:schemeClr val="tx1"/>
+          </a:fontRef>
+        </p:style>
+      </p:cxnSp>
+      <p:cxnSp>
+        <p:nvCxnSpPr>
+          <p:cNvPr id="10" name="Straight Arrow Connector 9">
+            <a:extLst>
+              <a:ext uri="{FF2B5EF4-FFF2-40B4-BE49-F238E27FC236}">
+                <a16:creationId xmlns:a16="http://schemas.microsoft.com/office/drawing/2014/main" id="{0A593971-BAC8-674D-A453-1FE11C7CB8EC}"/>
+              </a:ext>
+            </a:extLst>
+          </p:cNvPr>
+          <p:cNvCxnSpPr>
+            <a:cxnSpLocks/>
+          </p:cNvCxnSpPr>
+          <p:nvPr/>
+        </p:nvCxnSpPr>
+        <p:spPr>
+          <a:xfrm>
+            <a:off x="1572322" y="5731728"/>
+            <a:ext cx="700019" cy="367989"/>
+          </a:xfrm>
+          <a:prstGeom prst="straightConnector1">
+            <a:avLst/>
+          </a:prstGeom>
+          <a:ln>
+            <a:tailEnd type="triangle"/>
+          </a:ln>
+        </p:spPr>
+        <p:style>
+          <a:lnRef idx="3">
+            <a:schemeClr val="accent1"/>
+          </a:lnRef>
+          <a:fillRef idx="0">
+            <a:schemeClr val="accent1"/>
+          </a:fillRef>
+          <a:effectRef idx="2">
+            <a:schemeClr val="accent1"/>
+          </a:effectRef>
+          <a:fontRef idx="minor">
+            <a:schemeClr val="tx1"/>
+          </a:fontRef>
+        </p:style>
+      </p:cxnSp>
+      <p:cxnSp>
+        <p:nvCxnSpPr>
+          <p:cNvPr id="11" name="Straight Arrow Connector 10">
+            <a:extLst>
+              <a:ext uri="{FF2B5EF4-FFF2-40B4-BE49-F238E27FC236}">
+                <a16:creationId xmlns:a16="http://schemas.microsoft.com/office/drawing/2014/main" id="{619E337F-8ECA-F848-B2B3-9827766CBA45}"/>
+              </a:ext>
+            </a:extLst>
+          </p:cNvPr>
+          <p:cNvCxnSpPr>
+            <a:cxnSpLocks/>
+          </p:cNvCxnSpPr>
+          <p:nvPr/>
+        </p:nvCxnSpPr>
+        <p:spPr>
+          <a:xfrm>
+            <a:off x="2018372" y="1438507"/>
+            <a:ext cx="1014760" cy="323386"/>
+          </a:xfrm>
+          <a:prstGeom prst="straightConnector1">
+            <a:avLst/>
+          </a:prstGeom>
+          <a:ln>
+            <a:tailEnd type="triangle"/>
+          </a:ln>
+        </p:spPr>
+        <p:style>
+          <a:lnRef idx="3">
+            <a:schemeClr val="accent1"/>
+          </a:lnRef>
+          <a:fillRef idx="0">
+            <a:schemeClr val="accent1"/>
+          </a:fillRef>
+          <a:effectRef idx="2">
+            <a:schemeClr val="accent1"/>
+          </a:effectRef>
+          <a:fontRef idx="minor">
+            <a:schemeClr val="tx1"/>
+          </a:fontRef>
+        </p:style>
+      </p:cxnSp>
+      <p:cxnSp>
+        <p:nvCxnSpPr>
+          <p:cNvPr id="35" name="Straight Arrow Connector 34">
+            <a:extLst>
+              <a:ext uri="{FF2B5EF4-FFF2-40B4-BE49-F238E27FC236}">
+                <a16:creationId xmlns:a16="http://schemas.microsoft.com/office/drawing/2014/main" id="{9A7F850A-3E23-1440-B183-73D26CE577AA}"/>
+              </a:ext>
+            </a:extLst>
+          </p:cNvPr>
+          <p:cNvCxnSpPr>
+            <a:cxnSpLocks/>
+          </p:cNvCxnSpPr>
+          <p:nvPr/>
+        </p:nvCxnSpPr>
+        <p:spPr>
+          <a:xfrm>
+            <a:off x="1760034" y="2665142"/>
+            <a:ext cx="1362307" cy="356838"/>
+          </a:xfrm>
+          <a:prstGeom prst="straightConnector1">
+            <a:avLst/>
+          </a:prstGeom>
+          <a:ln>
+            <a:tailEnd type="triangle"/>
+          </a:ln>
+        </p:spPr>
+        <p:style>
+          <a:lnRef idx="3">
+            <a:schemeClr val="accent1"/>
+          </a:lnRef>
+          <a:fillRef idx="0">
+            <a:schemeClr val="accent1"/>
+          </a:fillRef>
+          <a:effectRef idx="2">
+            <a:schemeClr val="accent1"/>
+          </a:effectRef>
+          <a:fontRef idx="minor">
+            <a:schemeClr val="tx1"/>
+          </a:fontRef>
+        </p:style>
+      </p:cxnSp>
     </p:spTree>
     <p:extLst>
       <p:ext uri="{BB962C8B-B14F-4D97-AF65-F5344CB8AC3E}">
-        <p14:creationId xmlns:p14="http://schemas.microsoft.com/office/powerpoint/2010/main" val="1550561967"/>
+        <p14:creationId xmlns:p14="http://schemas.microsoft.com/office/powerpoint/2010/main" val="2016126694"/>
       </p:ext>
     </p:extLst>
   </p:cSld>
@@ -3644,716 +4474,35 @@
           <a:p>
             <a:r>
               <a:rPr lang="en-GB" dirty="0"/>
-              <a:t>Relationship “rel1” </a:t>
-            </a:r>
-          </a:p>
-        </p:txBody>
-      </p:sp>
-      <p:sp>
-        <p:nvSpPr>
-          <p:cNvPr id="5" name="Content Placeholder 4"/>
+              <a:t>Motivations of the logical design</a:t>
+            </a:r>
+          </a:p>
+        </p:txBody>
+      </p:sp>
+      <p:sp>
+        <p:nvSpPr>
+          <p:cNvPr id="3" name="Content Placeholder 2"/>
           <p:cNvSpPr>
             <a:spLocks noGrp="1"/>
           </p:cNvSpPr>
           <p:nvPr>
-            <p:ph sz="half" idx="2"/>
+            <p:ph idx="1"/>
           </p:nvPr>
         </p:nvSpPr>
-        <p:spPr>
-          <a:xfrm>
-            <a:off x="4680479" y="1540224"/>
-            <a:ext cx="3886200" cy="4351338"/>
-          </a:xfrm>
-        </p:spPr>
-        <p:txBody>
-          <a:bodyPr>
-            <a:normAutofit/>
-          </a:bodyPr>
-          <a:lstStyle/>
-          <a:p>
-            <a:r>
-              <a:rPr lang="en-GB" dirty="0"/>
-              <a:t>A </a:t>
-            </a:r>
-            <a:r>
-              <a:rPr lang="en-GB" dirty="0">
-                <a:sym typeface="Wingdings" panose="05000000000000000000" pitchFamily="2" charset="2"/>
-              </a:rPr>
-              <a:t></a:t>
-            </a:r>
-            <a:r>
-              <a:rPr lang="en-GB" dirty="0"/>
-              <a:t> B … describe ORM here</a:t>
-            </a:r>
-          </a:p>
-          <a:p>
-            <a:pPr lvl="1"/>
-            <a:r>
-              <a:rPr lang="en-GB" dirty="0"/>
-              <a:t>including annotations for the attributes and for the relationships, fetch type of attributes and of relationships, and operation cascading policies for relationships  </a:t>
-            </a:r>
-          </a:p>
-          <a:p>
-            <a:r>
-              <a:rPr lang="en-GB" dirty="0"/>
-              <a:t>B </a:t>
-            </a:r>
-            <a:r>
-              <a:rPr lang="en-GB" dirty="0">
-                <a:sym typeface="Wingdings" panose="05000000000000000000" pitchFamily="2" charset="2"/>
-              </a:rPr>
-              <a:t> A … describe ORM here</a:t>
-            </a:r>
-          </a:p>
-        </p:txBody>
-      </p:sp>
-      <p:sp>
-        <p:nvSpPr>
-          <p:cNvPr id="6" name="Rectangle 5"/>
-          <p:cNvSpPr/>
-          <p:nvPr/>
-        </p:nvSpPr>
-        <p:spPr>
-          <a:xfrm>
-            <a:off x="2968593" y="1744230"/>
-            <a:ext cx="1568918" cy="471638"/>
-          </a:xfrm>
-          <a:prstGeom prst="rect">
-            <a:avLst/>
-          </a:prstGeom>
-          <a:ln w="38100"/>
-        </p:spPr>
-        <p:style>
-          <a:lnRef idx="2">
-            <a:schemeClr val="accent1"/>
-          </a:lnRef>
-          <a:fillRef idx="1">
-            <a:schemeClr val="lt1"/>
-          </a:fillRef>
-          <a:effectRef idx="0">
-            <a:schemeClr val="accent1"/>
-          </a:effectRef>
-          <a:fontRef idx="minor">
-            <a:schemeClr val="dk1"/>
-          </a:fontRef>
-        </p:style>
-        <p:txBody>
-          <a:bodyPr rtlCol="0" anchor="ctr"/>
-          <a:lstStyle/>
-          <a:p>
-            <a:pPr algn="ctr"/>
-            <a:r>
-              <a:rPr lang="en-GB" dirty="0"/>
-              <a:t>B</a:t>
-            </a:r>
-          </a:p>
-        </p:txBody>
-      </p:sp>
-      <p:sp>
-        <p:nvSpPr>
-          <p:cNvPr id="7" name="Rectangle 6"/>
-          <p:cNvSpPr/>
-          <p:nvPr/>
-        </p:nvSpPr>
-        <p:spPr>
-          <a:xfrm>
-            <a:off x="204531" y="1744230"/>
-            <a:ext cx="1568918" cy="471638"/>
-          </a:xfrm>
-          <a:prstGeom prst="rect">
-            <a:avLst/>
-          </a:prstGeom>
-          <a:ln w="38100"/>
-        </p:spPr>
-        <p:style>
-          <a:lnRef idx="2">
-            <a:schemeClr val="accent1"/>
-          </a:lnRef>
-          <a:fillRef idx="1">
-            <a:schemeClr val="lt1"/>
-          </a:fillRef>
-          <a:effectRef idx="0">
-            <a:schemeClr val="accent1"/>
-          </a:effectRef>
-          <a:fontRef idx="minor">
-            <a:schemeClr val="dk1"/>
-          </a:fontRef>
-        </p:style>
-        <p:txBody>
-          <a:bodyPr rtlCol="0" anchor="ctr"/>
-          <a:lstStyle/>
-          <a:p>
-            <a:pPr algn="ctr"/>
-            <a:r>
-              <a:rPr lang="en-GB" dirty="0"/>
-              <a:t>A</a:t>
-            </a:r>
-          </a:p>
-        </p:txBody>
-      </p:sp>
-      <p:sp>
-        <p:nvSpPr>
-          <p:cNvPr id="8" name="Diamond 7"/>
-          <p:cNvSpPr/>
-          <p:nvPr/>
-        </p:nvSpPr>
-        <p:spPr>
-          <a:xfrm rot="5400000">
-            <a:off x="2204983" y="1771428"/>
-            <a:ext cx="394638" cy="417244"/>
-          </a:xfrm>
-          <a:prstGeom prst="diamond">
-            <a:avLst/>
-          </a:prstGeom>
-          <a:ln w="38100"/>
-        </p:spPr>
-        <p:style>
-          <a:lnRef idx="2">
-            <a:schemeClr val="accent1"/>
-          </a:lnRef>
-          <a:fillRef idx="1">
-            <a:schemeClr val="lt1"/>
-          </a:fillRef>
-          <a:effectRef idx="0">
-            <a:schemeClr val="accent1"/>
-          </a:effectRef>
-          <a:fontRef idx="minor">
-            <a:schemeClr val="dk1"/>
-          </a:fontRef>
-        </p:style>
-        <p:txBody>
-          <a:bodyPr rtlCol="0" anchor="ctr"/>
-          <a:lstStyle/>
-          <a:p>
-            <a:pPr algn="ctr"/>
-            <a:endParaRPr lang="en-GB">
-              <a:solidFill>
-                <a:schemeClr val="dk1"/>
-              </a:solidFill>
-            </a:endParaRPr>
-          </a:p>
-        </p:txBody>
-      </p:sp>
-      <p:cxnSp>
-        <p:nvCxnSpPr>
-          <p:cNvPr id="9" name="Straight Connector 8"/>
-          <p:cNvCxnSpPr>
-            <a:stCxn id="6" idx="1"/>
-          </p:cNvCxnSpPr>
-          <p:nvPr/>
-        </p:nvCxnSpPr>
-        <p:spPr>
-          <a:xfrm flipH="1">
-            <a:off x="2639800" y="1980049"/>
-            <a:ext cx="328793" cy="1"/>
-          </a:xfrm>
-          <a:prstGeom prst="line">
-            <a:avLst/>
-          </a:prstGeom>
-          <a:ln w="28575">
-            <a:solidFill>
-              <a:schemeClr val="accent1"/>
-            </a:solidFill>
-          </a:ln>
-        </p:spPr>
-        <p:style>
-          <a:lnRef idx="1">
-            <a:schemeClr val="accent1"/>
-          </a:lnRef>
-          <a:fillRef idx="0">
-            <a:schemeClr val="accent1"/>
-          </a:fillRef>
-          <a:effectRef idx="0">
-            <a:schemeClr val="accent1"/>
-          </a:effectRef>
-          <a:fontRef idx="minor">
-            <a:schemeClr val="tx1"/>
-          </a:fontRef>
-        </p:style>
-      </p:cxnSp>
-      <p:cxnSp>
-        <p:nvCxnSpPr>
-          <p:cNvPr id="10" name="Straight Connector 9"/>
-          <p:cNvCxnSpPr>
-            <a:stCxn id="8" idx="2"/>
-          </p:cNvCxnSpPr>
-          <p:nvPr/>
-        </p:nvCxnSpPr>
-        <p:spPr>
-          <a:xfrm flipH="1">
-            <a:off x="1773450" y="1980050"/>
-            <a:ext cx="420230" cy="0"/>
-          </a:xfrm>
-          <a:prstGeom prst="line">
-            <a:avLst/>
-          </a:prstGeom>
-          <a:ln w="28575">
-            <a:solidFill>
-              <a:schemeClr val="accent1"/>
-            </a:solidFill>
-          </a:ln>
-        </p:spPr>
-        <p:style>
-          <a:lnRef idx="1">
-            <a:schemeClr val="accent1"/>
-          </a:lnRef>
-          <a:fillRef idx="0">
-            <a:schemeClr val="accent1"/>
-          </a:fillRef>
-          <a:effectRef idx="0">
-            <a:schemeClr val="accent1"/>
-          </a:effectRef>
-          <a:fontRef idx="minor">
-            <a:schemeClr val="tx1"/>
-          </a:fontRef>
-        </p:style>
-      </p:cxnSp>
-      <p:sp>
-        <p:nvSpPr>
-          <p:cNvPr id="11" name="TextBox 10"/>
-          <p:cNvSpPr txBox="1"/>
-          <p:nvPr/>
-        </p:nvSpPr>
-        <p:spPr>
-          <a:xfrm>
-            <a:off x="2548363" y="2105721"/>
-            <a:ext cx="481222" cy="369332"/>
-          </a:xfrm>
-          <a:prstGeom prst="rect">
-            <a:avLst/>
-          </a:prstGeom>
-          <a:noFill/>
-        </p:spPr>
-        <p:txBody>
-          <a:bodyPr wrap="none" rtlCol="0">
-            <a:spAutoFit/>
-          </a:bodyPr>
-          <a:lstStyle/>
-          <a:p>
-            <a:r>
-              <a:rPr lang="en-GB" dirty="0"/>
-              <a:t>1:1</a:t>
-            </a:r>
-          </a:p>
-        </p:txBody>
-      </p:sp>
-      <p:sp>
-        <p:nvSpPr>
-          <p:cNvPr id="12" name="TextBox 11"/>
-          <p:cNvSpPr txBox="1"/>
-          <p:nvPr/>
-        </p:nvSpPr>
-        <p:spPr>
-          <a:xfrm>
-            <a:off x="1824778" y="2110612"/>
-            <a:ext cx="513282" cy="369332"/>
-          </a:xfrm>
-          <a:prstGeom prst="rect">
-            <a:avLst/>
-          </a:prstGeom>
-          <a:noFill/>
-        </p:spPr>
-        <p:txBody>
-          <a:bodyPr wrap="none" rtlCol="0">
-            <a:spAutoFit/>
-          </a:bodyPr>
-          <a:lstStyle/>
-          <a:p>
-            <a:r>
-              <a:rPr lang="en-GB" dirty="0"/>
-              <a:t>0:N</a:t>
-            </a:r>
-          </a:p>
-        </p:txBody>
-      </p:sp>
-      <p:sp>
-        <p:nvSpPr>
-          <p:cNvPr id="13" name="TextBox 12"/>
-          <p:cNvSpPr txBox="1"/>
-          <p:nvPr/>
-        </p:nvSpPr>
-        <p:spPr>
-          <a:xfrm>
-            <a:off x="1619446" y="1355558"/>
-            <a:ext cx="1436804" cy="369332"/>
-          </a:xfrm>
-          <a:prstGeom prst="rect">
-            <a:avLst/>
-          </a:prstGeom>
-          <a:noFill/>
-        </p:spPr>
-        <p:txBody>
-          <a:bodyPr wrap="none" rtlCol="0">
-            <a:spAutoFit/>
-          </a:bodyPr>
-          <a:lstStyle/>
-          <a:p>
-            <a:r>
-              <a:rPr lang="en-GB" dirty="0"/>
-              <a:t>responsibility</a:t>
-            </a:r>
-          </a:p>
-        </p:txBody>
-      </p:sp>
-      <p:sp>
-        <p:nvSpPr>
-          <p:cNvPr id="14" name="Rectangle 13"/>
-          <p:cNvSpPr/>
-          <p:nvPr/>
-        </p:nvSpPr>
-        <p:spPr>
-          <a:xfrm>
-            <a:off x="2986239" y="3167167"/>
-            <a:ext cx="1568918" cy="471638"/>
-          </a:xfrm>
-          <a:prstGeom prst="rect">
-            <a:avLst/>
-          </a:prstGeom>
-          <a:noFill/>
-          <a:ln w="38100">
-            <a:solidFill>
-              <a:srgbClr val="00B050"/>
-            </a:solidFill>
-          </a:ln>
-        </p:spPr>
-        <p:style>
-          <a:lnRef idx="2">
-            <a:schemeClr val="accent1"/>
-          </a:lnRef>
-          <a:fillRef idx="1">
-            <a:schemeClr val="lt1"/>
-          </a:fillRef>
-          <a:effectRef idx="0">
-            <a:schemeClr val="accent1"/>
-          </a:effectRef>
-          <a:fontRef idx="minor">
-            <a:schemeClr val="dk1"/>
-          </a:fontRef>
-        </p:style>
-        <p:txBody>
-          <a:bodyPr rtlCol="0" anchor="ctr"/>
-          <a:lstStyle/>
-          <a:p>
-            <a:pPr algn="ctr"/>
-            <a:r>
-              <a:rPr lang="en-GB" dirty="0"/>
-              <a:t>B</a:t>
-            </a:r>
-          </a:p>
-        </p:txBody>
-      </p:sp>
-      <p:sp>
-        <p:nvSpPr>
-          <p:cNvPr id="15" name="Rectangle 14"/>
-          <p:cNvSpPr/>
-          <p:nvPr/>
-        </p:nvSpPr>
-        <p:spPr>
-          <a:xfrm>
-            <a:off x="222177" y="3167167"/>
-            <a:ext cx="1568918" cy="471638"/>
-          </a:xfrm>
-          <a:prstGeom prst="rect">
-            <a:avLst/>
-          </a:prstGeom>
-          <a:noFill/>
-          <a:ln w="38100">
-            <a:solidFill>
-              <a:srgbClr val="00B050"/>
-            </a:solidFill>
-          </a:ln>
-        </p:spPr>
-        <p:style>
-          <a:lnRef idx="2">
-            <a:schemeClr val="accent1"/>
-          </a:lnRef>
-          <a:fillRef idx="1">
-            <a:schemeClr val="lt1"/>
-          </a:fillRef>
-          <a:effectRef idx="0">
-            <a:schemeClr val="accent1"/>
-          </a:effectRef>
-          <a:fontRef idx="minor">
-            <a:schemeClr val="dk1"/>
-          </a:fontRef>
-        </p:style>
-        <p:txBody>
-          <a:bodyPr rtlCol="0" anchor="ctr"/>
-          <a:lstStyle/>
-          <a:p>
-            <a:pPr algn="ctr"/>
-            <a:r>
-              <a:rPr lang="en-GB" dirty="0"/>
-              <a:t>A</a:t>
-            </a:r>
-          </a:p>
-        </p:txBody>
-      </p:sp>
-      <p:cxnSp>
-        <p:nvCxnSpPr>
-          <p:cNvPr id="16" name="Straight Connector 15"/>
-          <p:cNvCxnSpPr>
-            <a:stCxn id="14" idx="1"/>
-            <a:endCxn id="15" idx="3"/>
-          </p:cNvCxnSpPr>
-          <p:nvPr/>
-        </p:nvCxnSpPr>
-        <p:spPr>
-          <a:xfrm flipH="1">
-            <a:off x="1791095" y="3402986"/>
-            <a:ext cx="1195144" cy="0"/>
-          </a:xfrm>
-          <a:prstGeom prst="line">
-            <a:avLst/>
-          </a:prstGeom>
-          <a:ln w="38100">
-            <a:solidFill>
-              <a:srgbClr val="00B050"/>
-            </a:solidFill>
-            <a:headEnd type="triangle" w="med" len="med"/>
-            <a:tailEnd type="none" w="med" len="med"/>
-          </a:ln>
-        </p:spPr>
-        <p:style>
-          <a:lnRef idx="1">
-            <a:schemeClr val="accent1"/>
-          </a:lnRef>
-          <a:fillRef idx="0">
-            <a:schemeClr val="accent1"/>
-          </a:fillRef>
-          <a:effectRef idx="0">
-            <a:schemeClr val="accent1"/>
-          </a:effectRef>
-          <a:fontRef idx="minor">
-            <a:schemeClr val="tx1"/>
-          </a:fontRef>
-        </p:style>
-      </p:cxnSp>
-      <p:sp>
-        <p:nvSpPr>
-          <p:cNvPr id="17" name="Rectangle 16"/>
-          <p:cNvSpPr/>
-          <p:nvPr/>
-        </p:nvSpPr>
-        <p:spPr>
-          <a:xfrm>
-            <a:off x="2994260" y="4474599"/>
-            <a:ext cx="1568918" cy="471638"/>
-          </a:xfrm>
-          <a:prstGeom prst="rect">
-            <a:avLst/>
-          </a:prstGeom>
-          <a:noFill/>
-          <a:ln w="38100">
-            <a:solidFill>
-              <a:srgbClr val="00B050"/>
-            </a:solidFill>
-          </a:ln>
-        </p:spPr>
-        <p:style>
-          <a:lnRef idx="2">
-            <a:schemeClr val="accent1"/>
-          </a:lnRef>
-          <a:fillRef idx="1">
-            <a:schemeClr val="lt1"/>
-          </a:fillRef>
-          <a:effectRef idx="0">
-            <a:schemeClr val="accent1"/>
-          </a:effectRef>
-          <a:fontRef idx="minor">
-            <a:schemeClr val="dk1"/>
-          </a:fontRef>
-        </p:style>
-        <p:txBody>
-          <a:bodyPr rtlCol="0" anchor="ctr"/>
-          <a:lstStyle/>
-          <a:p>
-            <a:pPr algn="ctr"/>
-            <a:r>
-              <a:rPr lang="en-GB" dirty="0"/>
-              <a:t>B</a:t>
-            </a:r>
-          </a:p>
-        </p:txBody>
-      </p:sp>
-      <p:sp>
-        <p:nvSpPr>
-          <p:cNvPr id="18" name="Rectangle 17"/>
-          <p:cNvSpPr/>
-          <p:nvPr/>
-        </p:nvSpPr>
-        <p:spPr>
-          <a:xfrm>
-            <a:off x="230198" y="4474599"/>
-            <a:ext cx="1568918" cy="471638"/>
-          </a:xfrm>
-          <a:prstGeom prst="rect">
-            <a:avLst/>
-          </a:prstGeom>
-          <a:noFill/>
-          <a:ln w="38100">
-            <a:solidFill>
-              <a:srgbClr val="00B050"/>
-            </a:solidFill>
-          </a:ln>
-        </p:spPr>
-        <p:style>
-          <a:lnRef idx="2">
-            <a:schemeClr val="accent1"/>
-          </a:lnRef>
-          <a:fillRef idx="1">
-            <a:schemeClr val="lt1"/>
-          </a:fillRef>
-          <a:effectRef idx="0">
-            <a:schemeClr val="accent1"/>
-          </a:effectRef>
-          <a:fontRef idx="minor">
-            <a:schemeClr val="dk1"/>
-          </a:fontRef>
-        </p:style>
-        <p:txBody>
-          <a:bodyPr rtlCol="0" anchor="ctr"/>
-          <a:lstStyle/>
-          <a:p>
-            <a:pPr algn="ctr"/>
-            <a:r>
-              <a:rPr lang="en-GB" dirty="0"/>
-              <a:t>A</a:t>
-            </a:r>
-          </a:p>
-        </p:txBody>
-      </p:sp>
-      <p:cxnSp>
-        <p:nvCxnSpPr>
-          <p:cNvPr id="19" name="Straight Connector 18"/>
-          <p:cNvCxnSpPr>
-            <a:stCxn id="17" idx="1"/>
-            <a:endCxn id="18" idx="3"/>
-          </p:cNvCxnSpPr>
-          <p:nvPr/>
-        </p:nvCxnSpPr>
-        <p:spPr>
-          <a:xfrm flipH="1">
-            <a:off x="1799116" y="4710418"/>
-            <a:ext cx="1195144" cy="0"/>
-          </a:xfrm>
-          <a:prstGeom prst="line">
-            <a:avLst/>
-          </a:prstGeom>
-          <a:ln w="38100">
-            <a:solidFill>
-              <a:srgbClr val="00B050"/>
-            </a:solidFill>
-            <a:headEnd type="none" w="med" len="med"/>
-            <a:tailEnd type="triangle" w="med" len="med"/>
-          </a:ln>
-        </p:spPr>
-        <p:style>
-          <a:lnRef idx="1">
-            <a:schemeClr val="accent1"/>
-          </a:lnRef>
-          <a:fillRef idx="0">
-            <a:schemeClr val="accent1"/>
-          </a:fillRef>
-          <a:effectRef idx="0">
-            <a:schemeClr val="accent1"/>
-          </a:effectRef>
-          <a:fontRef idx="minor">
-            <a:schemeClr val="tx1"/>
-          </a:fontRef>
-        </p:style>
-      </p:cxnSp>
-      <p:sp>
-        <p:nvSpPr>
-          <p:cNvPr id="20" name="TextBox 19"/>
-          <p:cNvSpPr txBox="1"/>
-          <p:nvPr/>
-        </p:nvSpPr>
-        <p:spPr>
-          <a:xfrm>
-            <a:off x="2671888" y="3134022"/>
-            <a:ext cx="300082" cy="369332"/>
-          </a:xfrm>
-          <a:prstGeom prst="rect">
-            <a:avLst/>
-          </a:prstGeom>
-          <a:noFill/>
-        </p:spPr>
-        <p:txBody>
-          <a:bodyPr wrap="none" rtlCol="0">
-            <a:spAutoFit/>
-          </a:bodyPr>
-          <a:lstStyle/>
-          <a:p>
-            <a:r>
-              <a:rPr lang="en-GB" dirty="0"/>
-              <a:t>*</a:t>
-            </a:r>
-          </a:p>
-        </p:txBody>
-      </p:sp>
-      <p:sp>
-        <p:nvSpPr>
-          <p:cNvPr id="21" name="TextBox 20"/>
-          <p:cNvSpPr txBox="1"/>
-          <p:nvPr/>
-        </p:nvSpPr>
-        <p:spPr>
-          <a:xfrm>
-            <a:off x="1786359" y="4308305"/>
-            <a:ext cx="301686" cy="369332"/>
-          </a:xfrm>
-          <a:prstGeom prst="rect">
-            <a:avLst/>
-          </a:prstGeom>
-          <a:noFill/>
-        </p:spPr>
-        <p:txBody>
-          <a:bodyPr wrap="none" rtlCol="0">
-            <a:spAutoFit/>
-          </a:bodyPr>
-          <a:lstStyle/>
-          <a:p>
-            <a:r>
-              <a:rPr lang="en-GB" dirty="0"/>
-              <a:t>1</a:t>
-            </a:r>
-          </a:p>
-        </p:txBody>
-      </p:sp>
-      <p:sp>
-        <p:nvSpPr>
-          <p:cNvPr id="3" name="Rectangle 2">
-            <a:extLst>
-              <a:ext uri="{FF2B5EF4-FFF2-40B4-BE49-F238E27FC236}">
-                <a16:creationId xmlns:a16="http://schemas.microsoft.com/office/drawing/2014/main" id="{C72757C2-9A16-4C70-89A8-69F1E2460174}"/>
-              </a:ext>
-            </a:extLst>
-          </p:cNvPr>
-          <p:cNvSpPr/>
-          <p:nvPr/>
-        </p:nvSpPr>
-        <p:spPr>
-          <a:xfrm>
-            <a:off x="1983565" y="6358024"/>
-            <a:ext cx="6063178" cy="369332"/>
-          </a:xfrm>
-          <a:prstGeom prst="rect">
-            <a:avLst/>
-          </a:prstGeom>
-        </p:spPr>
-        <p:txBody>
-          <a:bodyPr wrap="square">
-            <a:spAutoFit/>
-          </a:bodyPr>
-          <a:lstStyle/>
-          <a:p>
-            <a:r>
-              <a:rPr lang="en-GB" dirty="0">
-                <a:sym typeface="Wingdings" panose="05000000000000000000" pitchFamily="2" charset="2"/>
-              </a:rPr>
-              <a:t>Clone this slide as many times as there are relationships</a:t>
-            </a:r>
+        <p:spPr/>
+        <p:txBody>
+          <a:bodyPr/>
+          <a:lstStyle/>
+          <a:p>
+            <a:r>
+              <a:rPr lang="en-GB" dirty="0"/>
+              <a:t>If there are considerations about the logical model write them here</a:t>
+            </a:r>
+          </a:p>
+          <a:p>
+            <a:pPr marL="0" indent="0">
+              <a:buNone/>
+            </a:pPr>
             <a:endParaRPr lang="en-GB" dirty="0"/>
           </a:p>
         </p:txBody>
@@ -4361,7 +4510,7 @@
     </p:spTree>
     <p:extLst>
       <p:ext uri="{BB962C8B-B14F-4D97-AF65-F5344CB8AC3E}">
-        <p14:creationId xmlns:p14="http://schemas.microsoft.com/office/powerpoint/2010/main" val="2101117720"/>
+        <p14:creationId xmlns:p14="http://schemas.microsoft.com/office/powerpoint/2010/main" val="3142545725"/>
       </p:ext>
     </p:extLst>
   </p:cSld>
@@ -4405,14 +4554,14 @@
           <a:p>
             <a:r>
               <a:rPr lang="it-IT" dirty="0"/>
-              <a:t>ORM design motivations</a:t>
-            </a:r>
-          </a:p>
-        </p:txBody>
-      </p:sp>
-      <p:sp>
-        <p:nvSpPr>
-          <p:cNvPr id="5" name="Content Placeholder 4"/>
+              <a:t>Trigger design &amp; code</a:t>
+            </a:r>
+          </a:p>
+        </p:txBody>
+      </p:sp>
+      <p:sp>
+        <p:nvSpPr>
+          <p:cNvPr id="3" name="Content Placeholder 2"/>
           <p:cNvSpPr>
             <a:spLocks noGrp="1"/>
           </p:cNvSpPr>
@@ -4427,7 +4576,62 @@
           <a:p>
             <a:r>
               <a:rPr lang="it-IT" dirty="0"/>
-              <a:t>If there are aspects of the ORM that you want to illustrate or motivate, write your explanations after each relationship ORM design slide or at the end of the ORM design section</a:t>
+              <a:t>For all triggers specify at high level</a:t>
+            </a:r>
+          </a:p>
+          <a:p>
+            <a:pPr lvl="1"/>
+            <a:r>
+              <a:rPr lang="it-IT" dirty="0"/>
+              <a:t>Event </a:t>
+            </a:r>
+          </a:p>
+          <a:p>
+            <a:pPr lvl="1"/>
+            <a:r>
+              <a:rPr lang="it-IT" dirty="0"/>
+              <a:t>Condition</a:t>
+            </a:r>
+          </a:p>
+          <a:p>
+            <a:pPr lvl="1"/>
+            <a:r>
+              <a:rPr lang="it-IT" dirty="0"/>
+              <a:t>Action</a:t>
+            </a:r>
+          </a:p>
+          <a:p>
+            <a:pPr lvl="1"/>
+            <a:r>
+              <a:rPr lang="it-IT" dirty="0"/>
+              <a:t>SQL code of the trigger</a:t>
+            </a:r>
+          </a:p>
+          <a:p>
+            <a:r>
+              <a:rPr lang="it-IT" dirty="0"/>
+              <a:t>Trigger design motivation (if needed)</a:t>
+            </a:r>
+          </a:p>
+          <a:p>
+            <a:pPr lvl="1"/>
+            <a:r>
+              <a:rPr lang="it-IT" dirty="0"/>
+              <a:t>E.g., ROW vs STATEMENT</a:t>
+            </a:r>
+          </a:p>
+          <a:p>
+            <a:pPr lvl="1"/>
+            <a:r>
+              <a:rPr lang="it-IT" dirty="0"/>
+              <a:t>BEFORE vs AFTER</a:t>
+            </a:r>
+          </a:p>
+          <a:p>
+            <a:pPr lvl="1"/>
+            <a:r>
+              <a:rPr lang="it-IT" dirty="0"/>
+              <a:t>Termination and triggering cycle</a:t>
             </a:r>
           </a:p>
         </p:txBody>
@@ -4435,7 +4639,7 @@
     </p:spTree>
     <p:extLst>
       <p:ext uri="{BB962C8B-B14F-4D97-AF65-F5344CB8AC3E}">
-        <p14:creationId xmlns:p14="http://schemas.microsoft.com/office/powerpoint/2010/main" val="2955575121"/>
+        <p14:creationId xmlns:p14="http://schemas.microsoft.com/office/powerpoint/2010/main" val="409465347"/>
       </p:ext>
     </p:extLst>
   </p:cSld>
@@ -4464,12 +4668,12 @@
       </p:grpSpPr>
       <p:sp>
         <p:nvSpPr>
-          <p:cNvPr id="2" name="Title 1"/>
+          <p:cNvPr id="4" name="Title 3"/>
           <p:cNvSpPr>
             <a:spLocks noGrp="1"/>
           </p:cNvSpPr>
           <p:nvPr>
-            <p:ph type="title"/>
+            <p:ph type="ctrTitle"/>
           </p:nvPr>
         </p:nvSpPr>
         <p:spPr/>
@@ -4478,403 +4682,35 @@
           <a:lstStyle/>
           <a:p>
             <a:r>
-              <a:rPr lang="en-GB" dirty="0"/>
-              <a:t>Entity Employee</a:t>
-            </a:r>
-          </a:p>
-        </p:txBody>
-      </p:sp>
-      <p:sp>
-        <p:nvSpPr>
-          <p:cNvPr id="5" name="Content Placeholder 4"/>
+              <a:rPr lang="it-IT" dirty="0"/>
+              <a:t>ORM design</a:t>
+            </a:r>
+          </a:p>
+        </p:txBody>
+      </p:sp>
+      <p:sp>
+        <p:nvSpPr>
+          <p:cNvPr id="5" name="Subtitle 4"/>
           <p:cNvSpPr>
             <a:spLocks noGrp="1"/>
           </p:cNvSpPr>
           <p:nvPr>
-            <p:ph idx="1"/>
+            <p:ph type="subTitle" idx="1"/>
           </p:nvPr>
         </p:nvSpPr>
-        <p:spPr>
-          <a:xfrm>
-            <a:off x="1" y="1434164"/>
-            <a:ext cx="9144000" cy="5342021"/>
-          </a:xfrm>
-        </p:spPr>
-        <p:txBody>
-          <a:bodyPr>
-            <a:normAutofit/>
-          </a:bodyPr>
-          <a:lstStyle/>
-          <a:p>
-            <a:pPr marL="0" indent="0">
-              <a:spcBef>
-                <a:spcPts val="0"/>
-              </a:spcBef>
-              <a:buNone/>
-            </a:pPr>
-            <a:r>
-              <a:rPr lang="en-GB" sz="1500" dirty="0">
-                <a:latin typeface="Courier New" panose="02070309020205020404" pitchFamily="49" charset="0"/>
-                <a:cs typeface="Courier New" panose="02070309020205020404" pitchFamily="49" charset="0"/>
-              </a:rPr>
-              <a:t>@Entity</a:t>
-            </a:r>
-          </a:p>
-          <a:p>
-            <a:pPr marL="0" indent="0">
-              <a:spcBef>
-                <a:spcPts val="0"/>
-              </a:spcBef>
-              <a:buNone/>
-            </a:pPr>
-            <a:r>
-              <a:rPr lang="en-GB" sz="1500" dirty="0">
-                <a:latin typeface="Courier New" panose="02070309020205020404" pitchFamily="49" charset="0"/>
-                <a:cs typeface="Courier New" panose="02070309020205020404" pitchFamily="49" charset="0"/>
-              </a:rPr>
-              <a:t>@</a:t>
-            </a:r>
-            <a:r>
-              <a:rPr lang="en-GB" sz="1500" dirty="0" err="1">
-                <a:latin typeface="Courier New" panose="02070309020205020404" pitchFamily="49" charset="0"/>
-                <a:cs typeface="Courier New" panose="02070309020205020404" pitchFamily="49" charset="0"/>
-              </a:rPr>
-              <a:t>NamedQueries</a:t>
-            </a:r>
-            <a:r>
-              <a:rPr lang="en-GB" sz="1500" dirty="0">
-                <a:latin typeface="Courier New" panose="02070309020205020404" pitchFamily="49" charset="0"/>
-                <a:cs typeface="Courier New" panose="02070309020205020404" pitchFamily="49" charset="0"/>
-              </a:rPr>
-              <a:t>({ </a:t>
-            </a:r>
-            <a:br>
-              <a:rPr lang="en-GB" sz="1500" dirty="0">
-                <a:latin typeface="Courier New" panose="02070309020205020404" pitchFamily="49" charset="0"/>
-                <a:cs typeface="Courier New" panose="02070309020205020404" pitchFamily="49" charset="0"/>
-              </a:rPr>
-            </a:br>
-            <a:r>
-              <a:rPr lang="en-GB" sz="1500" dirty="0">
-                <a:latin typeface="Courier New" panose="02070309020205020404" pitchFamily="49" charset="0"/>
-                <a:cs typeface="Courier New" panose="02070309020205020404" pitchFamily="49" charset="0"/>
-              </a:rPr>
-              <a:t>  @</a:t>
-            </a:r>
-            <a:r>
-              <a:rPr lang="en-GB" sz="1500" dirty="0" err="1">
-                <a:latin typeface="Courier New" panose="02070309020205020404" pitchFamily="49" charset="0"/>
-                <a:cs typeface="Courier New" panose="02070309020205020404" pitchFamily="49" charset="0"/>
-              </a:rPr>
-              <a:t>NamedQuery</a:t>
-            </a:r>
-            <a:r>
-              <a:rPr lang="en-GB" sz="1500" dirty="0">
-                <a:latin typeface="Courier New" panose="02070309020205020404" pitchFamily="49" charset="0"/>
-                <a:cs typeface="Courier New" panose="02070309020205020404" pitchFamily="49" charset="0"/>
-              </a:rPr>
-              <a:t>(name = “</a:t>
-            </a:r>
-            <a:r>
-              <a:rPr lang="en-GB" sz="1500" dirty="0" err="1">
-                <a:latin typeface="Courier New" panose="02070309020205020404" pitchFamily="49" charset="0"/>
-                <a:cs typeface="Courier New" panose="02070309020205020404" pitchFamily="49" charset="0"/>
-              </a:rPr>
-              <a:t>A.query</a:t>
-            </a:r>
-            <a:r>
-              <a:rPr lang="en-GB" sz="1500" dirty="0">
-                <a:latin typeface="Courier New" panose="02070309020205020404" pitchFamily="49" charset="0"/>
-                <a:cs typeface="Courier New" panose="02070309020205020404" pitchFamily="49" charset="0"/>
-              </a:rPr>
-              <a:t>", query = </a:t>
-            </a:r>
-            <a:br>
-              <a:rPr lang="en-GB" sz="1500" dirty="0">
-                <a:latin typeface="Courier New" panose="02070309020205020404" pitchFamily="49" charset="0"/>
-                <a:cs typeface="Courier New" panose="02070309020205020404" pitchFamily="49" charset="0"/>
-              </a:rPr>
-            </a:br>
-            <a:r>
-              <a:rPr lang="en-GB" sz="1500" dirty="0">
-                <a:latin typeface="Courier New" panose="02070309020205020404" pitchFamily="49" charset="0"/>
-                <a:cs typeface="Courier New" panose="02070309020205020404" pitchFamily="49" charset="0"/>
-              </a:rPr>
-              <a:t>    “ . . . "),</a:t>
-            </a:r>
-          </a:p>
-          <a:p>
-            <a:pPr marL="0" indent="0">
-              <a:spcBef>
-                <a:spcPts val="0"/>
-              </a:spcBef>
-              <a:buNone/>
-            </a:pPr>
-            <a:r>
-              <a:rPr lang="en-GB" sz="1500" dirty="0">
-                <a:latin typeface="Courier New" panose="02070309020205020404" pitchFamily="49" charset="0"/>
-                <a:cs typeface="Courier New" panose="02070309020205020404" pitchFamily="49" charset="0"/>
-              </a:rPr>
-              <a:t>   . . .})</a:t>
-            </a:r>
-          </a:p>
-          <a:p>
-            <a:pPr marL="0" indent="0">
-              <a:spcBef>
-                <a:spcPts val="0"/>
-              </a:spcBef>
-              <a:buNone/>
-            </a:pPr>
-            <a:endParaRPr lang="en-GB" sz="1500" dirty="0">
-              <a:latin typeface="Courier New" panose="02070309020205020404" pitchFamily="49" charset="0"/>
-              <a:cs typeface="Courier New" panose="02070309020205020404" pitchFamily="49" charset="0"/>
-            </a:endParaRPr>
-          </a:p>
-          <a:p>
-            <a:pPr marL="0" indent="0">
-              <a:spcBef>
-                <a:spcPts val="0"/>
-              </a:spcBef>
-              <a:buNone/>
-            </a:pPr>
-            <a:r>
-              <a:rPr lang="en-GB" sz="1500" dirty="0">
-                <a:latin typeface="Courier New" panose="02070309020205020404" pitchFamily="49" charset="0"/>
-                <a:cs typeface="Courier New" panose="02070309020205020404" pitchFamily="49" charset="0"/>
-              </a:rPr>
-              <a:t>public class A implements Serializable {</a:t>
-            </a:r>
-          </a:p>
-          <a:p>
-            <a:pPr marL="0" indent="0">
-              <a:spcBef>
-                <a:spcPts val="0"/>
-              </a:spcBef>
-              <a:buNone/>
-            </a:pPr>
-            <a:r>
-              <a:rPr lang="en-GB" sz="1500" dirty="0">
-                <a:latin typeface="Courier New" panose="02070309020205020404" pitchFamily="49" charset="0"/>
-                <a:cs typeface="Courier New" panose="02070309020205020404" pitchFamily="49" charset="0"/>
-              </a:rPr>
-              <a:t>..</a:t>
-            </a:r>
-          </a:p>
-          <a:p>
-            <a:pPr marL="0" indent="0">
-              <a:spcBef>
-                <a:spcPts val="0"/>
-              </a:spcBef>
-              <a:buNone/>
-            </a:pPr>
-            <a:endParaRPr lang="en-GB" sz="1500" dirty="0">
-              <a:latin typeface="Courier New" panose="02070309020205020404" pitchFamily="49" charset="0"/>
-              <a:cs typeface="Courier New" panose="02070309020205020404" pitchFamily="49" charset="0"/>
-            </a:endParaRPr>
-          </a:p>
-          <a:p>
-            <a:pPr marL="0" indent="0">
-              <a:spcBef>
-                <a:spcPts val="0"/>
-              </a:spcBef>
-              <a:buNone/>
-            </a:pPr>
-            <a:r>
-              <a:rPr lang="en-GB" sz="1500" dirty="0">
-                <a:latin typeface="Courier New" panose="02070309020205020404" pitchFamily="49" charset="0"/>
-                <a:cs typeface="Courier New" panose="02070309020205020404" pitchFamily="49" charset="0"/>
-              </a:rPr>
-              <a:t>// attributes &amp; their annotations</a:t>
-            </a:r>
-          </a:p>
-          <a:p>
-            <a:pPr marL="0" indent="0">
-              <a:spcBef>
-                <a:spcPts val="0"/>
-              </a:spcBef>
-              <a:buNone/>
-            </a:pPr>
-            <a:endParaRPr lang="en-GB" sz="1500" dirty="0">
-              <a:latin typeface="Courier New" panose="02070309020205020404" pitchFamily="49" charset="0"/>
-              <a:cs typeface="Courier New" panose="02070309020205020404" pitchFamily="49" charset="0"/>
-            </a:endParaRPr>
-          </a:p>
-          <a:p>
-            <a:pPr marL="0" indent="0">
-              <a:spcBef>
-                <a:spcPts val="0"/>
-              </a:spcBef>
-              <a:buNone/>
-            </a:pPr>
-            <a:endParaRPr lang="en-GB" sz="1500" dirty="0">
-              <a:latin typeface="Courier New" panose="02070309020205020404" pitchFamily="49" charset="0"/>
-              <a:cs typeface="Courier New" panose="02070309020205020404" pitchFamily="49" charset="0"/>
-            </a:endParaRPr>
-          </a:p>
-          <a:p>
-            <a:pPr marL="0" indent="0">
-              <a:spcBef>
-                <a:spcPts val="0"/>
-              </a:spcBef>
-              <a:buNone/>
-            </a:pPr>
-            <a:r>
-              <a:rPr lang="en-GB" sz="1500" dirty="0">
-                <a:latin typeface="Courier New" panose="02070309020205020404" pitchFamily="49" charset="0"/>
-                <a:cs typeface="Courier New" panose="02070309020205020404" pitchFamily="49" charset="0"/>
-              </a:rPr>
-              <a:t>// relationships &amp; their annotations</a:t>
-            </a:r>
-          </a:p>
-          <a:p>
-            <a:pPr marL="0" indent="0">
-              <a:spcBef>
-                <a:spcPts val="0"/>
-              </a:spcBef>
-              <a:buNone/>
-            </a:pPr>
-            <a:endParaRPr lang="en-GB" sz="1500" dirty="0">
-              <a:latin typeface="Courier New" panose="02070309020205020404" pitchFamily="49" charset="0"/>
-              <a:cs typeface="Courier New" panose="02070309020205020404" pitchFamily="49" charset="0"/>
-            </a:endParaRPr>
-          </a:p>
-          <a:p>
-            <a:pPr marL="0" indent="0">
-              <a:spcBef>
-                <a:spcPts val="0"/>
-              </a:spcBef>
-              <a:buNone/>
-            </a:pPr>
-            <a:endParaRPr lang="en-GB" sz="1500" dirty="0">
-              <a:latin typeface="Courier New" panose="02070309020205020404" pitchFamily="49" charset="0"/>
-              <a:cs typeface="Courier New" panose="02070309020205020404" pitchFamily="49" charset="0"/>
-            </a:endParaRPr>
-          </a:p>
-          <a:p>
-            <a:pPr marL="0" indent="0">
-              <a:spcBef>
-                <a:spcPts val="0"/>
-              </a:spcBef>
-              <a:buNone/>
-            </a:pPr>
-            <a:r>
-              <a:rPr lang="en-GB" sz="1500" dirty="0">
-                <a:latin typeface="Courier New" panose="02070309020205020404" pitchFamily="49" charset="0"/>
-                <a:cs typeface="Courier New" panose="02070309020205020404" pitchFamily="49" charset="0"/>
-              </a:rPr>
-              <a:t>/* </a:t>
-            </a:r>
-          </a:p>
-          <a:p>
-            <a:pPr marL="0" indent="0">
-              <a:spcBef>
-                <a:spcPts val="0"/>
-              </a:spcBef>
-              <a:buNone/>
-            </a:pPr>
-            <a:r>
-              <a:rPr lang="en-GB" sz="1500" dirty="0">
-                <a:latin typeface="Courier New" panose="02070309020205020404" pitchFamily="49" charset="0"/>
-                <a:cs typeface="Courier New" panose="02070309020205020404" pitchFamily="49" charset="0"/>
-              </a:rPr>
-              <a:t>  clone this slide as may times as there are   </a:t>
-            </a:r>
-            <a:br>
-              <a:rPr lang="en-GB" sz="1500" dirty="0">
-                <a:latin typeface="Courier New" panose="02070309020205020404" pitchFamily="49" charset="0"/>
-                <a:cs typeface="Courier New" panose="02070309020205020404" pitchFamily="49" charset="0"/>
-              </a:rPr>
-            </a:br>
-            <a:r>
-              <a:rPr lang="en-GB" sz="1500" dirty="0">
-                <a:latin typeface="Courier New" panose="02070309020205020404" pitchFamily="49" charset="0"/>
-                <a:cs typeface="Courier New" panose="02070309020205020404" pitchFamily="49" charset="0"/>
-              </a:rPr>
-              <a:t>  entities </a:t>
-            </a:r>
-          </a:p>
-          <a:p>
-            <a:pPr marL="0" indent="0">
-              <a:spcBef>
-                <a:spcPts val="0"/>
-              </a:spcBef>
-              <a:buNone/>
-            </a:pPr>
-            <a:r>
-              <a:rPr lang="en-GB" sz="1500" dirty="0">
-                <a:latin typeface="Courier New" panose="02070309020205020404" pitchFamily="49" charset="0"/>
-                <a:cs typeface="Courier New" panose="02070309020205020404" pitchFamily="49" charset="0"/>
-              </a:rPr>
-              <a:t>*/</a:t>
-            </a:r>
-          </a:p>
-          <a:p>
-            <a:pPr marL="0" indent="0">
-              <a:spcBef>
-                <a:spcPts val="0"/>
-              </a:spcBef>
-              <a:buNone/>
-            </a:pPr>
-            <a:endParaRPr lang="en-GB" sz="1500" dirty="0">
-              <a:latin typeface="Courier New" panose="02070309020205020404" pitchFamily="49" charset="0"/>
-              <a:cs typeface="Courier New" panose="02070309020205020404" pitchFamily="49" charset="0"/>
-            </a:endParaRPr>
-          </a:p>
-          <a:p>
-            <a:pPr marL="0" indent="0">
-              <a:spcBef>
-                <a:spcPts val="0"/>
-              </a:spcBef>
-              <a:buNone/>
-            </a:pPr>
-            <a:endParaRPr lang="en-GB" sz="1500" dirty="0">
-              <a:latin typeface="Courier New" panose="02070309020205020404" pitchFamily="49" charset="0"/>
-              <a:cs typeface="Courier New" panose="02070309020205020404" pitchFamily="49" charset="0"/>
-            </a:endParaRPr>
-          </a:p>
-        </p:txBody>
-      </p:sp>
-      <p:sp>
-        <p:nvSpPr>
-          <p:cNvPr id="3" name="Rectangle 2">
-            <a:extLst>
-              <a:ext uri="{FF2B5EF4-FFF2-40B4-BE49-F238E27FC236}">
-                <a16:creationId xmlns:a16="http://schemas.microsoft.com/office/drawing/2014/main" id="{AC19F719-6A3E-4BE4-BB76-3CDA270B343C}"/>
-              </a:ext>
-            </a:extLst>
-          </p:cNvPr>
-          <p:cNvSpPr/>
-          <p:nvPr/>
-        </p:nvSpPr>
-        <p:spPr>
-          <a:xfrm>
-            <a:off x="3043645" y="6308208"/>
-            <a:ext cx="4572000" cy="369332"/>
-          </a:xfrm>
-          <a:prstGeom prst="rect">
-            <a:avLst/>
-          </a:prstGeom>
-        </p:spPr>
-        <p:txBody>
-          <a:bodyPr>
-            <a:spAutoFit/>
-          </a:bodyPr>
-          <a:lstStyle/>
-          <a:p>
-            <a:r>
-              <a:rPr lang="en-GB" dirty="0">
-                <a:sym typeface="Wingdings" panose="05000000000000000000" pitchFamily="2" charset="2"/>
-              </a:rPr>
-              <a:t>Clone this slide for each entity</a:t>
-            </a:r>
-            <a:endParaRPr lang="en-GB" dirty="0"/>
+        <p:spPr/>
+        <p:txBody>
+          <a:bodyPr/>
+          <a:lstStyle/>
+          <a:p>
+            <a:endParaRPr lang="it-IT"/>
           </a:p>
         </p:txBody>
       </p:sp>
     </p:spTree>
     <p:extLst>
       <p:ext uri="{BB962C8B-B14F-4D97-AF65-F5344CB8AC3E}">
-        <p14:creationId xmlns:p14="http://schemas.microsoft.com/office/powerpoint/2010/main" val="484876262"/>
+        <p14:creationId xmlns:p14="http://schemas.microsoft.com/office/powerpoint/2010/main" val="1550561967"/>
       </p:ext>
     </p:extLst>
   </p:cSld>
@@ -4917,8 +4753,8 @@
           <a:lstStyle/>
           <a:p>
             <a:r>
-              <a:rPr lang="it-IT" dirty="0"/>
-              <a:t>Functional analysis of the interaction</a:t>
+              <a:rPr lang="en-GB" dirty="0"/>
+              <a:t>Relationship “rel1” </a:t>
             </a:r>
           </a:p>
         </p:txBody>
@@ -4930,25 +4766,712 @@
             <a:spLocks noGrp="1"/>
           </p:cNvSpPr>
           <p:nvPr>
-            <p:ph idx="1"/>
+            <p:ph sz="half" idx="2"/>
           </p:nvPr>
         </p:nvSpPr>
-        <p:spPr/>
-        <p:txBody>
-          <a:bodyPr/>
-          <a:lstStyle/>
-          <a:p>
-            <a:r>
-              <a:rPr lang="it-IT" dirty="0"/>
-              <a:t>Describe the interaction diagrams of the application using any graphical notation (e.g., IFML or similar --- www.ifmledit.org) or a textual notation (see next slides)</a:t>
-            </a:r>
+        <p:spPr>
+          <a:xfrm>
+            <a:off x="4680479" y="1540224"/>
+            <a:ext cx="3886200" cy="4351338"/>
+          </a:xfrm>
+        </p:spPr>
+        <p:txBody>
+          <a:bodyPr>
+            <a:normAutofit/>
+          </a:bodyPr>
+          <a:lstStyle/>
+          <a:p>
+            <a:r>
+              <a:rPr lang="en-GB" dirty="0"/>
+              <a:t>A </a:t>
+            </a:r>
+            <a:r>
+              <a:rPr lang="en-GB" dirty="0">
+                <a:sym typeface="Wingdings" panose="05000000000000000000" pitchFamily="2" charset="2"/>
+              </a:rPr>
+              <a:t></a:t>
+            </a:r>
+            <a:r>
+              <a:rPr lang="en-GB" dirty="0"/>
+              <a:t> B … describe ORM here</a:t>
+            </a:r>
+          </a:p>
+          <a:p>
+            <a:pPr lvl="1"/>
+            <a:r>
+              <a:rPr lang="en-GB" dirty="0"/>
+              <a:t>including annotations for the attributes and for the relationships, fetch type of attributes and of relationships, and operation cascading policies for relationships  </a:t>
+            </a:r>
+          </a:p>
+          <a:p>
+            <a:r>
+              <a:rPr lang="en-GB" dirty="0"/>
+              <a:t>B </a:t>
+            </a:r>
+            <a:r>
+              <a:rPr lang="en-GB" dirty="0">
+                <a:sym typeface="Wingdings" panose="05000000000000000000" pitchFamily="2" charset="2"/>
+              </a:rPr>
+              <a:t> A … describe ORM here</a:t>
+            </a:r>
+          </a:p>
+        </p:txBody>
+      </p:sp>
+      <p:sp>
+        <p:nvSpPr>
+          <p:cNvPr id="6" name="Rectangle 5"/>
+          <p:cNvSpPr/>
+          <p:nvPr/>
+        </p:nvSpPr>
+        <p:spPr>
+          <a:xfrm>
+            <a:off x="2968593" y="1744230"/>
+            <a:ext cx="1568918" cy="471638"/>
+          </a:xfrm>
+          <a:prstGeom prst="rect">
+            <a:avLst/>
+          </a:prstGeom>
+          <a:ln w="38100"/>
+        </p:spPr>
+        <p:style>
+          <a:lnRef idx="2">
+            <a:schemeClr val="accent1"/>
+          </a:lnRef>
+          <a:fillRef idx="1">
+            <a:schemeClr val="lt1"/>
+          </a:fillRef>
+          <a:effectRef idx="0">
+            <a:schemeClr val="accent1"/>
+          </a:effectRef>
+          <a:fontRef idx="minor">
+            <a:schemeClr val="dk1"/>
+          </a:fontRef>
+        </p:style>
+        <p:txBody>
+          <a:bodyPr rtlCol="0" anchor="ctr"/>
+          <a:lstStyle/>
+          <a:p>
+            <a:pPr algn="ctr"/>
+            <a:r>
+              <a:rPr lang="en-GB" dirty="0"/>
+              <a:t>B</a:t>
+            </a:r>
+          </a:p>
+        </p:txBody>
+      </p:sp>
+      <p:sp>
+        <p:nvSpPr>
+          <p:cNvPr id="7" name="Rectangle 6"/>
+          <p:cNvSpPr/>
+          <p:nvPr/>
+        </p:nvSpPr>
+        <p:spPr>
+          <a:xfrm>
+            <a:off x="204531" y="1744230"/>
+            <a:ext cx="1568918" cy="471638"/>
+          </a:xfrm>
+          <a:prstGeom prst="rect">
+            <a:avLst/>
+          </a:prstGeom>
+          <a:ln w="38100"/>
+        </p:spPr>
+        <p:style>
+          <a:lnRef idx="2">
+            <a:schemeClr val="accent1"/>
+          </a:lnRef>
+          <a:fillRef idx="1">
+            <a:schemeClr val="lt1"/>
+          </a:fillRef>
+          <a:effectRef idx="0">
+            <a:schemeClr val="accent1"/>
+          </a:effectRef>
+          <a:fontRef idx="minor">
+            <a:schemeClr val="dk1"/>
+          </a:fontRef>
+        </p:style>
+        <p:txBody>
+          <a:bodyPr rtlCol="0" anchor="ctr"/>
+          <a:lstStyle/>
+          <a:p>
+            <a:pPr algn="ctr"/>
+            <a:r>
+              <a:rPr lang="en-GB" dirty="0"/>
+              <a:t>A</a:t>
+            </a:r>
+          </a:p>
+        </p:txBody>
+      </p:sp>
+      <p:sp>
+        <p:nvSpPr>
+          <p:cNvPr id="8" name="Diamond 7"/>
+          <p:cNvSpPr/>
+          <p:nvPr/>
+        </p:nvSpPr>
+        <p:spPr>
+          <a:xfrm rot="5400000">
+            <a:off x="2204983" y="1771428"/>
+            <a:ext cx="394638" cy="417244"/>
+          </a:xfrm>
+          <a:prstGeom prst="diamond">
+            <a:avLst/>
+          </a:prstGeom>
+          <a:ln w="38100"/>
+        </p:spPr>
+        <p:style>
+          <a:lnRef idx="2">
+            <a:schemeClr val="accent1"/>
+          </a:lnRef>
+          <a:fillRef idx="1">
+            <a:schemeClr val="lt1"/>
+          </a:fillRef>
+          <a:effectRef idx="0">
+            <a:schemeClr val="accent1"/>
+          </a:effectRef>
+          <a:fontRef idx="minor">
+            <a:schemeClr val="dk1"/>
+          </a:fontRef>
+        </p:style>
+        <p:txBody>
+          <a:bodyPr rtlCol="0" anchor="ctr"/>
+          <a:lstStyle/>
+          <a:p>
+            <a:pPr algn="ctr"/>
+            <a:endParaRPr lang="en-GB">
+              <a:solidFill>
+                <a:schemeClr val="dk1"/>
+              </a:solidFill>
+            </a:endParaRPr>
+          </a:p>
+        </p:txBody>
+      </p:sp>
+      <p:cxnSp>
+        <p:nvCxnSpPr>
+          <p:cNvPr id="9" name="Straight Connector 8"/>
+          <p:cNvCxnSpPr>
+            <a:stCxn id="6" idx="1"/>
+          </p:cNvCxnSpPr>
+          <p:nvPr/>
+        </p:nvCxnSpPr>
+        <p:spPr>
+          <a:xfrm flipH="1">
+            <a:off x="2639800" y="1980049"/>
+            <a:ext cx="328793" cy="1"/>
+          </a:xfrm>
+          <a:prstGeom prst="line">
+            <a:avLst/>
+          </a:prstGeom>
+          <a:ln w="28575">
+            <a:solidFill>
+              <a:schemeClr val="accent1"/>
+            </a:solidFill>
+          </a:ln>
+        </p:spPr>
+        <p:style>
+          <a:lnRef idx="1">
+            <a:schemeClr val="accent1"/>
+          </a:lnRef>
+          <a:fillRef idx="0">
+            <a:schemeClr val="accent1"/>
+          </a:fillRef>
+          <a:effectRef idx="0">
+            <a:schemeClr val="accent1"/>
+          </a:effectRef>
+          <a:fontRef idx="minor">
+            <a:schemeClr val="tx1"/>
+          </a:fontRef>
+        </p:style>
+      </p:cxnSp>
+      <p:cxnSp>
+        <p:nvCxnSpPr>
+          <p:cNvPr id="10" name="Straight Connector 9"/>
+          <p:cNvCxnSpPr>
+            <a:stCxn id="8" idx="2"/>
+          </p:cNvCxnSpPr>
+          <p:nvPr/>
+        </p:nvCxnSpPr>
+        <p:spPr>
+          <a:xfrm flipH="1">
+            <a:off x="1773450" y="1980050"/>
+            <a:ext cx="420230" cy="0"/>
+          </a:xfrm>
+          <a:prstGeom prst="line">
+            <a:avLst/>
+          </a:prstGeom>
+          <a:ln w="28575">
+            <a:solidFill>
+              <a:schemeClr val="accent1"/>
+            </a:solidFill>
+          </a:ln>
+        </p:spPr>
+        <p:style>
+          <a:lnRef idx="1">
+            <a:schemeClr val="accent1"/>
+          </a:lnRef>
+          <a:fillRef idx="0">
+            <a:schemeClr val="accent1"/>
+          </a:fillRef>
+          <a:effectRef idx="0">
+            <a:schemeClr val="accent1"/>
+          </a:effectRef>
+          <a:fontRef idx="minor">
+            <a:schemeClr val="tx1"/>
+          </a:fontRef>
+        </p:style>
+      </p:cxnSp>
+      <p:sp>
+        <p:nvSpPr>
+          <p:cNvPr id="11" name="TextBox 10"/>
+          <p:cNvSpPr txBox="1"/>
+          <p:nvPr/>
+        </p:nvSpPr>
+        <p:spPr>
+          <a:xfrm>
+            <a:off x="2548363" y="2105721"/>
+            <a:ext cx="481222" cy="369332"/>
+          </a:xfrm>
+          <a:prstGeom prst="rect">
+            <a:avLst/>
+          </a:prstGeom>
+          <a:noFill/>
+        </p:spPr>
+        <p:txBody>
+          <a:bodyPr wrap="none" rtlCol="0">
+            <a:spAutoFit/>
+          </a:bodyPr>
+          <a:lstStyle/>
+          <a:p>
+            <a:r>
+              <a:rPr lang="en-GB" dirty="0"/>
+              <a:t>1:1</a:t>
+            </a:r>
+          </a:p>
+        </p:txBody>
+      </p:sp>
+      <p:sp>
+        <p:nvSpPr>
+          <p:cNvPr id="12" name="TextBox 11"/>
+          <p:cNvSpPr txBox="1"/>
+          <p:nvPr/>
+        </p:nvSpPr>
+        <p:spPr>
+          <a:xfrm>
+            <a:off x="1824778" y="2110612"/>
+            <a:ext cx="513282" cy="369332"/>
+          </a:xfrm>
+          <a:prstGeom prst="rect">
+            <a:avLst/>
+          </a:prstGeom>
+          <a:noFill/>
+        </p:spPr>
+        <p:txBody>
+          <a:bodyPr wrap="none" rtlCol="0">
+            <a:spAutoFit/>
+          </a:bodyPr>
+          <a:lstStyle/>
+          <a:p>
+            <a:r>
+              <a:rPr lang="en-GB" dirty="0"/>
+              <a:t>0:N</a:t>
+            </a:r>
+          </a:p>
+        </p:txBody>
+      </p:sp>
+      <p:sp>
+        <p:nvSpPr>
+          <p:cNvPr id="13" name="TextBox 12"/>
+          <p:cNvSpPr txBox="1"/>
+          <p:nvPr/>
+        </p:nvSpPr>
+        <p:spPr>
+          <a:xfrm>
+            <a:off x="1619446" y="1355558"/>
+            <a:ext cx="1436804" cy="369332"/>
+          </a:xfrm>
+          <a:prstGeom prst="rect">
+            <a:avLst/>
+          </a:prstGeom>
+          <a:noFill/>
+        </p:spPr>
+        <p:txBody>
+          <a:bodyPr wrap="none" rtlCol="0">
+            <a:spAutoFit/>
+          </a:bodyPr>
+          <a:lstStyle/>
+          <a:p>
+            <a:r>
+              <a:rPr lang="en-GB" dirty="0"/>
+              <a:t>responsibility</a:t>
+            </a:r>
+          </a:p>
+        </p:txBody>
+      </p:sp>
+      <p:sp>
+        <p:nvSpPr>
+          <p:cNvPr id="14" name="Rectangle 13"/>
+          <p:cNvSpPr/>
+          <p:nvPr/>
+        </p:nvSpPr>
+        <p:spPr>
+          <a:xfrm>
+            <a:off x="2986239" y="3167167"/>
+            <a:ext cx="1568918" cy="471638"/>
+          </a:xfrm>
+          <a:prstGeom prst="rect">
+            <a:avLst/>
+          </a:prstGeom>
+          <a:noFill/>
+          <a:ln w="38100">
+            <a:solidFill>
+              <a:srgbClr val="00B050"/>
+            </a:solidFill>
+          </a:ln>
+        </p:spPr>
+        <p:style>
+          <a:lnRef idx="2">
+            <a:schemeClr val="accent1"/>
+          </a:lnRef>
+          <a:fillRef idx="1">
+            <a:schemeClr val="lt1"/>
+          </a:fillRef>
+          <a:effectRef idx="0">
+            <a:schemeClr val="accent1"/>
+          </a:effectRef>
+          <a:fontRef idx="minor">
+            <a:schemeClr val="dk1"/>
+          </a:fontRef>
+        </p:style>
+        <p:txBody>
+          <a:bodyPr rtlCol="0" anchor="ctr"/>
+          <a:lstStyle/>
+          <a:p>
+            <a:pPr algn="ctr"/>
+            <a:r>
+              <a:rPr lang="en-GB" dirty="0"/>
+              <a:t>B</a:t>
+            </a:r>
+          </a:p>
+        </p:txBody>
+      </p:sp>
+      <p:sp>
+        <p:nvSpPr>
+          <p:cNvPr id="15" name="Rectangle 14"/>
+          <p:cNvSpPr/>
+          <p:nvPr/>
+        </p:nvSpPr>
+        <p:spPr>
+          <a:xfrm>
+            <a:off x="222177" y="3167167"/>
+            <a:ext cx="1568918" cy="471638"/>
+          </a:xfrm>
+          <a:prstGeom prst="rect">
+            <a:avLst/>
+          </a:prstGeom>
+          <a:noFill/>
+          <a:ln w="38100">
+            <a:solidFill>
+              <a:srgbClr val="00B050"/>
+            </a:solidFill>
+          </a:ln>
+        </p:spPr>
+        <p:style>
+          <a:lnRef idx="2">
+            <a:schemeClr val="accent1"/>
+          </a:lnRef>
+          <a:fillRef idx="1">
+            <a:schemeClr val="lt1"/>
+          </a:fillRef>
+          <a:effectRef idx="0">
+            <a:schemeClr val="accent1"/>
+          </a:effectRef>
+          <a:fontRef idx="minor">
+            <a:schemeClr val="dk1"/>
+          </a:fontRef>
+        </p:style>
+        <p:txBody>
+          <a:bodyPr rtlCol="0" anchor="ctr"/>
+          <a:lstStyle/>
+          <a:p>
+            <a:pPr algn="ctr"/>
+            <a:r>
+              <a:rPr lang="en-GB" dirty="0"/>
+              <a:t>A</a:t>
+            </a:r>
+          </a:p>
+        </p:txBody>
+      </p:sp>
+      <p:cxnSp>
+        <p:nvCxnSpPr>
+          <p:cNvPr id="16" name="Straight Connector 15"/>
+          <p:cNvCxnSpPr>
+            <a:stCxn id="14" idx="1"/>
+            <a:endCxn id="15" idx="3"/>
+          </p:cNvCxnSpPr>
+          <p:nvPr/>
+        </p:nvCxnSpPr>
+        <p:spPr>
+          <a:xfrm flipH="1">
+            <a:off x="1791095" y="3402986"/>
+            <a:ext cx="1195144" cy="0"/>
+          </a:xfrm>
+          <a:prstGeom prst="line">
+            <a:avLst/>
+          </a:prstGeom>
+          <a:ln w="38100">
+            <a:solidFill>
+              <a:srgbClr val="00B050"/>
+            </a:solidFill>
+            <a:headEnd type="triangle" w="med" len="med"/>
+            <a:tailEnd type="none" w="med" len="med"/>
+          </a:ln>
+        </p:spPr>
+        <p:style>
+          <a:lnRef idx="1">
+            <a:schemeClr val="accent1"/>
+          </a:lnRef>
+          <a:fillRef idx="0">
+            <a:schemeClr val="accent1"/>
+          </a:fillRef>
+          <a:effectRef idx="0">
+            <a:schemeClr val="accent1"/>
+          </a:effectRef>
+          <a:fontRef idx="minor">
+            <a:schemeClr val="tx1"/>
+          </a:fontRef>
+        </p:style>
+      </p:cxnSp>
+      <p:sp>
+        <p:nvSpPr>
+          <p:cNvPr id="17" name="Rectangle 16"/>
+          <p:cNvSpPr/>
+          <p:nvPr/>
+        </p:nvSpPr>
+        <p:spPr>
+          <a:xfrm>
+            <a:off x="2994260" y="4474599"/>
+            <a:ext cx="1568918" cy="471638"/>
+          </a:xfrm>
+          <a:prstGeom prst="rect">
+            <a:avLst/>
+          </a:prstGeom>
+          <a:noFill/>
+          <a:ln w="38100">
+            <a:solidFill>
+              <a:srgbClr val="00B050"/>
+            </a:solidFill>
+          </a:ln>
+        </p:spPr>
+        <p:style>
+          <a:lnRef idx="2">
+            <a:schemeClr val="accent1"/>
+          </a:lnRef>
+          <a:fillRef idx="1">
+            <a:schemeClr val="lt1"/>
+          </a:fillRef>
+          <a:effectRef idx="0">
+            <a:schemeClr val="accent1"/>
+          </a:effectRef>
+          <a:fontRef idx="minor">
+            <a:schemeClr val="dk1"/>
+          </a:fontRef>
+        </p:style>
+        <p:txBody>
+          <a:bodyPr rtlCol="0" anchor="ctr"/>
+          <a:lstStyle/>
+          <a:p>
+            <a:pPr algn="ctr"/>
+            <a:r>
+              <a:rPr lang="en-GB" dirty="0"/>
+              <a:t>B</a:t>
+            </a:r>
+          </a:p>
+        </p:txBody>
+      </p:sp>
+      <p:sp>
+        <p:nvSpPr>
+          <p:cNvPr id="18" name="Rectangle 17"/>
+          <p:cNvSpPr/>
+          <p:nvPr/>
+        </p:nvSpPr>
+        <p:spPr>
+          <a:xfrm>
+            <a:off x="230198" y="4474599"/>
+            <a:ext cx="1568918" cy="471638"/>
+          </a:xfrm>
+          <a:prstGeom prst="rect">
+            <a:avLst/>
+          </a:prstGeom>
+          <a:noFill/>
+          <a:ln w="38100">
+            <a:solidFill>
+              <a:srgbClr val="00B050"/>
+            </a:solidFill>
+          </a:ln>
+        </p:spPr>
+        <p:style>
+          <a:lnRef idx="2">
+            <a:schemeClr val="accent1"/>
+          </a:lnRef>
+          <a:fillRef idx="1">
+            <a:schemeClr val="lt1"/>
+          </a:fillRef>
+          <a:effectRef idx="0">
+            <a:schemeClr val="accent1"/>
+          </a:effectRef>
+          <a:fontRef idx="minor">
+            <a:schemeClr val="dk1"/>
+          </a:fontRef>
+        </p:style>
+        <p:txBody>
+          <a:bodyPr rtlCol="0" anchor="ctr"/>
+          <a:lstStyle/>
+          <a:p>
+            <a:pPr algn="ctr"/>
+            <a:r>
+              <a:rPr lang="en-GB" dirty="0"/>
+              <a:t>A</a:t>
+            </a:r>
+          </a:p>
+        </p:txBody>
+      </p:sp>
+      <p:cxnSp>
+        <p:nvCxnSpPr>
+          <p:cNvPr id="19" name="Straight Connector 18"/>
+          <p:cNvCxnSpPr>
+            <a:stCxn id="17" idx="1"/>
+            <a:endCxn id="18" idx="3"/>
+          </p:cNvCxnSpPr>
+          <p:nvPr/>
+        </p:nvCxnSpPr>
+        <p:spPr>
+          <a:xfrm flipH="1">
+            <a:off x="1799116" y="4710418"/>
+            <a:ext cx="1195144" cy="0"/>
+          </a:xfrm>
+          <a:prstGeom prst="line">
+            <a:avLst/>
+          </a:prstGeom>
+          <a:ln w="38100">
+            <a:solidFill>
+              <a:srgbClr val="00B050"/>
+            </a:solidFill>
+            <a:headEnd type="none" w="med" len="med"/>
+            <a:tailEnd type="triangle" w="med" len="med"/>
+          </a:ln>
+        </p:spPr>
+        <p:style>
+          <a:lnRef idx="1">
+            <a:schemeClr val="accent1"/>
+          </a:lnRef>
+          <a:fillRef idx="0">
+            <a:schemeClr val="accent1"/>
+          </a:fillRef>
+          <a:effectRef idx="0">
+            <a:schemeClr val="accent1"/>
+          </a:effectRef>
+          <a:fontRef idx="minor">
+            <a:schemeClr val="tx1"/>
+          </a:fontRef>
+        </p:style>
+      </p:cxnSp>
+      <p:sp>
+        <p:nvSpPr>
+          <p:cNvPr id="20" name="TextBox 19"/>
+          <p:cNvSpPr txBox="1"/>
+          <p:nvPr/>
+        </p:nvSpPr>
+        <p:spPr>
+          <a:xfrm>
+            <a:off x="2671888" y="3134022"/>
+            <a:ext cx="300082" cy="369332"/>
+          </a:xfrm>
+          <a:prstGeom prst="rect">
+            <a:avLst/>
+          </a:prstGeom>
+          <a:noFill/>
+        </p:spPr>
+        <p:txBody>
+          <a:bodyPr wrap="none" rtlCol="0">
+            <a:spAutoFit/>
+          </a:bodyPr>
+          <a:lstStyle/>
+          <a:p>
+            <a:r>
+              <a:rPr lang="en-GB" dirty="0"/>
+              <a:t>*</a:t>
+            </a:r>
+          </a:p>
+        </p:txBody>
+      </p:sp>
+      <p:sp>
+        <p:nvSpPr>
+          <p:cNvPr id="21" name="TextBox 20"/>
+          <p:cNvSpPr txBox="1"/>
+          <p:nvPr/>
+        </p:nvSpPr>
+        <p:spPr>
+          <a:xfrm>
+            <a:off x="1786359" y="4308305"/>
+            <a:ext cx="301686" cy="369332"/>
+          </a:xfrm>
+          <a:prstGeom prst="rect">
+            <a:avLst/>
+          </a:prstGeom>
+          <a:noFill/>
+        </p:spPr>
+        <p:txBody>
+          <a:bodyPr wrap="none" rtlCol="0">
+            <a:spAutoFit/>
+          </a:bodyPr>
+          <a:lstStyle/>
+          <a:p>
+            <a:r>
+              <a:rPr lang="en-GB" dirty="0"/>
+              <a:t>1</a:t>
+            </a:r>
+          </a:p>
+        </p:txBody>
+      </p:sp>
+      <p:sp>
+        <p:nvSpPr>
+          <p:cNvPr id="3" name="Rectangle 2">
+            <a:extLst>
+              <a:ext uri="{FF2B5EF4-FFF2-40B4-BE49-F238E27FC236}">
+                <a16:creationId xmlns:a16="http://schemas.microsoft.com/office/drawing/2014/main" id="{C72757C2-9A16-4C70-89A8-69F1E2460174}"/>
+              </a:ext>
+            </a:extLst>
+          </p:cNvPr>
+          <p:cNvSpPr/>
+          <p:nvPr/>
+        </p:nvSpPr>
+        <p:spPr>
+          <a:xfrm>
+            <a:off x="1983565" y="6358024"/>
+            <a:ext cx="6063178" cy="369332"/>
+          </a:xfrm>
+          <a:prstGeom prst="rect">
+            <a:avLst/>
+          </a:prstGeom>
+        </p:spPr>
+        <p:txBody>
+          <a:bodyPr wrap="square">
+            <a:spAutoFit/>
+          </a:bodyPr>
+          <a:lstStyle/>
+          <a:p>
+            <a:r>
+              <a:rPr lang="en-GB" dirty="0">
+                <a:sym typeface="Wingdings" panose="05000000000000000000" pitchFamily="2" charset="2"/>
+              </a:rPr>
+              <a:t>Clone this slide as many times as there are relationships</a:t>
+            </a:r>
+            <a:endParaRPr lang="en-GB" dirty="0"/>
           </a:p>
         </p:txBody>
       </p:sp>
     </p:spTree>
     <p:extLst>
       <p:ext uri="{BB962C8B-B14F-4D97-AF65-F5344CB8AC3E}">
-        <p14:creationId xmlns:p14="http://schemas.microsoft.com/office/powerpoint/2010/main" val="132007604"/>
+        <p14:creationId xmlns:p14="http://schemas.microsoft.com/office/powerpoint/2010/main" val="2101117720"/>
       </p:ext>
     </p:extLst>
   </p:cSld>
@@ -4992,1455 +5515,29 @@
           <a:p>
             <a:r>
               <a:rPr lang="it-IT" dirty="0"/>
-              <a:t>Example of diagram</a:t>
-            </a:r>
-          </a:p>
-        </p:txBody>
-      </p:sp>
-      <p:sp>
-        <p:nvSpPr>
-          <p:cNvPr id="4" name="Google Shape;197;p33"/>
-          <p:cNvSpPr/>
-          <p:nvPr/>
-        </p:nvSpPr>
-        <p:spPr>
-          <a:xfrm>
-            <a:off x="323525" y="2753184"/>
-            <a:ext cx="2808300" cy="1508700"/>
-          </a:xfrm>
-          <a:prstGeom prst="rect">
-            <a:avLst/>
-          </a:prstGeom>
-          <a:solidFill>
-            <a:schemeClr val="lt1"/>
-          </a:solidFill>
-          <a:ln w="25400" cap="flat" cmpd="sng">
-            <a:solidFill>
-              <a:schemeClr val="dk1"/>
-            </a:solidFill>
-            <a:prstDash val="solid"/>
-            <a:round/>
-            <a:headEnd type="none" w="sm" len="sm"/>
-            <a:tailEnd type="none" w="sm" len="sm"/>
-          </a:ln>
-        </p:spPr>
-        <p:txBody>
-          <a:bodyPr spcFirstLastPara="1" wrap="square" lIns="91425" tIns="45700" rIns="91425" bIns="45700" anchor="t" anchorCtr="0">
-            <a:noAutofit/>
-          </a:bodyPr>
-          <a:lstStyle/>
-          <a:p>
-            <a:pPr marL="0" marR="0" lvl="0" indent="0" algn="l" rtl="0">
-              <a:spcBef>
-                <a:spcPts val="0"/>
-              </a:spcBef>
-              <a:spcAft>
-                <a:spcPts val="0"/>
-              </a:spcAft>
-              <a:buNone/>
-            </a:pPr>
-            <a:r>
-              <a:rPr lang="es-419" sz="1800">
-                <a:solidFill>
-                  <a:schemeClr val="dk1"/>
-                </a:solidFill>
-                <a:latin typeface="Calibri"/>
-                <a:ea typeface="Calibri"/>
-                <a:cs typeface="Calibri"/>
-                <a:sym typeface="Calibri"/>
-              </a:rPr>
-              <a:t>LOGIN PAGE</a:t>
-            </a:r>
-            <a:endParaRPr sz="1800">
-              <a:solidFill>
-                <a:schemeClr val="dk1"/>
-              </a:solidFill>
-              <a:latin typeface="Calibri"/>
-              <a:ea typeface="Calibri"/>
-              <a:cs typeface="Calibri"/>
-              <a:sym typeface="Calibri"/>
-            </a:endParaRPr>
-          </a:p>
-        </p:txBody>
-      </p:sp>
-      <p:sp>
-        <p:nvSpPr>
-          <p:cNvPr id="5" name="Google Shape;198;p33"/>
-          <p:cNvSpPr/>
-          <p:nvPr/>
-        </p:nvSpPr>
-        <p:spPr>
-          <a:xfrm>
-            <a:off x="467444" y="3133360"/>
-            <a:ext cx="1836300" cy="860400"/>
-          </a:xfrm>
-          <a:prstGeom prst="roundRect">
-            <a:avLst>
-              <a:gd name="adj" fmla="val 16667"/>
-            </a:avLst>
-          </a:prstGeom>
-          <a:solidFill>
-            <a:schemeClr val="lt1"/>
-          </a:solidFill>
-          <a:ln w="25400" cap="flat" cmpd="sng">
-            <a:solidFill>
-              <a:schemeClr val="accent3"/>
-            </a:solidFill>
-            <a:prstDash val="solid"/>
-            <a:round/>
-            <a:headEnd type="none" w="sm" len="sm"/>
-            <a:tailEnd type="none" w="sm" len="sm"/>
-          </a:ln>
-        </p:spPr>
-        <p:txBody>
-          <a:bodyPr spcFirstLastPara="1" wrap="square" lIns="91425" tIns="45700" rIns="91425" bIns="45700" anchor="ctr" anchorCtr="0">
-            <a:noAutofit/>
-          </a:bodyPr>
-          <a:lstStyle/>
-          <a:p>
-            <a:pPr marL="0" marR="0" lvl="0" indent="0" algn="ctr" rtl="0">
-              <a:spcBef>
-                <a:spcPts val="0"/>
-              </a:spcBef>
-              <a:spcAft>
-                <a:spcPts val="0"/>
-              </a:spcAft>
-              <a:buNone/>
-            </a:pPr>
-            <a:r>
-              <a:rPr lang="es-419" sz="1800">
-                <a:solidFill>
-                  <a:schemeClr val="dk1"/>
-                </a:solidFill>
-                <a:latin typeface="Calibri"/>
-                <a:ea typeface="Calibri"/>
-                <a:cs typeface="Calibri"/>
-                <a:sym typeface="Calibri"/>
-              </a:rPr>
-              <a:t>Login form</a:t>
-            </a:r>
-            <a:br>
-              <a:rPr lang="es-419" sz="1800">
-                <a:solidFill>
-                  <a:schemeClr val="dk1"/>
-                </a:solidFill>
-                <a:latin typeface="Calibri"/>
-                <a:ea typeface="Calibri"/>
-                <a:cs typeface="Calibri"/>
-                <a:sym typeface="Calibri"/>
-              </a:rPr>
-            </a:br>
-            <a:r>
-              <a:rPr lang="es-419" sz="1800">
-                <a:solidFill>
-                  <a:schemeClr val="dk1"/>
-                </a:solidFill>
-                <a:latin typeface="Calibri"/>
-                <a:ea typeface="Calibri"/>
-                <a:cs typeface="Calibri"/>
-                <a:sym typeface="Calibri"/>
-              </a:rPr>
-              <a:t>[field: username</a:t>
-            </a:r>
-            <a:endParaRPr/>
-          </a:p>
-          <a:p>
-            <a:pPr marL="0" marR="0" lvl="0" indent="0" algn="ctr" rtl="0">
-              <a:spcBef>
-                <a:spcPts val="0"/>
-              </a:spcBef>
-              <a:spcAft>
-                <a:spcPts val="0"/>
-              </a:spcAft>
-              <a:buNone/>
-            </a:pPr>
-            <a:r>
-              <a:rPr lang="es-419" sz="1800">
-                <a:solidFill>
-                  <a:schemeClr val="dk1"/>
-                </a:solidFill>
-                <a:latin typeface="Calibri"/>
-                <a:ea typeface="Calibri"/>
-                <a:cs typeface="Calibri"/>
-                <a:sym typeface="Calibri"/>
-              </a:rPr>
-              <a:t>field: password]</a:t>
-            </a:r>
-            <a:endParaRPr sz="1800">
-              <a:solidFill>
-                <a:schemeClr val="dk1"/>
-              </a:solidFill>
-              <a:latin typeface="Calibri"/>
-              <a:ea typeface="Calibri"/>
-              <a:cs typeface="Calibri"/>
-              <a:sym typeface="Calibri"/>
-            </a:endParaRPr>
-          </a:p>
-        </p:txBody>
-      </p:sp>
-      <p:sp>
-        <p:nvSpPr>
-          <p:cNvPr id="6" name="Google Shape;199;p33"/>
-          <p:cNvSpPr/>
-          <p:nvPr/>
-        </p:nvSpPr>
-        <p:spPr>
-          <a:xfrm>
-            <a:off x="5755392" y="4499999"/>
-            <a:ext cx="2520300" cy="1296000"/>
-          </a:xfrm>
-          <a:prstGeom prst="rect">
-            <a:avLst/>
-          </a:prstGeom>
-          <a:solidFill>
-            <a:schemeClr val="lt1"/>
-          </a:solidFill>
-          <a:ln w="25400" cap="flat" cmpd="sng">
-            <a:solidFill>
-              <a:schemeClr val="dk1"/>
-            </a:solidFill>
-            <a:prstDash val="solid"/>
-            <a:round/>
-            <a:headEnd type="none" w="sm" len="sm"/>
-            <a:tailEnd type="none" w="sm" len="sm"/>
-          </a:ln>
-        </p:spPr>
-        <p:txBody>
-          <a:bodyPr spcFirstLastPara="1" wrap="square" lIns="91425" tIns="45700" rIns="91425" bIns="45700" anchor="t" anchorCtr="0">
-            <a:noAutofit/>
-          </a:bodyPr>
-          <a:lstStyle/>
-          <a:p>
-            <a:pPr marL="0" marR="0" lvl="0" indent="0" algn="l" rtl="0">
-              <a:spcBef>
-                <a:spcPts val="0"/>
-              </a:spcBef>
-              <a:spcAft>
-                <a:spcPts val="0"/>
-              </a:spcAft>
-              <a:buNone/>
-            </a:pPr>
-            <a:r>
-              <a:rPr lang="es-419" sz="1800">
-                <a:solidFill>
-                  <a:schemeClr val="dk1"/>
-                </a:solidFill>
-                <a:latin typeface="Calibri"/>
-                <a:ea typeface="Calibri"/>
-                <a:cs typeface="Calibri"/>
-                <a:sym typeface="Calibri"/>
-              </a:rPr>
-              <a:t>HOME</a:t>
-            </a:r>
-            <a:endParaRPr sz="1800">
-              <a:solidFill>
-                <a:schemeClr val="dk1"/>
-              </a:solidFill>
-              <a:latin typeface="Calibri"/>
-              <a:ea typeface="Calibri"/>
-              <a:cs typeface="Calibri"/>
-              <a:sym typeface="Calibri"/>
-            </a:endParaRPr>
-          </a:p>
-        </p:txBody>
-      </p:sp>
-      <p:sp>
-        <p:nvSpPr>
-          <p:cNvPr id="7" name="Google Shape;200;p33"/>
-          <p:cNvSpPr/>
-          <p:nvPr/>
-        </p:nvSpPr>
-        <p:spPr>
-          <a:xfrm>
-            <a:off x="2195736" y="3342674"/>
-            <a:ext cx="288032" cy="216024"/>
-          </a:xfrm>
-          <a:prstGeom prst="ellipse">
-            <a:avLst/>
-          </a:prstGeom>
-          <a:solidFill>
-            <a:schemeClr val="accent1"/>
-          </a:solidFill>
-          <a:ln w="25400" cap="flat" cmpd="sng">
-            <a:solidFill>
-              <a:srgbClr val="395E89"/>
-            </a:solidFill>
-            <a:prstDash val="solid"/>
-            <a:round/>
-            <a:headEnd type="none" w="sm" len="sm"/>
-            <a:tailEnd type="none" w="sm" len="sm"/>
-          </a:ln>
-        </p:spPr>
-        <p:txBody>
-          <a:bodyPr spcFirstLastPara="1" wrap="square" lIns="91425" tIns="45700" rIns="91425" bIns="45700" anchor="ctr" anchorCtr="0">
-            <a:noAutofit/>
-          </a:bodyPr>
-          <a:lstStyle/>
-          <a:p>
-            <a:pPr marL="0" marR="0" lvl="0" indent="0" algn="ctr" rtl="0">
-              <a:spcBef>
-                <a:spcPts val="0"/>
-              </a:spcBef>
-              <a:spcAft>
-                <a:spcPts val="0"/>
-              </a:spcAft>
-              <a:buNone/>
-            </a:pPr>
-            <a:endParaRPr sz="1800">
-              <a:solidFill>
-                <a:schemeClr val="lt1"/>
-              </a:solidFill>
-              <a:latin typeface="Calibri"/>
-              <a:ea typeface="Calibri"/>
-              <a:cs typeface="Calibri"/>
-              <a:sym typeface="Calibri"/>
-            </a:endParaRPr>
-          </a:p>
-        </p:txBody>
-      </p:sp>
-      <p:cxnSp>
-        <p:nvCxnSpPr>
-          <p:cNvPr id="8" name="Google Shape;201;p33"/>
-          <p:cNvCxnSpPr>
-            <a:stCxn id="14" idx="2"/>
-            <a:endCxn id="20" idx="5"/>
-          </p:cNvCxnSpPr>
-          <p:nvPr/>
-        </p:nvCxnSpPr>
-        <p:spPr>
-          <a:xfrm rot="10800000" flipH="1">
-            <a:off x="4726678" y="3456447"/>
-            <a:ext cx="1599000" cy="5700"/>
-          </a:xfrm>
-          <a:prstGeom prst="bentConnector3">
-            <a:avLst>
-              <a:gd name="adj1" fmla="val 50001"/>
-            </a:avLst>
-          </a:prstGeom>
-          <a:noFill/>
-          <a:ln w="25400" cap="flat" cmpd="sng">
-            <a:solidFill>
-              <a:schemeClr val="accent1"/>
-            </a:solidFill>
-            <a:prstDash val="solid"/>
-            <a:round/>
-            <a:headEnd type="none" w="sm" len="sm"/>
-            <a:tailEnd type="stealth" w="med" len="med"/>
-          </a:ln>
-          <a:effectLst>
-            <a:outerShdw blurRad="40000" dist="20000" dir="5400000" rotWithShape="0">
-              <a:srgbClr val="000000">
-                <a:alpha val="37647"/>
-              </a:srgbClr>
-            </a:outerShdw>
-          </a:effectLst>
-        </p:spPr>
-      </p:cxnSp>
-      <p:sp>
-        <p:nvSpPr>
-          <p:cNvPr id="9" name="Google Shape;204;p33"/>
-          <p:cNvSpPr txBox="1"/>
-          <p:nvPr/>
-        </p:nvSpPr>
-        <p:spPr>
-          <a:xfrm>
-            <a:off x="2328286" y="3622457"/>
-            <a:ext cx="832200" cy="276900"/>
-          </a:xfrm>
-          <a:prstGeom prst="rect">
-            <a:avLst/>
-          </a:prstGeom>
-          <a:noFill/>
-          <a:ln>
-            <a:noFill/>
-          </a:ln>
-        </p:spPr>
-        <p:txBody>
-          <a:bodyPr spcFirstLastPara="1" wrap="square" lIns="91425" tIns="45700" rIns="91425" bIns="45700" anchor="t" anchorCtr="0">
-            <a:noAutofit/>
-          </a:bodyPr>
-          <a:lstStyle/>
-          <a:p>
-            <a:pPr marL="0" marR="0" lvl="0" indent="0" algn="l" rtl="0">
-              <a:spcBef>
-                <a:spcPts val="0"/>
-              </a:spcBef>
-              <a:spcAft>
-                <a:spcPts val="0"/>
-              </a:spcAft>
-              <a:buNone/>
-            </a:pPr>
-            <a:r>
-              <a:rPr lang="es-419" sz="1800" dirty="0" err="1">
-                <a:solidFill>
-                  <a:schemeClr val="dk1"/>
-                </a:solidFill>
-                <a:latin typeface="Calibri"/>
-                <a:ea typeface="Calibri"/>
-                <a:cs typeface="Calibri"/>
-                <a:sym typeface="Calibri"/>
-              </a:rPr>
-              <a:t>submit</a:t>
-            </a:r>
-            <a:endParaRPr sz="1800" dirty="0">
-              <a:solidFill>
-                <a:schemeClr val="dk1"/>
-              </a:solidFill>
-              <a:latin typeface="Calibri"/>
-              <a:ea typeface="Calibri"/>
-              <a:cs typeface="Calibri"/>
-              <a:sym typeface="Calibri"/>
-            </a:endParaRPr>
-          </a:p>
-        </p:txBody>
-      </p:sp>
-      <p:cxnSp>
-        <p:nvCxnSpPr>
-          <p:cNvPr id="10" name="Google Shape;205;p33"/>
-          <p:cNvCxnSpPr>
-            <a:stCxn id="17" idx="4"/>
-            <a:endCxn id="4" idx="2"/>
-          </p:cNvCxnSpPr>
-          <p:nvPr/>
-        </p:nvCxnSpPr>
-        <p:spPr>
-          <a:xfrm rot="5400000">
-            <a:off x="2501896" y="3127908"/>
-            <a:ext cx="359700" cy="1908300"/>
-          </a:xfrm>
-          <a:prstGeom prst="bentConnector3">
-            <a:avLst>
-              <a:gd name="adj1" fmla="val 166194"/>
-            </a:avLst>
-          </a:prstGeom>
-          <a:noFill/>
-          <a:ln w="25400" cap="flat" cmpd="sng">
-            <a:solidFill>
-              <a:schemeClr val="accent1"/>
-            </a:solidFill>
-            <a:prstDash val="solid"/>
-            <a:round/>
-            <a:headEnd type="none" w="sm" len="sm"/>
-            <a:tailEnd type="stealth" w="med" len="med"/>
-          </a:ln>
-          <a:effectLst>
-            <a:outerShdw blurRad="40000" dist="20000" dir="5400000" rotWithShape="0">
-              <a:srgbClr val="000000">
-                <a:alpha val="37647"/>
-              </a:srgbClr>
-            </a:outerShdw>
-          </a:effectLst>
-        </p:spPr>
-      </p:cxnSp>
-      <p:sp>
-        <p:nvSpPr>
-          <p:cNvPr id="11" name="Google Shape;207;p33"/>
-          <p:cNvSpPr txBox="1"/>
-          <p:nvPr/>
-        </p:nvSpPr>
-        <p:spPr>
-          <a:xfrm>
-            <a:off x="755575" y="4505860"/>
-            <a:ext cx="2488800" cy="276900"/>
-          </a:xfrm>
-          <a:prstGeom prst="rect">
-            <a:avLst/>
-          </a:prstGeom>
-          <a:noFill/>
-          <a:ln>
-            <a:noFill/>
-          </a:ln>
-        </p:spPr>
-        <p:txBody>
-          <a:bodyPr spcFirstLastPara="1" wrap="square" lIns="91425" tIns="45700" rIns="91425" bIns="45700" anchor="t" anchorCtr="0">
-            <a:noAutofit/>
-          </a:bodyPr>
-          <a:lstStyle/>
-          <a:p>
-            <a:pPr marL="0" marR="0" lvl="0" indent="0" algn="l" rtl="0">
-              <a:spcBef>
-                <a:spcPts val="0"/>
-              </a:spcBef>
-              <a:spcAft>
-                <a:spcPts val="0"/>
-              </a:spcAft>
-              <a:buNone/>
-            </a:pPr>
-            <a:r>
-              <a:rPr lang="es-419" sz="1800" dirty="0" err="1">
-                <a:solidFill>
-                  <a:schemeClr val="dk1"/>
-                </a:solidFill>
-                <a:latin typeface="Calibri"/>
-                <a:ea typeface="Calibri"/>
-                <a:cs typeface="Calibri"/>
-                <a:sym typeface="Calibri"/>
-              </a:rPr>
-              <a:t>wrong</a:t>
-            </a:r>
-            <a:r>
-              <a:rPr lang="es-419" sz="1800" dirty="0">
-                <a:solidFill>
-                  <a:schemeClr val="dk1"/>
-                </a:solidFill>
-                <a:latin typeface="Calibri"/>
-                <a:ea typeface="Calibri"/>
-                <a:cs typeface="Calibri"/>
-                <a:sym typeface="Calibri"/>
-              </a:rPr>
-              <a:t> </a:t>
-            </a:r>
-            <a:r>
-              <a:rPr lang="es-419" sz="1800" dirty="0" err="1">
-                <a:solidFill>
-                  <a:schemeClr val="dk1"/>
-                </a:solidFill>
-                <a:latin typeface="Calibri"/>
-                <a:ea typeface="Calibri"/>
-                <a:cs typeface="Calibri"/>
-                <a:sym typeface="Calibri"/>
-              </a:rPr>
-              <a:t>user</a:t>
-            </a:r>
-            <a:r>
-              <a:rPr lang="es-419" sz="1800" dirty="0">
-                <a:solidFill>
-                  <a:schemeClr val="dk1"/>
-                </a:solidFill>
-                <a:latin typeface="Calibri"/>
-                <a:ea typeface="Calibri"/>
-                <a:cs typeface="Calibri"/>
-                <a:sym typeface="Calibri"/>
-              </a:rPr>
-              <a:t> + </a:t>
-            </a:r>
-            <a:r>
-              <a:rPr lang="es-419" sz="1800" dirty="0" err="1">
-                <a:solidFill>
-                  <a:schemeClr val="dk1"/>
-                </a:solidFill>
-                <a:latin typeface="Calibri"/>
-                <a:ea typeface="Calibri"/>
-                <a:cs typeface="Calibri"/>
-                <a:sym typeface="Calibri"/>
-              </a:rPr>
-              <a:t>pswd</a:t>
-            </a:r>
-            <a:endParaRPr sz="1800" dirty="0">
-              <a:solidFill>
-                <a:schemeClr val="dk1"/>
-              </a:solidFill>
-              <a:latin typeface="Calibri"/>
-              <a:ea typeface="Calibri"/>
-              <a:cs typeface="Calibri"/>
-              <a:sym typeface="Calibri"/>
-            </a:endParaRPr>
-          </a:p>
-        </p:txBody>
-      </p:sp>
-      <p:sp>
-        <p:nvSpPr>
-          <p:cNvPr id="12" name="Google Shape;208;p33"/>
-          <p:cNvSpPr txBox="1"/>
-          <p:nvPr/>
-        </p:nvSpPr>
-        <p:spPr>
-          <a:xfrm>
-            <a:off x="3641255" y="2813863"/>
-            <a:ext cx="2186700" cy="307800"/>
-          </a:xfrm>
-          <a:prstGeom prst="rect">
-            <a:avLst/>
-          </a:prstGeom>
-          <a:solidFill>
-            <a:schemeClr val="lt1"/>
-          </a:solidFill>
-          <a:ln w="25400" cap="flat" cmpd="sng">
-            <a:noFill/>
-            <a:prstDash val="solid"/>
-            <a:round/>
-            <a:headEnd type="none" w="sm" len="sm"/>
-            <a:tailEnd type="none" w="sm" len="sm"/>
-          </a:ln>
-        </p:spPr>
-        <p:txBody>
-          <a:bodyPr spcFirstLastPara="1" wrap="square" lIns="91425" tIns="45700" rIns="91425" bIns="45700" anchor="t" anchorCtr="0">
-            <a:noAutofit/>
-          </a:bodyPr>
-          <a:lstStyle/>
-          <a:p>
-            <a:pPr marL="0" marR="0" lvl="0" indent="0" algn="l" rtl="0">
-              <a:spcBef>
-                <a:spcPts val="0"/>
-              </a:spcBef>
-              <a:spcAft>
-                <a:spcPts val="0"/>
-              </a:spcAft>
-              <a:buNone/>
-            </a:pPr>
-            <a:r>
-              <a:rPr lang="es-419" sz="1600" dirty="0" err="1">
-                <a:solidFill>
-                  <a:schemeClr val="dk1"/>
-                </a:solidFill>
-                <a:latin typeface="Calibri"/>
-                <a:ea typeface="Calibri"/>
-                <a:cs typeface="Calibri"/>
-                <a:sym typeface="Calibri"/>
-              </a:rPr>
-              <a:t>username</a:t>
-            </a:r>
-            <a:r>
-              <a:rPr lang="es-419" sz="1600" dirty="0">
-                <a:solidFill>
-                  <a:schemeClr val="dk1"/>
-                </a:solidFill>
-                <a:latin typeface="Calibri"/>
-                <a:ea typeface="Calibri"/>
-                <a:cs typeface="Calibri"/>
-                <a:sym typeface="Calibri"/>
-              </a:rPr>
-              <a:t>, </a:t>
-            </a:r>
-            <a:r>
-              <a:rPr lang="es-419" sz="1600" dirty="0" err="1">
-                <a:solidFill>
-                  <a:schemeClr val="dk1"/>
-                </a:solidFill>
-                <a:latin typeface="Calibri"/>
-                <a:ea typeface="Calibri"/>
-                <a:cs typeface="Calibri"/>
-                <a:sym typeface="Calibri"/>
-              </a:rPr>
-              <a:t>password</a:t>
-            </a:r>
-            <a:endParaRPr sz="1600" dirty="0">
-              <a:solidFill>
-                <a:schemeClr val="dk1"/>
-              </a:solidFill>
-              <a:latin typeface="Calibri"/>
-              <a:ea typeface="Calibri"/>
-              <a:cs typeface="Calibri"/>
-              <a:sym typeface="Calibri"/>
-            </a:endParaRPr>
-          </a:p>
-        </p:txBody>
-      </p:sp>
-      <p:cxnSp>
-        <p:nvCxnSpPr>
-          <p:cNvPr id="13" name="Google Shape;209;p33"/>
-          <p:cNvCxnSpPr/>
-          <p:nvPr/>
-        </p:nvCxnSpPr>
-        <p:spPr>
-          <a:xfrm flipH="1">
-            <a:off x="3185250" y="2890382"/>
-            <a:ext cx="472500" cy="558300"/>
-          </a:xfrm>
-          <a:prstGeom prst="straightConnector1">
-            <a:avLst/>
-          </a:prstGeom>
-          <a:noFill/>
-          <a:ln w="9525" cap="flat" cmpd="sng">
-            <a:solidFill>
-              <a:srgbClr val="4A7DBA"/>
-            </a:solidFill>
-            <a:prstDash val="solid"/>
-            <a:round/>
-            <a:headEnd type="none" w="sm" len="sm"/>
-            <a:tailEnd type="none" w="sm" len="sm"/>
-          </a:ln>
-        </p:spPr>
-      </p:cxnSp>
-      <p:sp>
-        <p:nvSpPr>
-          <p:cNvPr id="14" name="Google Shape;202;p33"/>
-          <p:cNvSpPr/>
-          <p:nvPr/>
-        </p:nvSpPr>
-        <p:spPr>
-          <a:xfrm>
-            <a:off x="3419872" y="3216763"/>
-            <a:ext cx="1368152" cy="490769"/>
-          </a:xfrm>
-          <a:prstGeom prst="parallelogram">
-            <a:avLst>
-              <a:gd name="adj" fmla="val 25000"/>
-            </a:avLst>
-          </a:prstGeom>
-          <a:solidFill>
-            <a:schemeClr val="lt1"/>
-          </a:solidFill>
-          <a:ln w="25400" cap="flat" cmpd="sng">
-            <a:solidFill>
-              <a:schemeClr val="accent2"/>
-            </a:solidFill>
-            <a:prstDash val="solid"/>
-            <a:round/>
-            <a:headEnd type="none" w="sm" len="sm"/>
-            <a:tailEnd type="none" w="sm" len="sm"/>
-          </a:ln>
-        </p:spPr>
-        <p:txBody>
-          <a:bodyPr spcFirstLastPara="1" wrap="square" lIns="91425" tIns="45700" rIns="91425" bIns="45700" anchor="ctr" anchorCtr="0">
-            <a:noAutofit/>
-          </a:bodyPr>
-          <a:lstStyle/>
-          <a:p>
-            <a:pPr marL="0" marR="0" lvl="0" indent="0" algn="ctr" rtl="0">
-              <a:spcBef>
-                <a:spcPts val="0"/>
-              </a:spcBef>
-              <a:spcAft>
-                <a:spcPts val="0"/>
-              </a:spcAft>
-              <a:buNone/>
-            </a:pPr>
-            <a:r>
-              <a:rPr lang="es-419" sz="1800">
-                <a:solidFill>
-                  <a:schemeClr val="dk1"/>
-                </a:solidFill>
-                <a:latin typeface="Calibri"/>
-                <a:ea typeface="Calibri"/>
-                <a:cs typeface="Calibri"/>
-                <a:sym typeface="Calibri"/>
-              </a:rPr>
-              <a:t>Check</a:t>
-            </a:r>
-            <a:br>
-              <a:rPr lang="es-419" sz="1800">
-                <a:solidFill>
-                  <a:schemeClr val="dk1"/>
-                </a:solidFill>
-                <a:latin typeface="Calibri"/>
-                <a:ea typeface="Calibri"/>
-                <a:cs typeface="Calibri"/>
-                <a:sym typeface="Calibri"/>
-              </a:rPr>
-            </a:br>
-            <a:r>
-              <a:rPr lang="es-419" sz="1800">
-                <a:solidFill>
-                  <a:schemeClr val="dk1"/>
-                </a:solidFill>
-                <a:latin typeface="Calibri"/>
-                <a:ea typeface="Calibri"/>
-                <a:cs typeface="Calibri"/>
-                <a:sym typeface="Calibri"/>
-              </a:rPr>
-              <a:t>Login</a:t>
-            </a:r>
-            <a:endParaRPr sz="1800">
-              <a:solidFill>
-                <a:schemeClr val="dk1"/>
-              </a:solidFill>
-              <a:latin typeface="Calibri"/>
-              <a:ea typeface="Calibri"/>
-              <a:cs typeface="Calibri"/>
-              <a:sym typeface="Calibri"/>
-            </a:endParaRPr>
-          </a:p>
-        </p:txBody>
-      </p:sp>
-      <p:cxnSp>
-        <p:nvCxnSpPr>
-          <p:cNvPr id="15" name="Google Shape;210;p33"/>
-          <p:cNvCxnSpPr>
-            <a:stCxn id="7" idx="6"/>
-            <a:endCxn id="14" idx="5"/>
-          </p:cNvCxnSpPr>
-          <p:nvPr/>
-        </p:nvCxnSpPr>
-        <p:spPr>
-          <a:xfrm>
-            <a:off x="2483768" y="3450686"/>
-            <a:ext cx="997500" cy="11400"/>
-          </a:xfrm>
-          <a:prstGeom prst="straightConnector1">
-            <a:avLst/>
-          </a:prstGeom>
-          <a:noFill/>
-          <a:ln w="25400" cap="flat" cmpd="sng">
-            <a:solidFill>
-              <a:schemeClr val="accent1"/>
-            </a:solidFill>
-            <a:prstDash val="solid"/>
-            <a:round/>
-            <a:headEnd type="none" w="sm" len="sm"/>
-            <a:tailEnd type="stealth" w="med" len="med"/>
-          </a:ln>
-          <a:effectLst>
-            <a:outerShdw blurRad="40000" dist="20000" dir="5400000" rotWithShape="0">
-              <a:srgbClr val="000000">
-                <a:alpha val="37647"/>
-              </a:srgbClr>
-            </a:outerShdw>
-          </a:effectLst>
-        </p:spPr>
-      </p:cxnSp>
-      <p:sp>
-        <p:nvSpPr>
-          <p:cNvPr id="16" name="Google Shape;211;p33"/>
-          <p:cNvSpPr/>
-          <p:nvPr/>
-        </p:nvSpPr>
-        <p:spPr>
-          <a:xfrm>
-            <a:off x="4572000" y="3383496"/>
-            <a:ext cx="288032" cy="216024"/>
-          </a:xfrm>
-          <a:prstGeom prst="ellipse">
-            <a:avLst/>
-          </a:prstGeom>
-          <a:solidFill>
-            <a:schemeClr val="accent1"/>
-          </a:solidFill>
-          <a:ln w="25400" cap="flat" cmpd="sng">
-            <a:solidFill>
-              <a:srgbClr val="395E89"/>
-            </a:solidFill>
-            <a:prstDash val="solid"/>
-            <a:round/>
-            <a:headEnd type="none" w="sm" len="sm"/>
-            <a:tailEnd type="none" w="sm" len="sm"/>
-          </a:ln>
-        </p:spPr>
-        <p:txBody>
-          <a:bodyPr spcFirstLastPara="1" wrap="square" lIns="91425" tIns="45700" rIns="91425" bIns="45700" anchor="ctr" anchorCtr="0">
-            <a:noAutofit/>
-          </a:bodyPr>
-          <a:lstStyle/>
-          <a:p>
-            <a:pPr marL="0" marR="0" lvl="0" indent="0" algn="ctr" rtl="0">
-              <a:spcBef>
-                <a:spcPts val="0"/>
-              </a:spcBef>
-              <a:spcAft>
-                <a:spcPts val="0"/>
-              </a:spcAft>
-              <a:buNone/>
-            </a:pPr>
-            <a:endParaRPr sz="1800">
-              <a:solidFill>
-                <a:schemeClr val="lt1"/>
-              </a:solidFill>
-              <a:latin typeface="Calibri"/>
-              <a:ea typeface="Calibri"/>
-              <a:cs typeface="Calibri"/>
-              <a:sym typeface="Calibri"/>
-            </a:endParaRPr>
-          </a:p>
-        </p:txBody>
-      </p:sp>
-      <p:sp>
-        <p:nvSpPr>
-          <p:cNvPr id="17" name="Google Shape;206;p33"/>
-          <p:cNvSpPr/>
-          <p:nvPr/>
-        </p:nvSpPr>
-        <p:spPr>
-          <a:xfrm>
-            <a:off x="3491880" y="3686184"/>
-            <a:ext cx="288032" cy="216024"/>
-          </a:xfrm>
-          <a:prstGeom prst="ellipse">
-            <a:avLst/>
-          </a:prstGeom>
-          <a:solidFill>
-            <a:schemeClr val="accent1"/>
-          </a:solidFill>
-          <a:ln w="25400" cap="flat" cmpd="sng">
-            <a:solidFill>
-              <a:srgbClr val="395E89"/>
-            </a:solidFill>
-            <a:prstDash val="solid"/>
-            <a:round/>
-            <a:headEnd type="none" w="sm" len="sm"/>
-            <a:tailEnd type="none" w="sm" len="sm"/>
-          </a:ln>
-        </p:spPr>
-        <p:txBody>
-          <a:bodyPr spcFirstLastPara="1" wrap="square" lIns="91425" tIns="45700" rIns="91425" bIns="45700" anchor="ctr" anchorCtr="0">
-            <a:noAutofit/>
-          </a:bodyPr>
-          <a:lstStyle/>
-          <a:p>
-            <a:pPr marL="0" marR="0" lvl="0" indent="0" algn="ctr" rtl="0">
-              <a:spcBef>
-                <a:spcPts val="0"/>
-              </a:spcBef>
-              <a:spcAft>
-                <a:spcPts val="0"/>
-              </a:spcAft>
-              <a:buNone/>
-            </a:pPr>
-            <a:endParaRPr sz="1800">
-              <a:solidFill>
-                <a:schemeClr val="lt1"/>
-              </a:solidFill>
-              <a:latin typeface="Calibri"/>
-              <a:ea typeface="Calibri"/>
-              <a:cs typeface="Calibri"/>
-              <a:sym typeface="Calibri"/>
-            </a:endParaRPr>
-          </a:p>
-        </p:txBody>
-      </p:sp>
-      <p:sp>
-        <p:nvSpPr>
-          <p:cNvPr id="18" name="Google Shape;212;p33"/>
-          <p:cNvSpPr txBox="1"/>
-          <p:nvPr/>
-        </p:nvSpPr>
-        <p:spPr>
-          <a:xfrm>
-            <a:off x="4788029" y="3599524"/>
-            <a:ext cx="1551900" cy="276900"/>
-          </a:xfrm>
-          <a:prstGeom prst="rect">
-            <a:avLst/>
-          </a:prstGeom>
-          <a:noFill/>
-          <a:ln>
-            <a:noFill/>
-          </a:ln>
-        </p:spPr>
-        <p:txBody>
-          <a:bodyPr spcFirstLastPara="1" wrap="square" lIns="91425" tIns="45700" rIns="91425" bIns="45700" anchor="t" anchorCtr="0">
-            <a:noAutofit/>
-          </a:bodyPr>
-          <a:lstStyle/>
-          <a:p>
-            <a:pPr marL="0" marR="0" lvl="0" indent="0" algn="l" rtl="0">
-              <a:spcBef>
-                <a:spcPts val="0"/>
-              </a:spcBef>
-              <a:spcAft>
-                <a:spcPts val="0"/>
-              </a:spcAft>
-              <a:buNone/>
-            </a:pPr>
-            <a:r>
-              <a:rPr lang="es-419" sz="1800">
-                <a:solidFill>
-                  <a:schemeClr val="dk1"/>
-                </a:solidFill>
-                <a:latin typeface="Calibri"/>
-                <a:ea typeface="Calibri"/>
-                <a:cs typeface="Calibri"/>
-                <a:sym typeface="Calibri"/>
-              </a:rPr>
-              <a:t>user -&gt; session</a:t>
-            </a:r>
-            <a:endParaRPr sz="1800">
-              <a:solidFill>
-                <a:schemeClr val="dk1"/>
-              </a:solidFill>
-              <a:latin typeface="Calibri"/>
-              <a:ea typeface="Calibri"/>
-              <a:cs typeface="Calibri"/>
-              <a:sym typeface="Calibri"/>
-            </a:endParaRPr>
-          </a:p>
-        </p:txBody>
-      </p:sp>
-      <p:cxnSp>
-        <p:nvCxnSpPr>
-          <p:cNvPr id="19" name="Google Shape;213;p33"/>
-          <p:cNvCxnSpPr>
-            <a:stCxn id="20" idx="2"/>
-            <a:endCxn id="6" idx="0"/>
-          </p:cNvCxnSpPr>
-          <p:nvPr/>
-        </p:nvCxnSpPr>
-        <p:spPr>
-          <a:xfrm flipH="1">
-            <a:off x="7015400" y="3456382"/>
-            <a:ext cx="868500" cy="1043700"/>
-          </a:xfrm>
-          <a:prstGeom prst="bentConnector4">
-            <a:avLst>
-              <a:gd name="adj1" fmla="val -34482"/>
-              <a:gd name="adj2" fmla="val 61752"/>
-            </a:avLst>
-          </a:prstGeom>
-          <a:noFill/>
-          <a:ln w="25400" cap="flat" cmpd="sng">
-            <a:solidFill>
-              <a:schemeClr val="accent1"/>
-            </a:solidFill>
-            <a:prstDash val="solid"/>
-            <a:round/>
-            <a:headEnd type="none" w="sm" len="sm"/>
-            <a:tailEnd type="stealth" w="med" len="med"/>
-          </a:ln>
-          <a:effectLst>
-            <a:outerShdw blurRad="40000" dist="20000" dir="5400000" rotWithShape="0">
-              <a:srgbClr val="000000">
-                <a:alpha val="37650"/>
-              </a:srgbClr>
-            </a:outerShdw>
-          </a:effectLst>
-        </p:spPr>
-      </p:cxnSp>
-      <p:sp>
-        <p:nvSpPr>
-          <p:cNvPr id="20" name="Google Shape;203;p33"/>
-          <p:cNvSpPr/>
-          <p:nvPr/>
-        </p:nvSpPr>
-        <p:spPr>
-          <a:xfrm>
-            <a:off x="6264350" y="3210982"/>
-            <a:ext cx="1680900" cy="490800"/>
-          </a:xfrm>
-          <a:prstGeom prst="parallelogram">
-            <a:avLst>
-              <a:gd name="adj" fmla="val 25000"/>
-            </a:avLst>
-          </a:prstGeom>
-          <a:solidFill>
-            <a:schemeClr val="lt1"/>
-          </a:solidFill>
-          <a:ln w="25400" cap="flat" cmpd="sng">
-            <a:solidFill>
-              <a:schemeClr val="accent2"/>
-            </a:solidFill>
-            <a:prstDash val="solid"/>
-            <a:round/>
-            <a:headEnd type="none" w="sm" len="sm"/>
-            <a:tailEnd type="none" w="sm" len="sm"/>
-          </a:ln>
-        </p:spPr>
-        <p:txBody>
-          <a:bodyPr spcFirstLastPara="1" wrap="square" lIns="91425" tIns="45700" rIns="91425" bIns="45700" anchor="ctr" anchorCtr="0">
-            <a:noAutofit/>
-          </a:bodyPr>
-          <a:lstStyle/>
-          <a:p>
-            <a:pPr marL="0" marR="0" lvl="0" indent="0" algn="ctr" rtl="0">
-              <a:spcBef>
-                <a:spcPts val="0"/>
-              </a:spcBef>
-              <a:spcAft>
-                <a:spcPts val="0"/>
-              </a:spcAft>
-              <a:buNone/>
-            </a:pPr>
-            <a:r>
-              <a:rPr lang="es-419" sz="1800">
-                <a:solidFill>
-                  <a:schemeClr val="dk1"/>
-                </a:solidFill>
-                <a:latin typeface="Calibri"/>
-                <a:ea typeface="Calibri"/>
-                <a:cs typeface="Calibri"/>
-                <a:sym typeface="Calibri"/>
-              </a:rPr>
-              <a:t>GoToHome</a:t>
-            </a:r>
-            <a:endParaRPr sz="1800">
-              <a:solidFill>
-                <a:schemeClr val="dk1"/>
-              </a:solidFill>
-              <a:latin typeface="Calibri"/>
-              <a:ea typeface="Calibri"/>
-              <a:cs typeface="Calibri"/>
-              <a:sym typeface="Calibri"/>
-            </a:endParaRPr>
-          </a:p>
-        </p:txBody>
-      </p:sp>
-      <p:sp>
-        <p:nvSpPr>
-          <p:cNvPr id="21" name="Google Shape;214;p33"/>
-          <p:cNvSpPr txBox="1"/>
-          <p:nvPr/>
-        </p:nvSpPr>
-        <p:spPr>
-          <a:xfrm>
-            <a:off x="7105354" y="4132699"/>
-            <a:ext cx="1551900" cy="276900"/>
-          </a:xfrm>
-          <a:prstGeom prst="rect">
-            <a:avLst/>
-          </a:prstGeom>
-          <a:noFill/>
-          <a:ln>
-            <a:noFill/>
-          </a:ln>
-        </p:spPr>
-        <p:txBody>
-          <a:bodyPr spcFirstLastPara="1" wrap="square" lIns="91425" tIns="45700" rIns="91425" bIns="45700" anchor="t" anchorCtr="0">
-            <a:noAutofit/>
-          </a:bodyPr>
-          <a:lstStyle/>
-          <a:p>
-            <a:pPr marL="0" marR="0" lvl="0" indent="0" algn="l" rtl="0">
-              <a:spcBef>
-                <a:spcPts val="0"/>
-              </a:spcBef>
-              <a:spcAft>
-                <a:spcPts val="0"/>
-              </a:spcAft>
-              <a:buNone/>
-            </a:pPr>
-            <a:r>
-              <a:rPr lang="es-419" sz="1800">
-                <a:solidFill>
-                  <a:schemeClr val="dk1"/>
-                </a:solidFill>
-                <a:latin typeface="Calibri"/>
-                <a:ea typeface="Calibri"/>
-                <a:cs typeface="Calibri"/>
-                <a:sym typeface="Calibri"/>
-              </a:rPr>
-              <a:t>missions</a:t>
-            </a:r>
-            <a:endParaRPr sz="1800">
-              <a:solidFill>
-                <a:schemeClr val="dk1"/>
-              </a:solidFill>
-              <a:latin typeface="Calibri"/>
-              <a:ea typeface="Calibri"/>
-              <a:cs typeface="Calibri"/>
-              <a:sym typeface="Calibri"/>
-            </a:endParaRPr>
-          </a:p>
-        </p:txBody>
-      </p:sp>
-      <p:cxnSp>
-        <p:nvCxnSpPr>
-          <p:cNvPr id="23" name="Straight Arrow Connector 22"/>
-          <p:cNvCxnSpPr>
-            <a:stCxn id="24" idx="1"/>
-          </p:cNvCxnSpPr>
-          <p:nvPr/>
-        </p:nvCxnSpPr>
-        <p:spPr>
-          <a:xfrm flipH="1">
-            <a:off x="1905802" y="2096513"/>
-            <a:ext cx="838584" cy="1036847"/>
-          </a:xfrm>
-          <a:prstGeom prst="straightConnector1">
-            <a:avLst/>
-          </a:prstGeom>
-          <a:ln w="57150">
-            <a:solidFill>
-              <a:srgbClr val="FF0000"/>
-            </a:solidFill>
-            <a:tailEnd type="triangle"/>
-          </a:ln>
-        </p:spPr>
-        <p:style>
-          <a:lnRef idx="3">
-            <a:schemeClr val="accent1"/>
-          </a:lnRef>
-          <a:fillRef idx="0">
-            <a:schemeClr val="accent1"/>
-          </a:fillRef>
-          <a:effectRef idx="2">
-            <a:schemeClr val="accent1"/>
-          </a:effectRef>
-          <a:fontRef idx="minor">
-            <a:schemeClr val="tx1"/>
-          </a:fontRef>
-        </p:style>
-      </p:cxnSp>
-      <p:sp>
-        <p:nvSpPr>
-          <p:cNvPr id="24" name="TextBox 23"/>
-          <p:cNvSpPr txBox="1"/>
-          <p:nvPr/>
-        </p:nvSpPr>
-        <p:spPr>
-          <a:xfrm>
-            <a:off x="2744386" y="1911847"/>
-            <a:ext cx="1992981" cy="369332"/>
-          </a:xfrm>
-          <a:prstGeom prst="rect">
-            <a:avLst/>
-          </a:prstGeom>
-          <a:noFill/>
-        </p:spPr>
-        <p:txBody>
-          <a:bodyPr wrap="none" rtlCol="0">
-            <a:spAutoFit/>
-          </a:bodyPr>
+              <a:t>ORM design motivations</a:t>
+            </a:r>
+          </a:p>
+        </p:txBody>
+      </p:sp>
+      <p:sp>
+        <p:nvSpPr>
+          <p:cNvPr id="5" name="Content Placeholder 4"/>
+          <p:cNvSpPr>
+            <a:spLocks noGrp="1"/>
+          </p:cNvSpPr>
+          <p:nvPr>
+            <p:ph idx="1"/>
+          </p:nvPr>
+        </p:nvSpPr>
+        <p:spPr/>
+        <p:txBody>
+          <a:bodyPr/>
           <a:lstStyle/>
           <a:p>
             <a:r>
               <a:rPr lang="it-IT" dirty="0"/>
-              <a:t>PAGE COMPONENT</a:t>
-            </a:r>
-          </a:p>
-        </p:txBody>
-      </p:sp>
-      <p:cxnSp>
-        <p:nvCxnSpPr>
-          <p:cNvPr id="26" name="Straight Arrow Connector 25"/>
-          <p:cNvCxnSpPr>
-            <a:stCxn id="27" idx="1"/>
-          </p:cNvCxnSpPr>
-          <p:nvPr/>
-        </p:nvCxnSpPr>
-        <p:spPr>
-          <a:xfrm flipH="1">
-            <a:off x="1357163" y="1565518"/>
-            <a:ext cx="1529998" cy="1187666"/>
-          </a:xfrm>
-          <a:prstGeom prst="straightConnector1">
-            <a:avLst/>
-          </a:prstGeom>
-          <a:ln w="57150">
-            <a:solidFill>
-              <a:srgbClr val="FF0000"/>
-            </a:solidFill>
-            <a:tailEnd type="triangle"/>
-          </a:ln>
-        </p:spPr>
-        <p:style>
-          <a:lnRef idx="3">
-            <a:schemeClr val="accent1"/>
-          </a:lnRef>
-          <a:fillRef idx="0">
-            <a:schemeClr val="accent1"/>
-          </a:fillRef>
-          <a:effectRef idx="2">
-            <a:schemeClr val="accent1"/>
-          </a:effectRef>
-          <a:fontRef idx="minor">
-            <a:schemeClr val="tx1"/>
-          </a:fontRef>
-        </p:style>
-      </p:cxnSp>
-      <p:sp>
-        <p:nvSpPr>
-          <p:cNvPr id="27" name="TextBox 26"/>
-          <p:cNvSpPr txBox="1"/>
-          <p:nvPr/>
-        </p:nvSpPr>
-        <p:spPr>
-          <a:xfrm>
-            <a:off x="2887161" y="1380852"/>
-            <a:ext cx="675762" cy="369332"/>
-          </a:xfrm>
-          <a:prstGeom prst="rect">
-            <a:avLst/>
-          </a:prstGeom>
-          <a:noFill/>
-        </p:spPr>
-        <p:txBody>
-          <a:bodyPr wrap="square" rtlCol="0">
-            <a:spAutoFit/>
-          </a:bodyPr>
-          <a:lstStyle/>
-          <a:p>
-            <a:r>
-              <a:rPr lang="it-IT" dirty="0"/>
-              <a:t>PAGE</a:t>
-            </a:r>
-          </a:p>
-        </p:txBody>
-      </p:sp>
-      <p:cxnSp>
-        <p:nvCxnSpPr>
-          <p:cNvPr id="30" name="Straight Arrow Connector 29"/>
-          <p:cNvCxnSpPr>
-            <a:stCxn id="31" idx="1"/>
-          </p:cNvCxnSpPr>
-          <p:nvPr/>
-        </p:nvCxnSpPr>
-        <p:spPr>
-          <a:xfrm flipH="1">
-            <a:off x="2406316" y="2394897"/>
-            <a:ext cx="790457" cy="946194"/>
-          </a:xfrm>
-          <a:prstGeom prst="straightConnector1">
-            <a:avLst/>
-          </a:prstGeom>
-          <a:ln w="57150">
-            <a:solidFill>
-              <a:srgbClr val="FF0000"/>
-            </a:solidFill>
-            <a:tailEnd type="triangle"/>
-          </a:ln>
-        </p:spPr>
-        <p:style>
-          <a:lnRef idx="3">
-            <a:schemeClr val="accent1"/>
-          </a:lnRef>
-          <a:fillRef idx="0">
-            <a:schemeClr val="accent1"/>
-          </a:fillRef>
-          <a:effectRef idx="2">
-            <a:schemeClr val="accent1"/>
-          </a:effectRef>
-          <a:fontRef idx="minor">
-            <a:schemeClr val="tx1"/>
-          </a:fontRef>
-        </p:style>
-      </p:cxnSp>
-      <p:sp>
-        <p:nvSpPr>
-          <p:cNvPr id="31" name="TextBox 30"/>
-          <p:cNvSpPr txBox="1"/>
-          <p:nvPr/>
-        </p:nvSpPr>
-        <p:spPr>
-          <a:xfrm>
-            <a:off x="3196773" y="2210231"/>
-            <a:ext cx="801823" cy="369332"/>
-          </a:xfrm>
-          <a:prstGeom prst="rect">
-            <a:avLst/>
-          </a:prstGeom>
-          <a:noFill/>
-        </p:spPr>
-        <p:txBody>
-          <a:bodyPr wrap="none" rtlCol="0">
-            <a:spAutoFit/>
-          </a:bodyPr>
-          <a:lstStyle/>
-          <a:p>
-            <a:r>
-              <a:rPr lang="it-IT" dirty="0"/>
-              <a:t>EVENT</a:t>
-            </a:r>
-          </a:p>
-        </p:txBody>
-      </p:sp>
-      <p:cxnSp>
-        <p:nvCxnSpPr>
-          <p:cNvPr id="33" name="Straight Arrow Connector 32"/>
-          <p:cNvCxnSpPr>
-            <a:stCxn id="34" idx="1"/>
-          </p:cNvCxnSpPr>
-          <p:nvPr/>
-        </p:nvCxnSpPr>
-        <p:spPr>
-          <a:xfrm flipH="1">
-            <a:off x="6670320" y="2491149"/>
-            <a:ext cx="655704" cy="656671"/>
-          </a:xfrm>
-          <a:prstGeom prst="straightConnector1">
-            <a:avLst/>
-          </a:prstGeom>
-          <a:ln w="57150">
-            <a:solidFill>
-              <a:srgbClr val="FF0000"/>
-            </a:solidFill>
-            <a:tailEnd type="triangle"/>
-          </a:ln>
-        </p:spPr>
-        <p:style>
-          <a:lnRef idx="3">
-            <a:schemeClr val="accent1"/>
-          </a:lnRef>
-          <a:fillRef idx="0">
-            <a:schemeClr val="accent1"/>
-          </a:fillRef>
-          <a:effectRef idx="2">
-            <a:schemeClr val="accent1"/>
-          </a:effectRef>
-          <a:fontRef idx="minor">
-            <a:schemeClr val="tx1"/>
-          </a:fontRef>
-        </p:style>
-      </p:cxnSp>
-      <p:sp>
-        <p:nvSpPr>
-          <p:cNvPr id="34" name="TextBox 33"/>
-          <p:cNvSpPr txBox="1"/>
-          <p:nvPr/>
-        </p:nvSpPr>
-        <p:spPr>
-          <a:xfrm>
-            <a:off x="7326024" y="2306483"/>
-            <a:ext cx="911916" cy="369332"/>
-          </a:xfrm>
-          <a:prstGeom prst="rect">
-            <a:avLst/>
-          </a:prstGeom>
-          <a:noFill/>
-        </p:spPr>
-        <p:txBody>
-          <a:bodyPr wrap="none" rtlCol="0">
-            <a:spAutoFit/>
-          </a:bodyPr>
-          <a:lstStyle/>
-          <a:p>
-            <a:r>
-              <a:rPr lang="it-IT" dirty="0"/>
-              <a:t>ACTION</a:t>
-            </a:r>
-          </a:p>
-        </p:txBody>
-      </p:sp>
-      <p:cxnSp>
-        <p:nvCxnSpPr>
-          <p:cNvPr id="35" name="Straight Arrow Connector 34"/>
-          <p:cNvCxnSpPr>
-            <a:stCxn id="36" idx="1"/>
-          </p:cNvCxnSpPr>
-          <p:nvPr/>
-        </p:nvCxnSpPr>
-        <p:spPr>
-          <a:xfrm flipH="1">
-            <a:off x="5755392" y="2096513"/>
-            <a:ext cx="800608" cy="1352169"/>
-          </a:xfrm>
-          <a:prstGeom prst="straightConnector1">
-            <a:avLst/>
-          </a:prstGeom>
-          <a:ln w="57150">
-            <a:solidFill>
-              <a:srgbClr val="FF0000"/>
-            </a:solidFill>
-            <a:tailEnd type="triangle"/>
-          </a:ln>
-        </p:spPr>
-        <p:style>
-          <a:lnRef idx="3">
-            <a:schemeClr val="accent1"/>
-          </a:lnRef>
-          <a:fillRef idx="0">
-            <a:schemeClr val="accent1"/>
-          </a:fillRef>
-          <a:effectRef idx="2">
-            <a:schemeClr val="accent1"/>
-          </a:effectRef>
-          <a:fontRef idx="minor">
-            <a:schemeClr val="tx1"/>
-          </a:fontRef>
-        </p:style>
-      </p:cxnSp>
-      <p:sp>
-        <p:nvSpPr>
-          <p:cNvPr id="36" name="TextBox 35"/>
-          <p:cNvSpPr txBox="1"/>
-          <p:nvPr/>
-        </p:nvSpPr>
-        <p:spPr>
-          <a:xfrm>
-            <a:off x="6556000" y="1911847"/>
-            <a:ext cx="1378134" cy="369332"/>
-          </a:xfrm>
-          <a:prstGeom prst="rect">
-            <a:avLst/>
-          </a:prstGeom>
-          <a:noFill/>
-        </p:spPr>
-        <p:txBody>
-          <a:bodyPr wrap="none" rtlCol="0">
-            <a:spAutoFit/>
-          </a:bodyPr>
-          <a:lstStyle/>
-          <a:p>
-            <a:r>
-              <a:rPr lang="it-IT" dirty="0"/>
-              <a:t>NAVIGATION</a:t>
+              <a:t>If there are aspects of the ORM that you want to illustrate or motivate, write your explanations after each relationship ORM design slide or at the end of the ORM design section</a:t>
             </a:r>
           </a:p>
         </p:txBody>
@@ -6448,7 +5545,7 @@
     </p:spTree>
     <p:extLst>
       <p:ext uri="{BB962C8B-B14F-4D97-AF65-F5344CB8AC3E}">
-        <p14:creationId xmlns:p14="http://schemas.microsoft.com/office/powerpoint/2010/main" val="2100777373"/>
+        <p14:creationId xmlns:p14="http://schemas.microsoft.com/office/powerpoint/2010/main" val="2955575121"/>
       </p:ext>
     </p:extLst>
   </p:cSld>
@@ -6491,8 +5588,8 @@
           <a:lstStyle/>
           <a:p>
             <a:r>
-              <a:rPr lang="it-IT" dirty="0"/>
-              <a:t>Example of textual notation</a:t>
+              <a:rPr lang="en-GB" dirty="0"/>
+              <a:t>Entity Employee</a:t>
             </a:r>
           </a:p>
         </p:txBody>
@@ -6509,270 +5606,385 @@
         </p:nvSpPr>
         <p:spPr>
           <a:xfrm>
-            <a:off x="211756" y="1386038"/>
-            <a:ext cx="8855242" cy="5236143"/>
+            <a:off x="1" y="1434164"/>
+            <a:ext cx="9144000" cy="5342021"/>
           </a:xfrm>
         </p:spPr>
         <p:txBody>
           <a:bodyPr>
-            <a:normAutofit fontScale="70000" lnSpcReduction="20000"/>
+            <a:normAutofit/>
           </a:bodyPr>
           <a:lstStyle/>
           <a:p>
-            <a:r>
-              <a:rPr lang="en-GB" dirty="0"/>
-              <a:t>A Web application allows the management of travel expenses. After </a:t>
-            </a:r>
+            <a:pPr marL="0" indent="0">
+              <a:spcBef>
+                <a:spcPts val="0"/>
+              </a:spcBef>
+              <a:buNone/>
+            </a:pPr>
+            <a:r>
+              <a:rPr lang="en-GB" sz="1500" dirty="0">
+                <a:latin typeface="Courier New" panose="02070309020205020404" pitchFamily="49" charset="0"/>
+                <a:cs typeface="Courier New" panose="02070309020205020404" pitchFamily="49" charset="0"/>
+              </a:rPr>
+              <a:t>@Entity</a:t>
+            </a:r>
+          </a:p>
+          <a:p>
+            <a:pPr marL="0" indent="0">
+              <a:spcBef>
+                <a:spcPts val="0"/>
+              </a:spcBef>
+              <a:buNone/>
+            </a:pPr>
+            <a:r>
+              <a:rPr lang="en-GB" sz="1500" dirty="0">
+                <a:latin typeface="Courier New" panose="02070309020205020404" pitchFamily="49" charset="0"/>
+                <a:cs typeface="Courier New" panose="02070309020205020404" pitchFamily="49" charset="0"/>
+              </a:rPr>
+              <a:t>@</a:t>
+            </a:r>
+            <a:r>
+              <a:rPr lang="en-GB" sz="1500" dirty="0" err="1">
+                <a:latin typeface="Courier New" panose="02070309020205020404" pitchFamily="49" charset="0"/>
+                <a:cs typeface="Courier New" panose="02070309020205020404" pitchFamily="49" charset="0"/>
+              </a:rPr>
+              <a:t>NamedQueries</a:t>
+            </a:r>
+            <a:r>
+              <a:rPr lang="en-GB" sz="1500" dirty="0">
+                <a:latin typeface="Courier New" panose="02070309020205020404" pitchFamily="49" charset="0"/>
+                <a:cs typeface="Courier New" panose="02070309020205020404" pitchFamily="49" charset="0"/>
+              </a:rPr>
+              <a:t>({ </a:t>
+            </a:r>
+            <a:br>
+              <a:rPr lang="en-GB" sz="1500" dirty="0">
+                <a:latin typeface="Courier New" panose="02070309020205020404" pitchFamily="49" charset="0"/>
+                <a:cs typeface="Courier New" panose="02070309020205020404" pitchFamily="49" charset="0"/>
+              </a:rPr>
+            </a:br>
+            <a:r>
+              <a:rPr lang="en-GB" sz="1500" dirty="0">
+                <a:latin typeface="Courier New" panose="02070309020205020404" pitchFamily="49" charset="0"/>
+                <a:cs typeface="Courier New" panose="02070309020205020404" pitchFamily="49" charset="0"/>
+              </a:rPr>
+              <a:t>  @</a:t>
+            </a:r>
+            <a:r>
+              <a:rPr lang="en-GB" sz="1500" dirty="0" err="1">
+                <a:latin typeface="Courier New" panose="02070309020205020404" pitchFamily="49" charset="0"/>
+                <a:cs typeface="Courier New" panose="02070309020205020404" pitchFamily="49" charset="0"/>
+              </a:rPr>
+              <a:t>NamedQuery</a:t>
+            </a:r>
+            <a:r>
+              <a:rPr lang="en-GB" sz="1500" dirty="0">
+                <a:latin typeface="Courier New" panose="02070309020205020404" pitchFamily="49" charset="0"/>
+                <a:cs typeface="Courier New" panose="02070309020205020404" pitchFamily="49" charset="0"/>
+              </a:rPr>
+              <a:t>(name = “</a:t>
+            </a:r>
+            <a:r>
+              <a:rPr lang="en-GB" sz="1500" dirty="0" err="1">
+                <a:latin typeface="Courier New" panose="02070309020205020404" pitchFamily="49" charset="0"/>
+                <a:cs typeface="Courier New" panose="02070309020205020404" pitchFamily="49" charset="0"/>
+              </a:rPr>
+              <a:t>A.query</a:t>
+            </a:r>
+            <a:r>
+              <a:rPr lang="en-GB" sz="1500" dirty="0">
+                <a:latin typeface="Courier New" panose="02070309020205020404" pitchFamily="49" charset="0"/>
+                <a:cs typeface="Courier New" panose="02070309020205020404" pitchFamily="49" charset="0"/>
+              </a:rPr>
+              <a:t>", query = </a:t>
+            </a:r>
+            <a:br>
+              <a:rPr lang="en-GB" sz="1500" dirty="0">
+                <a:latin typeface="Courier New" panose="02070309020205020404" pitchFamily="49" charset="0"/>
+                <a:cs typeface="Courier New" panose="02070309020205020404" pitchFamily="49" charset="0"/>
+              </a:rPr>
+            </a:br>
+            <a:r>
+              <a:rPr lang="en-GB" sz="1500" dirty="0">
+                <a:latin typeface="Courier New" panose="02070309020205020404" pitchFamily="49" charset="0"/>
+                <a:cs typeface="Courier New" panose="02070309020205020404" pitchFamily="49" charset="0"/>
+              </a:rPr>
+              <a:t>    “ . . . "),</a:t>
+            </a:r>
+          </a:p>
+          <a:p>
+            <a:pPr marL="0" indent="0">
+              <a:spcBef>
+                <a:spcPts val="0"/>
+              </a:spcBef>
+              <a:buNone/>
+            </a:pPr>
+            <a:r>
+              <a:rPr lang="en-GB" sz="1500" dirty="0">
+                <a:latin typeface="Courier New" panose="02070309020205020404" pitchFamily="49" charset="0"/>
+                <a:cs typeface="Courier New" panose="02070309020205020404" pitchFamily="49" charset="0"/>
+              </a:rPr>
+              <a:t>   . . .})</a:t>
+            </a:r>
+          </a:p>
+          <a:p>
+            <a:pPr marL="0" indent="0">
+              <a:spcBef>
+                <a:spcPts val="0"/>
+              </a:spcBef>
+              <a:buNone/>
+            </a:pPr>
+            <a:endParaRPr lang="en-GB" sz="1500" dirty="0">
+              <a:latin typeface="Courier New" panose="02070309020205020404" pitchFamily="49" charset="0"/>
+              <a:cs typeface="Courier New" panose="02070309020205020404" pitchFamily="49" charset="0"/>
+            </a:endParaRPr>
+          </a:p>
+          <a:p>
+            <a:pPr marL="0" indent="0">
+              <a:spcBef>
+                <a:spcPts val="0"/>
+              </a:spcBef>
+              <a:buNone/>
+            </a:pPr>
+            <a:r>
+              <a:rPr lang="en-GB" sz="1500" dirty="0">
+                <a:latin typeface="Courier New" panose="02070309020205020404" pitchFamily="49" charset="0"/>
+                <a:cs typeface="Courier New" panose="02070309020205020404" pitchFamily="49" charset="0"/>
+              </a:rPr>
+              <a:t>public class A implements Serializable {</a:t>
+            </a:r>
+          </a:p>
+          <a:p>
+            <a:pPr marL="0" indent="0">
+              <a:spcBef>
+                <a:spcPts val="0"/>
+              </a:spcBef>
+              <a:buNone/>
+            </a:pPr>
+            <a:r>
+              <a:rPr lang="en-GB" sz="1500" dirty="0">
+                <a:latin typeface="Courier New" panose="02070309020205020404" pitchFamily="49" charset="0"/>
+                <a:cs typeface="Courier New" panose="02070309020205020404" pitchFamily="49" charset="0"/>
+              </a:rPr>
+              <a:t>..</a:t>
+            </a:r>
+          </a:p>
+          <a:p>
+            <a:pPr marL="0" indent="0">
+              <a:spcBef>
+                <a:spcPts val="0"/>
+              </a:spcBef>
+              <a:buNone/>
+            </a:pPr>
+            <a:endParaRPr lang="en-GB" sz="1500" dirty="0">
+              <a:latin typeface="Courier New" panose="02070309020205020404" pitchFamily="49" charset="0"/>
+              <a:cs typeface="Courier New" panose="02070309020205020404" pitchFamily="49" charset="0"/>
+            </a:endParaRPr>
+          </a:p>
+          <a:p>
+            <a:pPr marL="0" indent="0">
+              <a:spcBef>
+                <a:spcPts val="0"/>
+              </a:spcBef>
+              <a:buNone/>
+            </a:pPr>
+            <a:r>
+              <a:rPr lang="en-GB" sz="1500" dirty="0">
+                <a:latin typeface="Courier New" panose="02070309020205020404" pitchFamily="49" charset="0"/>
+                <a:cs typeface="Courier New" panose="02070309020205020404" pitchFamily="49" charset="0"/>
+              </a:rPr>
+              <a:t>// attributes &amp; their annotations</a:t>
+            </a:r>
+          </a:p>
+          <a:p>
+            <a:pPr marL="0" indent="0">
+              <a:spcBef>
+                <a:spcPts val="0"/>
+              </a:spcBef>
+              <a:buNone/>
+            </a:pPr>
+            <a:endParaRPr lang="en-GB" sz="1500" dirty="0">
+              <a:latin typeface="Courier New" panose="02070309020205020404" pitchFamily="49" charset="0"/>
+              <a:cs typeface="Courier New" panose="02070309020205020404" pitchFamily="49" charset="0"/>
+            </a:endParaRPr>
+          </a:p>
+          <a:p>
+            <a:pPr marL="0" indent="0">
+              <a:spcBef>
+                <a:spcPts val="0"/>
+              </a:spcBef>
+              <a:buNone/>
+            </a:pPr>
+            <a:endParaRPr lang="en-GB" sz="1500" dirty="0">
+              <a:latin typeface="Courier New" panose="02070309020205020404" pitchFamily="49" charset="0"/>
+              <a:cs typeface="Courier New" panose="02070309020205020404" pitchFamily="49" charset="0"/>
+            </a:endParaRPr>
+          </a:p>
+          <a:p>
+            <a:pPr marL="0" indent="0">
+              <a:spcBef>
+                <a:spcPts val="0"/>
+              </a:spcBef>
+              <a:buNone/>
+            </a:pPr>
+            <a:r>
+              <a:rPr lang="en-GB" sz="1500" dirty="0">
+                <a:latin typeface="Courier New" panose="02070309020205020404" pitchFamily="49" charset="0"/>
+                <a:cs typeface="Courier New" panose="02070309020205020404" pitchFamily="49" charset="0"/>
+              </a:rPr>
+              <a:t>// relationships &amp; their annotations</a:t>
+            </a:r>
+          </a:p>
+          <a:p>
+            <a:pPr marL="0" indent="0">
+              <a:spcBef>
+                <a:spcPts val="0"/>
+              </a:spcBef>
+              <a:buNone/>
+            </a:pPr>
+            <a:endParaRPr lang="en-GB" sz="1500" dirty="0">
+              <a:latin typeface="Courier New" panose="02070309020205020404" pitchFamily="49" charset="0"/>
+              <a:cs typeface="Courier New" panose="02070309020205020404" pitchFamily="49" charset="0"/>
+            </a:endParaRPr>
+          </a:p>
+          <a:p>
+            <a:pPr marL="0" indent="0">
+              <a:spcBef>
+                <a:spcPts val="0"/>
+              </a:spcBef>
+              <a:buNone/>
+            </a:pPr>
+            <a:endParaRPr lang="en-GB" sz="1500" dirty="0">
+              <a:latin typeface="Courier New" panose="02070309020205020404" pitchFamily="49" charset="0"/>
+              <a:cs typeface="Courier New" panose="02070309020205020404" pitchFamily="49" charset="0"/>
+            </a:endParaRPr>
+          </a:p>
+          <a:p>
+            <a:pPr marL="0" indent="0">
+              <a:spcBef>
+                <a:spcPts val="0"/>
+              </a:spcBef>
+              <a:buNone/>
+            </a:pPr>
+            <a:r>
+              <a:rPr lang="en-GB" sz="1500" dirty="0">
+                <a:latin typeface="Courier New" panose="02070309020205020404" pitchFamily="49" charset="0"/>
+                <a:cs typeface="Courier New" panose="02070309020205020404" pitchFamily="49" charset="0"/>
+              </a:rPr>
+              <a:t>/* </a:t>
+            </a:r>
+          </a:p>
+          <a:p>
+            <a:pPr marL="0" indent="0">
+              <a:spcBef>
+                <a:spcPts val="0"/>
+              </a:spcBef>
+              <a:buNone/>
+            </a:pPr>
+            <a:r>
+              <a:rPr lang="en-GB" sz="1500" dirty="0">
+                <a:latin typeface="Courier New" panose="02070309020205020404" pitchFamily="49" charset="0"/>
+                <a:cs typeface="Courier New" panose="02070309020205020404" pitchFamily="49" charset="0"/>
+              </a:rPr>
+              <a:t>  clone this slide as may times as there are   </a:t>
+            </a:r>
+            <a:br>
+              <a:rPr lang="en-GB" sz="1500" dirty="0">
+                <a:latin typeface="Courier New" panose="02070309020205020404" pitchFamily="49" charset="0"/>
+                <a:cs typeface="Courier New" panose="02070309020205020404" pitchFamily="49" charset="0"/>
+              </a:rPr>
+            </a:br>
+            <a:r>
+              <a:rPr lang="en-GB" sz="1500" dirty="0">
+                <a:latin typeface="Courier New" panose="02070309020205020404" pitchFamily="49" charset="0"/>
+                <a:cs typeface="Courier New" panose="02070309020205020404" pitchFamily="49" charset="0"/>
+              </a:rPr>
+              <a:t>  entities </a:t>
+            </a:r>
+          </a:p>
+          <a:p>
+            <a:pPr marL="0" indent="0">
+              <a:spcBef>
+                <a:spcPts val="0"/>
+              </a:spcBef>
+              <a:buNone/>
+            </a:pPr>
+            <a:r>
+              <a:rPr lang="en-GB" sz="1500" dirty="0">
+                <a:latin typeface="Courier New" panose="02070309020205020404" pitchFamily="49" charset="0"/>
+                <a:cs typeface="Courier New" panose="02070309020205020404" pitchFamily="49" charset="0"/>
+              </a:rPr>
+              <a:t>*/</a:t>
+            </a:r>
+          </a:p>
+          <a:p>
+            <a:pPr marL="0" indent="0">
+              <a:spcBef>
+                <a:spcPts val="0"/>
+              </a:spcBef>
+              <a:buNone/>
+            </a:pPr>
+            <a:endParaRPr lang="en-GB" sz="1500" dirty="0">
+              <a:latin typeface="Courier New" panose="02070309020205020404" pitchFamily="49" charset="0"/>
+              <a:cs typeface="Courier New" panose="02070309020205020404" pitchFamily="49" charset="0"/>
+            </a:endParaRPr>
+          </a:p>
+          <a:p>
+            <a:pPr marL="0" indent="0">
+              <a:spcBef>
+                <a:spcPts val="0"/>
+              </a:spcBef>
+              <a:buNone/>
+            </a:pPr>
+            <a:endParaRPr lang="en-GB" sz="1500" dirty="0">
+              <a:latin typeface="Courier New" panose="02070309020205020404" pitchFamily="49" charset="0"/>
+              <a:cs typeface="Courier New" panose="02070309020205020404" pitchFamily="49" charset="0"/>
+            </a:endParaRPr>
+          </a:p>
+        </p:txBody>
+      </p:sp>
+      <p:sp>
+        <p:nvSpPr>
+          <p:cNvPr id="3" name="Rectangle 2">
+            <a:extLst>
+              <a:ext uri="{FF2B5EF4-FFF2-40B4-BE49-F238E27FC236}">
+                <a16:creationId xmlns:a16="http://schemas.microsoft.com/office/drawing/2014/main" id="{AC19F719-6A3E-4BE4-BB76-3CDA270B343C}"/>
+              </a:ext>
+            </a:extLst>
+          </p:cNvPr>
+          <p:cNvSpPr/>
+          <p:nvPr/>
+        </p:nvSpPr>
+        <p:spPr>
+          <a:xfrm>
+            <a:off x="3043645" y="6308208"/>
+            <a:ext cx="4572000" cy="369332"/>
+          </a:xfrm>
+          <a:prstGeom prst="rect">
+            <a:avLst/>
+          </a:prstGeom>
+        </p:spPr>
+        <p:txBody>
+          <a:bodyPr>
+            <a:spAutoFit/>
+          </a:bodyPr>
+          <a:lstStyle/>
+          <a:p>
             <a:r>
               <a:rPr lang="en-GB" dirty="0">
-                <a:solidFill>
-                  <a:srgbClr val="C00000"/>
-                </a:solidFill>
-              </a:rPr>
-              <a:t>logging in</a:t>
-            </a:r>
-            <a:r>
-              <a:rPr lang="en-GB" dirty="0"/>
-              <a:t>, the user </a:t>
-            </a:r>
-            <a:r>
-              <a:rPr lang="en-GB" dirty="0">
-                <a:solidFill>
-                  <a:srgbClr val="0070C0"/>
-                </a:solidFill>
-              </a:rPr>
-              <a:t>accesses</a:t>
-            </a:r>
-            <a:r>
-              <a:rPr lang="en-GB" dirty="0"/>
-              <a:t> a </a:t>
-            </a:r>
-            <a:r>
-              <a:rPr lang="en-GB" dirty="0">
-                <a:solidFill>
-                  <a:srgbClr val="FF0000"/>
-                </a:solidFill>
-              </a:rPr>
-              <a:t>HOME</a:t>
-            </a:r>
-            <a:r>
-              <a:rPr lang="en-GB" dirty="0"/>
-              <a:t> </a:t>
-            </a:r>
-            <a:r>
-              <a:rPr lang="en-GB" dirty="0">
-                <a:solidFill>
-                  <a:srgbClr val="FF0000"/>
-                </a:solidFill>
-              </a:rPr>
-              <a:t>page</a:t>
-            </a:r>
-            <a:r>
-              <a:rPr lang="en-GB" dirty="0"/>
-              <a:t> where there is a </a:t>
-            </a:r>
-            <a:r>
-              <a:rPr lang="en-GB" dirty="0">
-                <a:solidFill>
-                  <a:srgbClr val="00B050"/>
-                </a:solidFill>
-              </a:rPr>
-              <a:t>list of travel missions</a:t>
-            </a:r>
-            <a:r>
-              <a:rPr lang="en-GB" dirty="0"/>
-              <a:t>; a mission belongs to a user and has a date, a place, a description, a number of days of duration, and a status ("open", "finalized", "closed"). The list shows the date and place of the missions, which are sorted by date in descending order. On the HOME page there is a </a:t>
-            </a:r>
-            <a:r>
-              <a:rPr lang="en-GB" dirty="0">
-                <a:solidFill>
-                  <a:srgbClr val="00B050"/>
-                </a:solidFill>
-              </a:rPr>
-              <a:t>form</a:t>
-            </a:r>
-            <a:r>
-              <a:rPr lang="en-GB" dirty="0"/>
-              <a:t>, with which the user can </a:t>
-            </a:r>
-            <a:r>
-              <a:rPr lang="en-GB" dirty="0">
-                <a:solidFill>
-                  <a:srgbClr val="C00000"/>
-                </a:solidFill>
-              </a:rPr>
-              <a:t>create a new mission</a:t>
-            </a:r>
-            <a:r>
-              <a:rPr lang="en-GB" dirty="0"/>
-              <a:t>, by entering all the data, which are mandatory. A new mission is always in the "open" state. After creating a mission, one is returned to the HOME page. When the user </a:t>
-            </a:r>
-            <a:r>
-              <a:rPr lang="en-GB" dirty="0">
-                <a:solidFill>
-                  <a:srgbClr val="0070C0"/>
-                </a:solidFill>
-              </a:rPr>
-              <a:t>selects a mission </a:t>
-            </a:r>
-            <a:r>
-              <a:rPr lang="en-GB" dirty="0"/>
-              <a:t>in the list, a </a:t>
-            </a:r>
-            <a:r>
-              <a:rPr lang="en-GB" dirty="0">
-                <a:solidFill>
-                  <a:srgbClr val="FF0000"/>
-                </a:solidFill>
-              </a:rPr>
-              <a:t>DETAIL_MISSION page </a:t>
-            </a:r>
-            <a:r>
-              <a:rPr lang="en-GB" dirty="0"/>
-              <a:t>appears, showing </a:t>
-            </a:r>
-            <a:r>
-              <a:rPr lang="en-GB" dirty="0">
-                <a:solidFill>
-                  <a:srgbClr val="00B050"/>
-                </a:solidFill>
-              </a:rPr>
-              <a:t>all the mission data</a:t>
-            </a:r>
-            <a:r>
-              <a:rPr lang="en-GB" dirty="0"/>
-              <a:t>. If the mission is in the "open" state, a </a:t>
-            </a:r>
-            <a:r>
-              <a:rPr lang="en-GB" dirty="0">
-                <a:solidFill>
-                  <a:srgbClr val="00B050"/>
-                </a:solidFill>
-              </a:rPr>
-              <a:t>form</a:t>
-            </a:r>
-            <a:r>
-              <a:rPr lang="en-GB" dirty="0"/>
-              <a:t> appears for entering the expenses incurred during the mission; the form contains three fields: food costs, accommodation costs, transport costs. </a:t>
-            </a:r>
-            <a:r>
-              <a:rPr lang="en-GB" dirty="0">
-                <a:solidFill>
-                  <a:srgbClr val="0070C0"/>
-                </a:solidFill>
-              </a:rPr>
-              <a:t>Sending the form data </a:t>
-            </a:r>
-            <a:r>
-              <a:rPr lang="en-GB" dirty="0"/>
-              <a:t>causes the </a:t>
-            </a:r>
-            <a:r>
-              <a:rPr lang="en-GB" dirty="0">
-                <a:solidFill>
-                  <a:srgbClr val="C00000"/>
-                </a:solidFill>
-              </a:rPr>
-              <a:t>mission status to change </a:t>
-            </a:r>
-            <a:r>
-              <a:rPr lang="en-GB" dirty="0"/>
-              <a:t>from "open " to  “finalized ",  and the return to the DETAIL_MISSION page. If the mission is in the "finalized“ status, a </a:t>
-            </a:r>
-            <a:r>
-              <a:rPr lang="en-GB" dirty="0">
-                <a:solidFill>
-                  <a:srgbClr val="00B050"/>
-                </a:solidFill>
-              </a:rPr>
-              <a:t>"close“ button </a:t>
-            </a:r>
-            <a:r>
-              <a:rPr lang="en-GB" dirty="0"/>
-              <a:t>appears which the user </a:t>
-            </a:r>
-            <a:r>
-              <a:rPr lang="en-GB" dirty="0">
-                <a:solidFill>
-                  <a:srgbClr val="0070C0"/>
-                </a:solidFill>
-              </a:rPr>
-              <a:t>can click </a:t>
-            </a:r>
-            <a:r>
-              <a:rPr lang="en-GB" dirty="0"/>
-              <a:t>to report that he has received the reimbursement of expenses; this causes the </a:t>
-            </a:r>
-            <a:r>
-              <a:rPr lang="en-GB" dirty="0">
-                <a:solidFill>
-                  <a:srgbClr val="C00000"/>
-                </a:solidFill>
-              </a:rPr>
-              <a:t>mission status to change </a:t>
-            </a:r>
-            <a:r>
-              <a:rPr lang="en-GB" dirty="0"/>
-              <a:t>from "finalized" to "closed" and the return to the DETAIL_MISSION page. If the mission is in the "closed" status, the DETAIL_MISSION page shows mission data also the value of the three types of expenditure. </a:t>
-            </a:r>
-          </a:p>
-          <a:p>
-            <a:r>
-              <a:rPr lang="en-GB" dirty="0">
-                <a:solidFill>
-                  <a:srgbClr val="FF0000"/>
-                </a:solidFill>
-              </a:rPr>
-              <a:t>Pages (views)</a:t>
-            </a:r>
-            <a:r>
-              <a:rPr lang="en-GB" dirty="0"/>
-              <a:t>, </a:t>
-            </a:r>
-            <a:r>
-              <a:rPr lang="en-GB" dirty="0">
-                <a:solidFill>
-                  <a:srgbClr val="00B050"/>
-                </a:solidFill>
-              </a:rPr>
-              <a:t>view components</a:t>
-            </a:r>
-            <a:r>
-              <a:rPr lang="en-GB" dirty="0"/>
-              <a:t>, </a:t>
-            </a:r>
-            <a:r>
-              <a:rPr lang="en-GB" dirty="0">
-                <a:solidFill>
-                  <a:srgbClr val="0070C0"/>
-                </a:solidFill>
-              </a:rPr>
-              <a:t>events</a:t>
-            </a:r>
-            <a:r>
-              <a:rPr lang="en-GB" dirty="0"/>
-              <a:t>, </a:t>
-            </a:r>
-            <a:r>
-              <a:rPr lang="en-GB" dirty="0">
-                <a:solidFill>
-                  <a:srgbClr val="C00000"/>
-                </a:solidFill>
-              </a:rPr>
-              <a:t>actions</a:t>
-            </a:r>
-            <a:endParaRPr lang="it-IT" dirty="0">
-              <a:solidFill>
-                <a:srgbClr val="C00000"/>
-              </a:solidFill>
-            </a:endParaRPr>
+                <a:sym typeface="Wingdings" panose="05000000000000000000" pitchFamily="2" charset="2"/>
+              </a:rPr>
+              <a:t>Clone this slide for each entity</a:t>
+            </a:r>
+            <a:endParaRPr lang="en-GB" dirty="0"/>
           </a:p>
         </p:txBody>
       </p:sp>
     </p:spTree>
     <p:extLst>
       <p:ext uri="{BB962C8B-B14F-4D97-AF65-F5344CB8AC3E}">
-        <p14:creationId xmlns:p14="http://schemas.microsoft.com/office/powerpoint/2010/main" val="302696994"/>
+        <p14:creationId xmlns:p14="http://schemas.microsoft.com/office/powerpoint/2010/main" val="484876262"/>
       </p:ext>
     </p:extLst>
   </p:cSld>
@@ -6815,66 +6027,9 @@
           <a:lstStyle/>
           <a:p>
             <a:r>
-              <a:rPr lang="en-GB" dirty="0"/>
-              <a:t>Components</a:t>
-            </a:r>
-          </a:p>
-        </p:txBody>
-      </p:sp>
-      <p:sp>
-        <p:nvSpPr>
-          <p:cNvPr id="4" name="Content Placeholder 3"/>
-          <p:cNvSpPr>
-            <a:spLocks noGrp="1"/>
-          </p:cNvSpPr>
-          <p:nvPr>
-            <p:ph sz="half" idx="1"/>
-          </p:nvPr>
-        </p:nvSpPr>
-        <p:spPr/>
-        <p:txBody>
-          <a:bodyPr>
-            <a:normAutofit lnSpcReduction="10000"/>
-          </a:bodyPr>
-          <a:lstStyle/>
-          <a:p>
-            <a:r>
-              <a:rPr lang="en-GB" dirty="0"/>
-              <a:t>Client components</a:t>
-            </a:r>
-          </a:p>
-          <a:p>
-            <a:pPr lvl="1"/>
-            <a:r>
-              <a:rPr lang="en-GB" sz="2000" dirty="0"/>
-              <a:t>Servlets</a:t>
-            </a:r>
-          </a:p>
-          <a:p>
-            <a:pPr lvl="1"/>
-            <a:r>
-              <a:rPr lang="en-GB" sz="2000" dirty="0"/>
-              <a:t>Views</a:t>
-            </a:r>
-          </a:p>
-          <a:p>
-            <a:pPr lvl="1"/>
-            <a:r>
-              <a:rPr lang="en-GB" sz="2000" dirty="0"/>
-              <a:t>Java Beans</a:t>
-            </a:r>
-          </a:p>
-          <a:p>
-            <a:pPr marL="457200" lvl="1" indent="0">
-              <a:buNone/>
-            </a:pPr>
-            <a:endParaRPr lang="en-GB" sz="2000" dirty="0"/>
-          </a:p>
-          <a:p>
-            <a:pPr marL="457200" lvl="1" indent="0">
-              <a:buNone/>
-            </a:pPr>
-            <a:endParaRPr lang="en-GB" sz="2000" dirty="0"/>
+              <a:rPr lang="it-IT" dirty="0"/>
+              <a:t>Functional analysis of the interaction</a:t>
+            </a:r>
           </a:p>
         </p:txBody>
       </p:sp>
@@ -6885,157 +6040,25 @@
             <a:spLocks noGrp="1"/>
           </p:cNvSpPr>
           <p:nvPr>
-            <p:ph sz="half" idx="2"/>
+            <p:ph idx="1"/>
           </p:nvPr>
         </p:nvSpPr>
-        <p:spPr>
-          <a:xfrm>
-            <a:off x="4629149" y="1825625"/>
-            <a:ext cx="4418597" cy="4351338"/>
-          </a:xfrm>
-        </p:spPr>
-        <p:txBody>
-          <a:bodyPr>
-            <a:normAutofit lnSpcReduction="10000"/>
-          </a:bodyPr>
-          <a:lstStyle/>
-          <a:p>
-            <a:r>
-              <a:rPr lang="en-GB" dirty="0"/>
-              <a:t>Back end components</a:t>
-            </a:r>
-          </a:p>
-          <a:p>
-            <a:pPr lvl="1"/>
-            <a:r>
-              <a:rPr lang="en-GB" dirty="0"/>
-              <a:t>Entities</a:t>
-            </a:r>
-          </a:p>
-          <a:p>
-            <a:pPr lvl="2"/>
-            <a:r>
-              <a:rPr lang="en-GB" dirty="0"/>
-              <a:t>Entity1</a:t>
-            </a:r>
-          </a:p>
-          <a:p>
-            <a:pPr lvl="2"/>
-            <a:r>
-              <a:rPr lang="en-GB" dirty="0"/>
-              <a:t>Entity2</a:t>
-            </a:r>
-          </a:p>
-          <a:p>
-            <a:pPr lvl="1"/>
-            <a:r>
-              <a:rPr lang="en-GB"/>
-              <a:t>Business Components (EJBs)</a:t>
-            </a:r>
-            <a:endParaRPr lang="en-GB" dirty="0"/>
-          </a:p>
-          <a:p>
-            <a:pPr lvl="2"/>
-            <a:r>
-              <a:rPr lang="en-GB" dirty="0"/>
-              <a:t>BC1 </a:t>
-            </a:r>
-          </a:p>
-          <a:p>
-            <a:pPr lvl="3"/>
-            <a:r>
-              <a:rPr lang="en-GB" dirty="0"/>
-              <a:t>(stateless or stateful)</a:t>
-            </a:r>
-          </a:p>
-          <a:p>
-            <a:pPr lvl="3"/>
-            <a:r>
-              <a:rPr lang="en-GB" dirty="0"/>
-              <a:t>Method BC11( </a:t>
-            </a:r>
-            <a:r>
-              <a:rPr lang="en-GB" dirty="0" err="1"/>
-              <a:t>params</a:t>
-            </a:r>
-            <a:r>
-              <a:rPr lang="en-GB" dirty="0"/>
-              <a:t>)</a:t>
-            </a:r>
-          </a:p>
-          <a:p>
-            <a:pPr lvl="3"/>
-            <a:r>
-              <a:rPr lang="en-GB" dirty="0"/>
-              <a:t>Method BC11( </a:t>
-            </a:r>
-            <a:r>
-              <a:rPr lang="en-GB" dirty="0" err="1"/>
-              <a:t>params</a:t>
-            </a:r>
-            <a:r>
-              <a:rPr lang="en-GB" dirty="0"/>
-              <a:t>)</a:t>
-            </a:r>
-          </a:p>
-          <a:p>
-            <a:pPr lvl="2"/>
-            <a:r>
-              <a:rPr lang="en-GB" dirty="0"/>
-              <a:t>BC2</a:t>
-            </a:r>
-          </a:p>
-          <a:p>
-            <a:pPr lvl="3"/>
-            <a:r>
-              <a:rPr lang="en-GB" dirty="0"/>
-              <a:t>(stateless or stateful)</a:t>
-            </a:r>
-          </a:p>
-          <a:p>
-            <a:pPr lvl="3"/>
-            <a:r>
-              <a:rPr lang="en-GB" dirty="0"/>
-              <a:t>Method BC21( </a:t>
-            </a:r>
-            <a:r>
-              <a:rPr lang="en-GB" dirty="0" err="1"/>
-              <a:t>params</a:t>
-            </a:r>
-            <a:r>
-              <a:rPr lang="en-GB" dirty="0"/>
-              <a:t>)</a:t>
-            </a:r>
-          </a:p>
-          <a:p>
-            <a:pPr lvl="3"/>
-            <a:r>
-              <a:rPr lang="en-GB" dirty="0"/>
-              <a:t>Method BC22( </a:t>
-            </a:r>
-            <a:r>
-              <a:rPr lang="en-GB" dirty="0" err="1"/>
-              <a:t>params</a:t>
-            </a:r>
-            <a:r>
-              <a:rPr lang="en-GB" dirty="0"/>
-              <a:t>)</a:t>
-            </a:r>
-          </a:p>
-          <a:p>
-            <a:pPr lvl="2"/>
-            <a:endParaRPr lang="en-GB" dirty="0"/>
-          </a:p>
-          <a:p>
-            <a:pPr lvl="1"/>
-            <a:endParaRPr lang="en-GB" dirty="0"/>
+        <p:spPr/>
+        <p:txBody>
+          <a:bodyPr/>
+          <a:lstStyle/>
+          <a:p>
+            <a:r>
+              <a:rPr lang="it-IT" dirty="0"/>
+              <a:t>Describe the interaction diagrams of the application using any graphical notation (e.g., IFML or similar --- www.ifmledit.org) or a textual notation (see next slides)</a:t>
+            </a:r>
           </a:p>
         </p:txBody>
       </p:sp>
     </p:spTree>
     <p:extLst>
       <p:ext uri="{BB962C8B-B14F-4D97-AF65-F5344CB8AC3E}">
-        <p14:creationId xmlns:p14="http://schemas.microsoft.com/office/powerpoint/2010/main" val="1681549262"/>
+        <p14:creationId xmlns:p14="http://schemas.microsoft.com/office/powerpoint/2010/main" val="132007604"/>
       </p:ext>
     </p:extLst>
   </p:cSld>
@@ -7079,49 +6102,1463 @@
           <a:p>
             <a:r>
               <a:rPr lang="it-IT" dirty="0"/>
-              <a:t>Motivations of the components design</a:t>
-            </a:r>
-            <a:r>
-              <a:rPr lang="en-GB" dirty="0"/>
+              <a:t>Example of diagram</a:t>
+            </a:r>
+          </a:p>
+        </p:txBody>
+      </p:sp>
+      <p:sp>
+        <p:nvSpPr>
+          <p:cNvPr id="4" name="Google Shape;197;p33"/>
+          <p:cNvSpPr/>
+          <p:nvPr/>
+        </p:nvSpPr>
+        <p:spPr>
+          <a:xfrm>
+            <a:off x="323525" y="2753184"/>
+            <a:ext cx="2808300" cy="1508700"/>
+          </a:xfrm>
+          <a:prstGeom prst="rect">
+            <a:avLst/>
+          </a:prstGeom>
+          <a:solidFill>
+            <a:schemeClr val="lt1"/>
+          </a:solidFill>
+          <a:ln w="25400" cap="flat" cmpd="sng">
+            <a:solidFill>
+              <a:schemeClr val="dk1"/>
+            </a:solidFill>
+            <a:prstDash val="solid"/>
+            <a:round/>
+            <a:headEnd type="none" w="sm" len="sm"/>
+            <a:tailEnd type="none" w="sm" len="sm"/>
+          </a:ln>
+        </p:spPr>
+        <p:txBody>
+          <a:bodyPr spcFirstLastPara="1" wrap="square" lIns="91425" tIns="45700" rIns="91425" bIns="45700" anchor="t" anchorCtr="0">
+            <a:noAutofit/>
+          </a:bodyPr>
+          <a:lstStyle/>
+          <a:p>
+            <a:pPr marL="0" marR="0" lvl="0" indent="0" algn="l" rtl="0">
+              <a:spcBef>
+                <a:spcPts val="0"/>
+              </a:spcBef>
+              <a:spcAft>
+                <a:spcPts val="0"/>
+              </a:spcAft>
+              <a:buNone/>
+            </a:pPr>
+            <a:r>
+              <a:rPr lang="es-419" sz="1800">
+                <a:solidFill>
+                  <a:schemeClr val="dk1"/>
+                </a:solidFill>
+                <a:latin typeface="Calibri"/>
+                <a:ea typeface="Calibri"/>
+                <a:cs typeface="Calibri"/>
+                <a:sym typeface="Calibri"/>
+              </a:rPr>
+              <a:t>LOGIN PAGE</a:t>
+            </a:r>
+            <a:endParaRPr sz="1800">
+              <a:solidFill>
+                <a:schemeClr val="dk1"/>
+              </a:solidFill>
+              <a:latin typeface="Calibri"/>
+              <a:ea typeface="Calibri"/>
+              <a:cs typeface="Calibri"/>
+              <a:sym typeface="Calibri"/>
+            </a:endParaRPr>
+          </a:p>
+        </p:txBody>
+      </p:sp>
+      <p:sp>
+        <p:nvSpPr>
+          <p:cNvPr id="5" name="Google Shape;198;p33"/>
+          <p:cNvSpPr/>
+          <p:nvPr/>
+        </p:nvSpPr>
+        <p:spPr>
+          <a:xfrm>
+            <a:off x="467444" y="3133360"/>
+            <a:ext cx="1836300" cy="860400"/>
+          </a:xfrm>
+          <a:prstGeom prst="roundRect">
+            <a:avLst>
+              <a:gd name="adj" fmla="val 16667"/>
+            </a:avLst>
+          </a:prstGeom>
+          <a:solidFill>
+            <a:schemeClr val="lt1"/>
+          </a:solidFill>
+          <a:ln w="25400" cap="flat" cmpd="sng">
+            <a:solidFill>
+              <a:schemeClr val="accent3"/>
+            </a:solidFill>
+            <a:prstDash val="solid"/>
+            <a:round/>
+            <a:headEnd type="none" w="sm" len="sm"/>
+            <a:tailEnd type="none" w="sm" len="sm"/>
+          </a:ln>
+        </p:spPr>
+        <p:txBody>
+          <a:bodyPr spcFirstLastPara="1" wrap="square" lIns="91425" tIns="45700" rIns="91425" bIns="45700" anchor="ctr" anchorCtr="0">
+            <a:noAutofit/>
+          </a:bodyPr>
+          <a:lstStyle/>
+          <a:p>
+            <a:pPr marL="0" marR="0" lvl="0" indent="0" algn="ctr" rtl="0">
+              <a:spcBef>
+                <a:spcPts val="0"/>
+              </a:spcBef>
+              <a:spcAft>
+                <a:spcPts val="0"/>
+              </a:spcAft>
+              <a:buNone/>
+            </a:pPr>
+            <a:r>
+              <a:rPr lang="es-419" sz="1800">
+                <a:solidFill>
+                  <a:schemeClr val="dk1"/>
+                </a:solidFill>
+                <a:latin typeface="Calibri"/>
+                <a:ea typeface="Calibri"/>
+                <a:cs typeface="Calibri"/>
+                <a:sym typeface="Calibri"/>
+              </a:rPr>
+              <a:t>Login form</a:t>
+            </a:r>
+            <a:br>
+              <a:rPr lang="es-419" sz="1800">
+                <a:solidFill>
+                  <a:schemeClr val="dk1"/>
+                </a:solidFill>
+                <a:latin typeface="Calibri"/>
+                <a:ea typeface="Calibri"/>
+                <a:cs typeface="Calibri"/>
+                <a:sym typeface="Calibri"/>
+              </a:rPr>
+            </a:br>
+            <a:r>
+              <a:rPr lang="es-419" sz="1800">
+                <a:solidFill>
+                  <a:schemeClr val="dk1"/>
+                </a:solidFill>
+                <a:latin typeface="Calibri"/>
+                <a:ea typeface="Calibri"/>
+                <a:cs typeface="Calibri"/>
+                <a:sym typeface="Calibri"/>
+              </a:rPr>
+              <a:t>[field: username</a:t>
+            </a:r>
+            <a:endParaRPr/>
+          </a:p>
+          <a:p>
+            <a:pPr marL="0" marR="0" lvl="0" indent="0" algn="ctr" rtl="0">
+              <a:spcBef>
+                <a:spcPts val="0"/>
+              </a:spcBef>
+              <a:spcAft>
+                <a:spcPts val="0"/>
+              </a:spcAft>
+              <a:buNone/>
+            </a:pPr>
+            <a:r>
+              <a:rPr lang="es-419" sz="1800">
+                <a:solidFill>
+                  <a:schemeClr val="dk1"/>
+                </a:solidFill>
+                <a:latin typeface="Calibri"/>
+                <a:ea typeface="Calibri"/>
+                <a:cs typeface="Calibri"/>
+                <a:sym typeface="Calibri"/>
+              </a:rPr>
+              <a:t>field: password]</a:t>
+            </a:r>
+            <a:endParaRPr sz="1800">
+              <a:solidFill>
+                <a:schemeClr val="dk1"/>
+              </a:solidFill>
+              <a:latin typeface="Calibri"/>
+              <a:ea typeface="Calibri"/>
+              <a:cs typeface="Calibri"/>
+              <a:sym typeface="Calibri"/>
+            </a:endParaRPr>
+          </a:p>
+        </p:txBody>
+      </p:sp>
+      <p:sp>
+        <p:nvSpPr>
+          <p:cNvPr id="6" name="Google Shape;199;p33"/>
+          <p:cNvSpPr/>
+          <p:nvPr/>
+        </p:nvSpPr>
+        <p:spPr>
+          <a:xfrm>
+            <a:off x="5755392" y="4499999"/>
+            <a:ext cx="2520300" cy="1296000"/>
+          </a:xfrm>
+          <a:prstGeom prst="rect">
+            <a:avLst/>
+          </a:prstGeom>
+          <a:solidFill>
+            <a:schemeClr val="lt1"/>
+          </a:solidFill>
+          <a:ln w="25400" cap="flat" cmpd="sng">
+            <a:solidFill>
+              <a:schemeClr val="dk1"/>
+            </a:solidFill>
+            <a:prstDash val="solid"/>
+            <a:round/>
+            <a:headEnd type="none" w="sm" len="sm"/>
+            <a:tailEnd type="none" w="sm" len="sm"/>
+          </a:ln>
+        </p:spPr>
+        <p:txBody>
+          <a:bodyPr spcFirstLastPara="1" wrap="square" lIns="91425" tIns="45700" rIns="91425" bIns="45700" anchor="t" anchorCtr="0">
+            <a:noAutofit/>
+          </a:bodyPr>
+          <a:lstStyle/>
+          <a:p>
+            <a:pPr marL="0" marR="0" lvl="0" indent="0" algn="l" rtl="0">
+              <a:spcBef>
+                <a:spcPts val="0"/>
+              </a:spcBef>
+              <a:spcAft>
+                <a:spcPts val="0"/>
+              </a:spcAft>
+              <a:buNone/>
+            </a:pPr>
+            <a:r>
+              <a:rPr lang="es-419" sz="1800">
+                <a:solidFill>
+                  <a:schemeClr val="dk1"/>
+                </a:solidFill>
+                <a:latin typeface="Calibri"/>
+                <a:ea typeface="Calibri"/>
+                <a:cs typeface="Calibri"/>
+                <a:sym typeface="Calibri"/>
+              </a:rPr>
+              <a:t>HOME</a:t>
+            </a:r>
+            <a:endParaRPr sz="1800">
+              <a:solidFill>
+                <a:schemeClr val="dk1"/>
+              </a:solidFill>
+              <a:latin typeface="Calibri"/>
+              <a:ea typeface="Calibri"/>
+              <a:cs typeface="Calibri"/>
+              <a:sym typeface="Calibri"/>
+            </a:endParaRPr>
+          </a:p>
+        </p:txBody>
+      </p:sp>
+      <p:sp>
+        <p:nvSpPr>
+          <p:cNvPr id="7" name="Google Shape;200;p33"/>
+          <p:cNvSpPr/>
+          <p:nvPr/>
+        </p:nvSpPr>
+        <p:spPr>
+          <a:xfrm>
+            <a:off x="2195736" y="3342674"/>
+            <a:ext cx="288032" cy="216024"/>
+          </a:xfrm>
+          <a:prstGeom prst="ellipse">
+            <a:avLst/>
+          </a:prstGeom>
+          <a:solidFill>
+            <a:schemeClr val="accent1"/>
+          </a:solidFill>
+          <a:ln w="25400" cap="flat" cmpd="sng">
+            <a:solidFill>
+              <a:srgbClr val="395E89"/>
+            </a:solidFill>
+            <a:prstDash val="solid"/>
+            <a:round/>
+            <a:headEnd type="none" w="sm" len="sm"/>
+            <a:tailEnd type="none" w="sm" len="sm"/>
+          </a:ln>
+        </p:spPr>
+        <p:txBody>
+          <a:bodyPr spcFirstLastPara="1" wrap="square" lIns="91425" tIns="45700" rIns="91425" bIns="45700" anchor="ctr" anchorCtr="0">
+            <a:noAutofit/>
+          </a:bodyPr>
+          <a:lstStyle/>
+          <a:p>
+            <a:pPr marL="0" marR="0" lvl="0" indent="0" algn="ctr" rtl="0">
+              <a:spcBef>
+                <a:spcPts val="0"/>
+              </a:spcBef>
+              <a:spcAft>
+                <a:spcPts val="0"/>
+              </a:spcAft>
+              <a:buNone/>
+            </a:pPr>
+            <a:endParaRPr sz="1800">
+              <a:solidFill>
+                <a:schemeClr val="lt1"/>
+              </a:solidFill>
+              <a:latin typeface="Calibri"/>
+              <a:ea typeface="Calibri"/>
+              <a:cs typeface="Calibri"/>
+              <a:sym typeface="Calibri"/>
+            </a:endParaRPr>
+          </a:p>
+        </p:txBody>
+      </p:sp>
+      <p:cxnSp>
+        <p:nvCxnSpPr>
+          <p:cNvPr id="8" name="Google Shape;201;p33"/>
+          <p:cNvCxnSpPr>
+            <a:stCxn id="14" idx="2"/>
+            <a:endCxn id="20" idx="5"/>
+          </p:cNvCxnSpPr>
+          <p:nvPr/>
+        </p:nvCxnSpPr>
+        <p:spPr>
+          <a:xfrm rot="10800000" flipH="1">
+            <a:off x="4726678" y="3456447"/>
+            <a:ext cx="1599000" cy="5700"/>
+          </a:xfrm>
+          <a:prstGeom prst="bentConnector3">
+            <a:avLst>
+              <a:gd name="adj1" fmla="val 50001"/>
+            </a:avLst>
+          </a:prstGeom>
+          <a:noFill/>
+          <a:ln w="25400" cap="flat" cmpd="sng">
+            <a:solidFill>
+              <a:schemeClr val="accent1"/>
+            </a:solidFill>
+            <a:prstDash val="solid"/>
+            <a:round/>
+            <a:headEnd type="none" w="sm" len="sm"/>
+            <a:tailEnd type="stealth" w="med" len="med"/>
+          </a:ln>
+          <a:effectLst>
+            <a:outerShdw blurRad="40000" dist="20000" dir="5400000" rotWithShape="0">
+              <a:srgbClr val="000000">
+                <a:alpha val="37647"/>
+              </a:srgbClr>
+            </a:outerShdw>
+          </a:effectLst>
+        </p:spPr>
+      </p:cxnSp>
+      <p:sp>
+        <p:nvSpPr>
+          <p:cNvPr id="9" name="Google Shape;204;p33"/>
+          <p:cNvSpPr txBox="1"/>
+          <p:nvPr/>
+        </p:nvSpPr>
+        <p:spPr>
+          <a:xfrm>
+            <a:off x="2328286" y="3622457"/>
+            <a:ext cx="832200" cy="276900"/>
+          </a:xfrm>
+          <a:prstGeom prst="rect">
+            <a:avLst/>
+          </a:prstGeom>
+          <a:noFill/>
+          <a:ln>
+            <a:noFill/>
+          </a:ln>
+        </p:spPr>
+        <p:txBody>
+          <a:bodyPr spcFirstLastPara="1" wrap="square" lIns="91425" tIns="45700" rIns="91425" bIns="45700" anchor="t" anchorCtr="0">
+            <a:noAutofit/>
+          </a:bodyPr>
+          <a:lstStyle/>
+          <a:p>
+            <a:pPr marL="0" marR="0" lvl="0" indent="0" algn="l" rtl="0">
+              <a:spcBef>
+                <a:spcPts val="0"/>
+              </a:spcBef>
+              <a:spcAft>
+                <a:spcPts val="0"/>
+              </a:spcAft>
+              <a:buNone/>
+            </a:pPr>
+            <a:r>
+              <a:rPr lang="es-419" sz="1800" dirty="0" err="1">
+                <a:solidFill>
+                  <a:schemeClr val="dk1"/>
+                </a:solidFill>
+                <a:latin typeface="Calibri"/>
+                <a:ea typeface="Calibri"/>
+                <a:cs typeface="Calibri"/>
+                <a:sym typeface="Calibri"/>
+              </a:rPr>
+              <a:t>submit</a:t>
+            </a:r>
+            <a:endParaRPr sz="1800" dirty="0">
+              <a:solidFill>
+                <a:schemeClr val="dk1"/>
+              </a:solidFill>
+              <a:latin typeface="Calibri"/>
+              <a:ea typeface="Calibri"/>
+              <a:cs typeface="Calibri"/>
+              <a:sym typeface="Calibri"/>
+            </a:endParaRPr>
+          </a:p>
+        </p:txBody>
+      </p:sp>
+      <p:cxnSp>
+        <p:nvCxnSpPr>
+          <p:cNvPr id="10" name="Google Shape;205;p33"/>
+          <p:cNvCxnSpPr>
+            <a:stCxn id="17" idx="4"/>
+            <a:endCxn id="4" idx="2"/>
+          </p:cNvCxnSpPr>
+          <p:nvPr/>
+        </p:nvCxnSpPr>
+        <p:spPr>
+          <a:xfrm rot="5400000">
+            <a:off x="2501896" y="3127908"/>
+            <a:ext cx="359700" cy="1908300"/>
+          </a:xfrm>
+          <a:prstGeom prst="bentConnector3">
+            <a:avLst>
+              <a:gd name="adj1" fmla="val 166194"/>
+            </a:avLst>
+          </a:prstGeom>
+          <a:noFill/>
+          <a:ln w="25400" cap="flat" cmpd="sng">
+            <a:solidFill>
+              <a:schemeClr val="accent1"/>
+            </a:solidFill>
+            <a:prstDash val="solid"/>
+            <a:round/>
+            <a:headEnd type="none" w="sm" len="sm"/>
+            <a:tailEnd type="stealth" w="med" len="med"/>
+          </a:ln>
+          <a:effectLst>
+            <a:outerShdw blurRad="40000" dist="20000" dir="5400000" rotWithShape="0">
+              <a:srgbClr val="000000">
+                <a:alpha val="37647"/>
+              </a:srgbClr>
+            </a:outerShdw>
+          </a:effectLst>
+        </p:spPr>
+      </p:cxnSp>
+      <p:sp>
+        <p:nvSpPr>
+          <p:cNvPr id="11" name="Google Shape;207;p33"/>
+          <p:cNvSpPr txBox="1"/>
+          <p:nvPr/>
+        </p:nvSpPr>
+        <p:spPr>
+          <a:xfrm>
+            <a:off x="755575" y="4505860"/>
+            <a:ext cx="2488800" cy="276900"/>
+          </a:xfrm>
+          <a:prstGeom prst="rect">
+            <a:avLst/>
+          </a:prstGeom>
+          <a:noFill/>
+          <a:ln>
+            <a:noFill/>
+          </a:ln>
+        </p:spPr>
+        <p:txBody>
+          <a:bodyPr spcFirstLastPara="1" wrap="square" lIns="91425" tIns="45700" rIns="91425" bIns="45700" anchor="t" anchorCtr="0">
+            <a:noAutofit/>
+          </a:bodyPr>
+          <a:lstStyle/>
+          <a:p>
+            <a:pPr marL="0" marR="0" lvl="0" indent="0" algn="l" rtl="0">
+              <a:spcBef>
+                <a:spcPts val="0"/>
+              </a:spcBef>
+              <a:spcAft>
+                <a:spcPts val="0"/>
+              </a:spcAft>
+              <a:buNone/>
+            </a:pPr>
+            <a:r>
+              <a:rPr lang="es-419" sz="1800" dirty="0" err="1">
+                <a:solidFill>
+                  <a:schemeClr val="dk1"/>
+                </a:solidFill>
+                <a:latin typeface="Calibri"/>
+                <a:ea typeface="Calibri"/>
+                <a:cs typeface="Calibri"/>
+                <a:sym typeface="Calibri"/>
+              </a:rPr>
+              <a:t>wrong</a:t>
+            </a:r>
+            <a:r>
+              <a:rPr lang="es-419" sz="1800" dirty="0">
+                <a:solidFill>
+                  <a:schemeClr val="dk1"/>
+                </a:solidFill>
+                <a:latin typeface="Calibri"/>
+                <a:ea typeface="Calibri"/>
+                <a:cs typeface="Calibri"/>
+                <a:sym typeface="Calibri"/>
+              </a:rPr>
               <a:t> </a:t>
             </a:r>
-          </a:p>
-        </p:txBody>
-      </p:sp>
-      <p:sp>
-        <p:nvSpPr>
-          <p:cNvPr id="4" name="Content Placeholder 3"/>
-          <p:cNvSpPr>
-            <a:spLocks noGrp="1"/>
-          </p:cNvSpPr>
-          <p:nvPr>
-            <p:ph sz="half" idx="1"/>
-          </p:nvPr>
+            <a:r>
+              <a:rPr lang="es-419" sz="1800" dirty="0" err="1">
+                <a:solidFill>
+                  <a:schemeClr val="dk1"/>
+                </a:solidFill>
+                <a:latin typeface="Calibri"/>
+                <a:ea typeface="Calibri"/>
+                <a:cs typeface="Calibri"/>
+                <a:sym typeface="Calibri"/>
+              </a:rPr>
+              <a:t>user</a:t>
+            </a:r>
+            <a:r>
+              <a:rPr lang="es-419" sz="1800" dirty="0">
+                <a:solidFill>
+                  <a:schemeClr val="dk1"/>
+                </a:solidFill>
+                <a:latin typeface="Calibri"/>
+                <a:ea typeface="Calibri"/>
+                <a:cs typeface="Calibri"/>
+                <a:sym typeface="Calibri"/>
+              </a:rPr>
+              <a:t> + </a:t>
+            </a:r>
+            <a:r>
+              <a:rPr lang="es-419" sz="1800" dirty="0" err="1">
+                <a:solidFill>
+                  <a:schemeClr val="dk1"/>
+                </a:solidFill>
+                <a:latin typeface="Calibri"/>
+                <a:ea typeface="Calibri"/>
+                <a:cs typeface="Calibri"/>
+                <a:sym typeface="Calibri"/>
+              </a:rPr>
+              <a:t>pswd</a:t>
+            </a:r>
+            <a:endParaRPr sz="1800" dirty="0">
+              <a:solidFill>
+                <a:schemeClr val="dk1"/>
+              </a:solidFill>
+              <a:latin typeface="Calibri"/>
+              <a:ea typeface="Calibri"/>
+              <a:cs typeface="Calibri"/>
+              <a:sym typeface="Calibri"/>
+            </a:endParaRPr>
+          </a:p>
+        </p:txBody>
+      </p:sp>
+      <p:sp>
+        <p:nvSpPr>
+          <p:cNvPr id="12" name="Google Shape;208;p33"/>
+          <p:cNvSpPr txBox="1"/>
+          <p:nvPr/>
         </p:nvSpPr>
         <p:spPr>
           <a:xfrm>
-            <a:off x="628650" y="1825625"/>
-            <a:ext cx="7539990" cy="4351338"/>
-          </a:xfrm>
-        </p:spPr>
-        <p:txBody>
-          <a:bodyPr>
-            <a:normAutofit/>
+            <a:off x="3641255" y="2813863"/>
+            <a:ext cx="2186700" cy="307800"/>
+          </a:xfrm>
+          <a:prstGeom prst="rect">
+            <a:avLst/>
+          </a:prstGeom>
+          <a:solidFill>
+            <a:schemeClr val="lt1"/>
+          </a:solidFill>
+          <a:ln w="25400" cap="flat" cmpd="sng">
+            <a:noFill/>
+            <a:prstDash val="solid"/>
+            <a:round/>
+            <a:headEnd type="none" w="sm" len="sm"/>
+            <a:tailEnd type="none" w="sm" len="sm"/>
+          </a:ln>
+        </p:spPr>
+        <p:txBody>
+          <a:bodyPr spcFirstLastPara="1" wrap="square" lIns="91425" tIns="45700" rIns="91425" bIns="45700" anchor="t" anchorCtr="0">
+            <a:noAutofit/>
           </a:bodyPr>
           <a:lstStyle/>
           <a:p>
+            <a:pPr marL="0" marR="0" lvl="0" indent="0" algn="l" rtl="0">
+              <a:spcBef>
+                <a:spcPts val="0"/>
+              </a:spcBef>
+              <a:spcAft>
+                <a:spcPts val="0"/>
+              </a:spcAft>
+              <a:buNone/>
+            </a:pPr>
+            <a:r>
+              <a:rPr lang="es-419" sz="1600" dirty="0" err="1">
+                <a:solidFill>
+                  <a:schemeClr val="dk1"/>
+                </a:solidFill>
+                <a:latin typeface="Calibri"/>
+                <a:ea typeface="Calibri"/>
+                <a:cs typeface="Calibri"/>
+                <a:sym typeface="Calibri"/>
+              </a:rPr>
+              <a:t>username</a:t>
+            </a:r>
+            <a:r>
+              <a:rPr lang="es-419" sz="1600" dirty="0">
+                <a:solidFill>
+                  <a:schemeClr val="dk1"/>
+                </a:solidFill>
+                <a:latin typeface="Calibri"/>
+                <a:ea typeface="Calibri"/>
+                <a:cs typeface="Calibri"/>
+                <a:sym typeface="Calibri"/>
+              </a:rPr>
+              <a:t>, </a:t>
+            </a:r>
+            <a:r>
+              <a:rPr lang="es-419" sz="1600" dirty="0" err="1">
+                <a:solidFill>
+                  <a:schemeClr val="dk1"/>
+                </a:solidFill>
+                <a:latin typeface="Calibri"/>
+                <a:ea typeface="Calibri"/>
+                <a:cs typeface="Calibri"/>
+                <a:sym typeface="Calibri"/>
+              </a:rPr>
+              <a:t>password</a:t>
+            </a:r>
+            <a:endParaRPr sz="1600" dirty="0">
+              <a:solidFill>
+                <a:schemeClr val="dk1"/>
+              </a:solidFill>
+              <a:latin typeface="Calibri"/>
+              <a:ea typeface="Calibri"/>
+              <a:cs typeface="Calibri"/>
+              <a:sym typeface="Calibri"/>
+            </a:endParaRPr>
+          </a:p>
+        </p:txBody>
+      </p:sp>
+      <p:cxnSp>
+        <p:nvCxnSpPr>
+          <p:cNvPr id="13" name="Google Shape;209;p33"/>
+          <p:cNvCxnSpPr/>
+          <p:nvPr/>
+        </p:nvCxnSpPr>
+        <p:spPr>
+          <a:xfrm flipH="1">
+            <a:off x="3185250" y="2890382"/>
+            <a:ext cx="472500" cy="558300"/>
+          </a:xfrm>
+          <a:prstGeom prst="straightConnector1">
+            <a:avLst/>
+          </a:prstGeom>
+          <a:noFill/>
+          <a:ln w="9525" cap="flat" cmpd="sng">
+            <a:solidFill>
+              <a:srgbClr val="4A7DBA"/>
+            </a:solidFill>
+            <a:prstDash val="solid"/>
+            <a:round/>
+            <a:headEnd type="none" w="sm" len="sm"/>
+            <a:tailEnd type="none" w="sm" len="sm"/>
+          </a:ln>
+        </p:spPr>
+      </p:cxnSp>
+      <p:sp>
+        <p:nvSpPr>
+          <p:cNvPr id="14" name="Google Shape;202;p33"/>
+          <p:cNvSpPr/>
+          <p:nvPr/>
+        </p:nvSpPr>
+        <p:spPr>
+          <a:xfrm>
+            <a:off x="3419872" y="3216763"/>
+            <a:ext cx="1368152" cy="490769"/>
+          </a:xfrm>
+          <a:prstGeom prst="parallelogram">
+            <a:avLst>
+              <a:gd name="adj" fmla="val 25000"/>
+            </a:avLst>
+          </a:prstGeom>
+          <a:solidFill>
+            <a:schemeClr val="lt1"/>
+          </a:solidFill>
+          <a:ln w="25400" cap="flat" cmpd="sng">
+            <a:solidFill>
+              <a:schemeClr val="accent2"/>
+            </a:solidFill>
+            <a:prstDash val="solid"/>
+            <a:round/>
+            <a:headEnd type="none" w="sm" len="sm"/>
+            <a:tailEnd type="none" w="sm" len="sm"/>
+          </a:ln>
+        </p:spPr>
+        <p:txBody>
+          <a:bodyPr spcFirstLastPara="1" wrap="square" lIns="91425" tIns="45700" rIns="91425" bIns="45700" anchor="ctr" anchorCtr="0">
+            <a:noAutofit/>
+          </a:bodyPr>
+          <a:lstStyle/>
+          <a:p>
+            <a:pPr marL="0" marR="0" lvl="0" indent="0" algn="ctr" rtl="0">
+              <a:spcBef>
+                <a:spcPts val="0"/>
+              </a:spcBef>
+              <a:spcAft>
+                <a:spcPts val="0"/>
+              </a:spcAft>
+              <a:buNone/>
+            </a:pPr>
+            <a:r>
+              <a:rPr lang="es-419" sz="1800">
+                <a:solidFill>
+                  <a:schemeClr val="dk1"/>
+                </a:solidFill>
+                <a:latin typeface="Calibri"/>
+                <a:ea typeface="Calibri"/>
+                <a:cs typeface="Calibri"/>
+                <a:sym typeface="Calibri"/>
+              </a:rPr>
+              <a:t>Check</a:t>
+            </a:r>
+            <a:br>
+              <a:rPr lang="es-419" sz="1800">
+                <a:solidFill>
+                  <a:schemeClr val="dk1"/>
+                </a:solidFill>
+                <a:latin typeface="Calibri"/>
+                <a:ea typeface="Calibri"/>
+                <a:cs typeface="Calibri"/>
+                <a:sym typeface="Calibri"/>
+              </a:rPr>
+            </a:br>
+            <a:r>
+              <a:rPr lang="es-419" sz="1800">
+                <a:solidFill>
+                  <a:schemeClr val="dk1"/>
+                </a:solidFill>
+                <a:latin typeface="Calibri"/>
+                <a:ea typeface="Calibri"/>
+                <a:cs typeface="Calibri"/>
+                <a:sym typeface="Calibri"/>
+              </a:rPr>
+              <a:t>Login</a:t>
+            </a:r>
+            <a:endParaRPr sz="1800">
+              <a:solidFill>
+                <a:schemeClr val="dk1"/>
+              </a:solidFill>
+              <a:latin typeface="Calibri"/>
+              <a:ea typeface="Calibri"/>
+              <a:cs typeface="Calibri"/>
+              <a:sym typeface="Calibri"/>
+            </a:endParaRPr>
+          </a:p>
+        </p:txBody>
+      </p:sp>
+      <p:cxnSp>
+        <p:nvCxnSpPr>
+          <p:cNvPr id="15" name="Google Shape;210;p33"/>
+          <p:cNvCxnSpPr>
+            <a:stCxn id="7" idx="6"/>
+            <a:endCxn id="14" idx="5"/>
+          </p:cNvCxnSpPr>
+          <p:nvPr/>
+        </p:nvCxnSpPr>
+        <p:spPr>
+          <a:xfrm>
+            <a:off x="2483768" y="3450686"/>
+            <a:ext cx="997500" cy="11400"/>
+          </a:xfrm>
+          <a:prstGeom prst="straightConnector1">
+            <a:avLst/>
+          </a:prstGeom>
+          <a:noFill/>
+          <a:ln w="25400" cap="flat" cmpd="sng">
+            <a:solidFill>
+              <a:schemeClr val="accent1"/>
+            </a:solidFill>
+            <a:prstDash val="solid"/>
+            <a:round/>
+            <a:headEnd type="none" w="sm" len="sm"/>
+            <a:tailEnd type="stealth" w="med" len="med"/>
+          </a:ln>
+          <a:effectLst>
+            <a:outerShdw blurRad="40000" dist="20000" dir="5400000" rotWithShape="0">
+              <a:srgbClr val="000000">
+                <a:alpha val="37647"/>
+              </a:srgbClr>
+            </a:outerShdw>
+          </a:effectLst>
+        </p:spPr>
+      </p:cxnSp>
+      <p:sp>
+        <p:nvSpPr>
+          <p:cNvPr id="16" name="Google Shape;211;p33"/>
+          <p:cNvSpPr/>
+          <p:nvPr/>
+        </p:nvSpPr>
+        <p:spPr>
+          <a:xfrm>
+            <a:off x="4572000" y="3383496"/>
+            <a:ext cx="288032" cy="216024"/>
+          </a:xfrm>
+          <a:prstGeom prst="ellipse">
+            <a:avLst/>
+          </a:prstGeom>
+          <a:solidFill>
+            <a:schemeClr val="accent1"/>
+          </a:solidFill>
+          <a:ln w="25400" cap="flat" cmpd="sng">
+            <a:solidFill>
+              <a:srgbClr val="395E89"/>
+            </a:solidFill>
+            <a:prstDash val="solid"/>
+            <a:round/>
+            <a:headEnd type="none" w="sm" len="sm"/>
+            <a:tailEnd type="none" w="sm" len="sm"/>
+          </a:ln>
+        </p:spPr>
+        <p:txBody>
+          <a:bodyPr spcFirstLastPara="1" wrap="square" lIns="91425" tIns="45700" rIns="91425" bIns="45700" anchor="ctr" anchorCtr="0">
+            <a:noAutofit/>
+          </a:bodyPr>
+          <a:lstStyle/>
+          <a:p>
+            <a:pPr marL="0" marR="0" lvl="0" indent="0" algn="ctr" rtl="0">
+              <a:spcBef>
+                <a:spcPts val="0"/>
+              </a:spcBef>
+              <a:spcAft>
+                <a:spcPts val="0"/>
+              </a:spcAft>
+              <a:buNone/>
+            </a:pPr>
+            <a:endParaRPr sz="1800">
+              <a:solidFill>
+                <a:schemeClr val="lt1"/>
+              </a:solidFill>
+              <a:latin typeface="Calibri"/>
+              <a:ea typeface="Calibri"/>
+              <a:cs typeface="Calibri"/>
+              <a:sym typeface="Calibri"/>
+            </a:endParaRPr>
+          </a:p>
+        </p:txBody>
+      </p:sp>
+      <p:sp>
+        <p:nvSpPr>
+          <p:cNvPr id="17" name="Google Shape;206;p33"/>
+          <p:cNvSpPr/>
+          <p:nvPr/>
+        </p:nvSpPr>
+        <p:spPr>
+          <a:xfrm>
+            <a:off x="3491880" y="3686184"/>
+            <a:ext cx="288032" cy="216024"/>
+          </a:xfrm>
+          <a:prstGeom prst="ellipse">
+            <a:avLst/>
+          </a:prstGeom>
+          <a:solidFill>
+            <a:schemeClr val="accent1"/>
+          </a:solidFill>
+          <a:ln w="25400" cap="flat" cmpd="sng">
+            <a:solidFill>
+              <a:srgbClr val="395E89"/>
+            </a:solidFill>
+            <a:prstDash val="solid"/>
+            <a:round/>
+            <a:headEnd type="none" w="sm" len="sm"/>
+            <a:tailEnd type="none" w="sm" len="sm"/>
+          </a:ln>
+        </p:spPr>
+        <p:txBody>
+          <a:bodyPr spcFirstLastPara="1" wrap="square" lIns="91425" tIns="45700" rIns="91425" bIns="45700" anchor="ctr" anchorCtr="0">
+            <a:noAutofit/>
+          </a:bodyPr>
+          <a:lstStyle/>
+          <a:p>
+            <a:pPr marL="0" marR="0" lvl="0" indent="0" algn="ctr" rtl="0">
+              <a:spcBef>
+                <a:spcPts val="0"/>
+              </a:spcBef>
+              <a:spcAft>
+                <a:spcPts val="0"/>
+              </a:spcAft>
+              <a:buNone/>
+            </a:pPr>
+            <a:endParaRPr sz="1800">
+              <a:solidFill>
+                <a:schemeClr val="lt1"/>
+              </a:solidFill>
+              <a:latin typeface="Calibri"/>
+              <a:ea typeface="Calibri"/>
+              <a:cs typeface="Calibri"/>
+              <a:sym typeface="Calibri"/>
+            </a:endParaRPr>
+          </a:p>
+        </p:txBody>
+      </p:sp>
+      <p:sp>
+        <p:nvSpPr>
+          <p:cNvPr id="18" name="Google Shape;212;p33"/>
+          <p:cNvSpPr txBox="1"/>
+          <p:nvPr/>
+        </p:nvSpPr>
+        <p:spPr>
+          <a:xfrm>
+            <a:off x="4788029" y="3599524"/>
+            <a:ext cx="1551900" cy="276900"/>
+          </a:xfrm>
+          <a:prstGeom prst="rect">
+            <a:avLst/>
+          </a:prstGeom>
+          <a:noFill/>
+          <a:ln>
+            <a:noFill/>
+          </a:ln>
+        </p:spPr>
+        <p:txBody>
+          <a:bodyPr spcFirstLastPara="1" wrap="square" lIns="91425" tIns="45700" rIns="91425" bIns="45700" anchor="t" anchorCtr="0">
+            <a:noAutofit/>
+          </a:bodyPr>
+          <a:lstStyle/>
+          <a:p>
+            <a:pPr marL="0" marR="0" lvl="0" indent="0" algn="l" rtl="0">
+              <a:spcBef>
+                <a:spcPts val="0"/>
+              </a:spcBef>
+              <a:spcAft>
+                <a:spcPts val="0"/>
+              </a:spcAft>
+              <a:buNone/>
+            </a:pPr>
+            <a:r>
+              <a:rPr lang="es-419" sz="1800">
+                <a:solidFill>
+                  <a:schemeClr val="dk1"/>
+                </a:solidFill>
+                <a:latin typeface="Calibri"/>
+                <a:ea typeface="Calibri"/>
+                <a:cs typeface="Calibri"/>
+                <a:sym typeface="Calibri"/>
+              </a:rPr>
+              <a:t>user -&gt; session</a:t>
+            </a:r>
+            <a:endParaRPr sz="1800">
+              <a:solidFill>
+                <a:schemeClr val="dk1"/>
+              </a:solidFill>
+              <a:latin typeface="Calibri"/>
+              <a:ea typeface="Calibri"/>
+              <a:cs typeface="Calibri"/>
+              <a:sym typeface="Calibri"/>
+            </a:endParaRPr>
+          </a:p>
+        </p:txBody>
+      </p:sp>
+      <p:cxnSp>
+        <p:nvCxnSpPr>
+          <p:cNvPr id="19" name="Google Shape;213;p33"/>
+          <p:cNvCxnSpPr>
+            <a:stCxn id="20" idx="2"/>
+            <a:endCxn id="6" idx="0"/>
+          </p:cNvCxnSpPr>
+          <p:nvPr/>
+        </p:nvCxnSpPr>
+        <p:spPr>
+          <a:xfrm flipH="1">
+            <a:off x="7015400" y="3456382"/>
+            <a:ext cx="868500" cy="1043700"/>
+          </a:xfrm>
+          <a:prstGeom prst="bentConnector4">
+            <a:avLst>
+              <a:gd name="adj1" fmla="val -34482"/>
+              <a:gd name="adj2" fmla="val 61752"/>
+            </a:avLst>
+          </a:prstGeom>
+          <a:noFill/>
+          <a:ln w="25400" cap="flat" cmpd="sng">
+            <a:solidFill>
+              <a:schemeClr val="accent1"/>
+            </a:solidFill>
+            <a:prstDash val="solid"/>
+            <a:round/>
+            <a:headEnd type="none" w="sm" len="sm"/>
+            <a:tailEnd type="stealth" w="med" len="med"/>
+          </a:ln>
+          <a:effectLst>
+            <a:outerShdw blurRad="40000" dist="20000" dir="5400000" rotWithShape="0">
+              <a:srgbClr val="000000">
+                <a:alpha val="37650"/>
+              </a:srgbClr>
+            </a:outerShdw>
+          </a:effectLst>
+        </p:spPr>
+      </p:cxnSp>
+      <p:sp>
+        <p:nvSpPr>
+          <p:cNvPr id="20" name="Google Shape;203;p33"/>
+          <p:cNvSpPr/>
+          <p:nvPr/>
+        </p:nvSpPr>
+        <p:spPr>
+          <a:xfrm>
+            <a:off x="6264350" y="3210982"/>
+            <a:ext cx="1680900" cy="490800"/>
+          </a:xfrm>
+          <a:prstGeom prst="parallelogram">
+            <a:avLst>
+              <a:gd name="adj" fmla="val 25000"/>
+            </a:avLst>
+          </a:prstGeom>
+          <a:solidFill>
+            <a:schemeClr val="lt1"/>
+          </a:solidFill>
+          <a:ln w="25400" cap="flat" cmpd="sng">
+            <a:solidFill>
+              <a:schemeClr val="accent2"/>
+            </a:solidFill>
+            <a:prstDash val="solid"/>
+            <a:round/>
+            <a:headEnd type="none" w="sm" len="sm"/>
+            <a:tailEnd type="none" w="sm" len="sm"/>
+          </a:ln>
+        </p:spPr>
+        <p:txBody>
+          <a:bodyPr spcFirstLastPara="1" wrap="square" lIns="91425" tIns="45700" rIns="91425" bIns="45700" anchor="ctr" anchorCtr="0">
+            <a:noAutofit/>
+          </a:bodyPr>
+          <a:lstStyle/>
+          <a:p>
+            <a:pPr marL="0" marR="0" lvl="0" indent="0" algn="ctr" rtl="0">
+              <a:spcBef>
+                <a:spcPts val="0"/>
+              </a:spcBef>
+              <a:spcAft>
+                <a:spcPts val="0"/>
+              </a:spcAft>
+              <a:buNone/>
+            </a:pPr>
+            <a:r>
+              <a:rPr lang="es-419" sz="1800">
+                <a:solidFill>
+                  <a:schemeClr val="dk1"/>
+                </a:solidFill>
+                <a:latin typeface="Calibri"/>
+                <a:ea typeface="Calibri"/>
+                <a:cs typeface="Calibri"/>
+                <a:sym typeface="Calibri"/>
+              </a:rPr>
+              <a:t>GoToHome</a:t>
+            </a:r>
+            <a:endParaRPr sz="1800">
+              <a:solidFill>
+                <a:schemeClr val="dk1"/>
+              </a:solidFill>
+              <a:latin typeface="Calibri"/>
+              <a:ea typeface="Calibri"/>
+              <a:cs typeface="Calibri"/>
+              <a:sym typeface="Calibri"/>
+            </a:endParaRPr>
+          </a:p>
+        </p:txBody>
+      </p:sp>
+      <p:sp>
+        <p:nvSpPr>
+          <p:cNvPr id="21" name="Google Shape;214;p33"/>
+          <p:cNvSpPr txBox="1"/>
+          <p:nvPr/>
+        </p:nvSpPr>
+        <p:spPr>
+          <a:xfrm>
+            <a:off x="7105354" y="4132699"/>
+            <a:ext cx="1551900" cy="276900"/>
+          </a:xfrm>
+          <a:prstGeom prst="rect">
+            <a:avLst/>
+          </a:prstGeom>
+          <a:noFill/>
+          <a:ln>
+            <a:noFill/>
+          </a:ln>
+        </p:spPr>
+        <p:txBody>
+          <a:bodyPr spcFirstLastPara="1" wrap="square" lIns="91425" tIns="45700" rIns="91425" bIns="45700" anchor="t" anchorCtr="0">
+            <a:noAutofit/>
+          </a:bodyPr>
+          <a:lstStyle/>
+          <a:p>
+            <a:pPr marL="0" marR="0" lvl="0" indent="0" algn="l" rtl="0">
+              <a:spcBef>
+                <a:spcPts val="0"/>
+              </a:spcBef>
+              <a:spcAft>
+                <a:spcPts val="0"/>
+              </a:spcAft>
+              <a:buNone/>
+            </a:pPr>
+            <a:r>
+              <a:rPr lang="es-419" sz="1800">
+                <a:solidFill>
+                  <a:schemeClr val="dk1"/>
+                </a:solidFill>
+                <a:latin typeface="Calibri"/>
+                <a:ea typeface="Calibri"/>
+                <a:cs typeface="Calibri"/>
+                <a:sym typeface="Calibri"/>
+              </a:rPr>
+              <a:t>missions</a:t>
+            </a:r>
+            <a:endParaRPr sz="1800">
+              <a:solidFill>
+                <a:schemeClr val="dk1"/>
+              </a:solidFill>
+              <a:latin typeface="Calibri"/>
+              <a:ea typeface="Calibri"/>
+              <a:cs typeface="Calibri"/>
+              <a:sym typeface="Calibri"/>
+            </a:endParaRPr>
+          </a:p>
+        </p:txBody>
+      </p:sp>
+      <p:cxnSp>
+        <p:nvCxnSpPr>
+          <p:cNvPr id="23" name="Straight Arrow Connector 22"/>
+          <p:cNvCxnSpPr>
+            <a:stCxn id="24" idx="1"/>
+          </p:cNvCxnSpPr>
+          <p:nvPr/>
+        </p:nvCxnSpPr>
+        <p:spPr>
+          <a:xfrm flipH="1">
+            <a:off x="1905802" y="2096513"/>
+            <a:ext cx="838584" cy="1036847"/>
+          </a:xfrm>
+          <a:prstGeom prst="straightConnector1">
+            <a:avLst/>
+          </a:prstGeom>
+          <a:ln w="57150">
+            <a:solidFill>
+              <a:srgbClr val="FF0000"/>
+            </a:solidFill>
+            <a:tailEnd type="triangle"/>
+          </a:ln>
+        </p:spPr>
+        <p:style>
+          <a:lnRef idx="3">
+            <a:schemeClr val="accent1"/>
+          </a:lnRef>
+          <a:fillRef idx="0">
+            <a:schemeClr val="accent1"/>
+          </a:fillRef>
+          <a:effectRef idx="2">
+            <a:schemeClr val="accent1"/>
+          </a:effectRef>
+          <a:fontRef idx="minor">
+            <a:schemeClr val="tx1"/>
+          </a:fontRef>
+        </p:style>
+      </p:cxnSp>
+      <p:sp>
+        <p:nvSpPr>
+          <p:cNvPr id="24" name="TextBox 23"/>
+          <p:cNvSpPr txBox="1"/>
+          <p:nvPr/>
+        </p:nvSpPr>
+        <p:spPr>
+          <a:xfrm>
+            <a:off x="2744386" y="1911847"/>
+            <a:ext cx="1992981" cy="369332"/>
+          </a:xfrm>
+          <a:prstGeom prst="rect">
+            <a:avLst/>
+          </a:prstGeom>
+          <a:noFill/>
+        </p:spPr>
+        <p:txBody>
+          <a:bodyPr wrap="none" rtlCol="0">
+            <a:spAutoFit/>
+          </a:bodyPr>
+          <a:lstStyle/>
+          <a:p>
             <a:r>
               <a:rPr lang="it-IT" dirty="0"/>
-              <a:t>If there are aspects of the components design that you want to illustrate or motivate, write here your explanations</a:t>
-            </a:r>
-            <a:endParaRPr lang="en-GB" sz="2000" dirty="0"/>
+              <a:t>PAGE COMPONENT</a:t>
+            </a:r>
+          </a:p>
+        </p:txBody>
+      </p:sp>
+      <p:cxnSp>
+        <p:nvCxnSpPr>
+          <p:cNvPr id="26" name="Straight Arrow Connector 25"/>
+          <p:cNvCxnSpPr>
+            <a:stCxn id="27" idx="1"/>
+          </p:cNvCxnSpPr>
+          <p:nvPr/>
+        </p:nvCxnSpPr>
+        <p:spPr>
+          <a:xfrm flipH="1">
+            <a:off x="1357163" y="1565518"/>
+            <a:ext cx="1529998" cy="1187666"/>
+          </a:xfrm>
+          <a:prstGeom prst="straightConnector1">
+            <a:avLst/>
+          </a:prstGeom>
+          <a:ln w="57150">
+            <a:solidFill>
+              <a:srgbClr val="FF0000"/>
+            </a:solidFill>
+            <a:tailEnd type="triangle"/>
+          </a:ln>
+        </p:spPr>
+        <p:style>
+          <a:lnRef idx="3">
+            <a:schemeClr val="accent1"/>
+          </a:lnRef>
+          <a:fillRef idx="0">
+            <a:schemeClr val="accent1"/>
+          </a:fillRef>
+          <a:effectRef idx="2">
+            <a:schemeClr val="accent1"/>
+          </a:effectRef>
+          <a:fontRef idx="minor">
+            <a:schemeClr val="tx1"/>
+          </a:fontRef>
+        </p:style>
+      </p:cxnSp>
+      <p:sp>
+        <p:nvSpPr>
+          <p:cNvPr id="27" name="TextBox 26"/>
+          <p:cNvSpPr txBox="1"/>
+          <p:nvPr/>
+        </p:nvSpPr>
+        <p:spPr>
+          <a:xfrm>
+            <a:off x="2887161" y="1380852"/>
+            <a:ext cx="675762" cy="369332"/>
+          </a:xfrm>
+          <a:prstGeom prst="rect">
+            <a:avLst/>
+          </a:prstGeom>
+          <a:noFill/>
+        </p:spPr>
+        <p:txBody>
+          <a:bodyPr wrap="square" rtlCol="0">
+            <a:spAutoFit/>
+          </a:bodyPr>
+          <a:lstStyle/>
+          <a:p>
+            <a:r>
+              <a:rPr lang="it-IT" dirty="0"/>
+              <a:t>PAGE</a:t>
+            </a:r>
+          </a:p>
+        </p:txBody>
+      </p:sp>
+      <p:cxnSp>
+        <p:nvCxnSpPr>
+          <p:cNvPr id="30" name="Straight Arrow Connector 29"/>
+          <p:cNvCxnSpPr>
+            <a:stCxn id="31" idx="1"/>
+          </p:cNvCxnSpPr>
+          <p:nvPr/>
+        </p:nvCxnSpPr>
+        <p:spPr>
+          <a:xfrm flipH="1">
+            <a:off x="2406316" y="2394897"/>
+            <a:ext cx="790457" cy="946194"/>
+          </a:xfrm>
+          <a:prstGeom prst="straightConnector1">
+            <a:avLst/>
+          </a:prstGeom>
+          <a:ln w="57150">
+            <a:solidFill>
+              <a:srgbClr val="FF0000"/>
+            </a:solidFill>
+            <a:tailEnd type="triangle"/>
+          </a:ln>
+        </p:spPr>
+        <p:style>
+          <a:lnRef idx="3">
+            <a:schemeClr val="accent1"/>
+          </a:lnRef>
+          <a:fillRef idx="0">
+            <a:schemeClr val="accent1"/>
+          </a:fillRef>
+          <a:effectRef idx="2">
+            <a:schemeClr val="accent1"/>
+          </a:effectRef>
+          <a:fontRef idx="minor">
+            <a:schemeClr val="tx1"/>
+          </a:fontRef>
+        </p:style>
+      </p:cxnSp>
+      <p:sp>
+        <p:nvSpPr>
+          <p:cNvPr id="31" name="TextBox 30"/>
+          <p:cNvSpPr txBox="1"/>
+          <p:nvPr/>
+        </p:nvSpPr>
+        <p:spPr>
+          <a:xfrm>
+            <a:off x="3196773" y="2210231"/>
+            <a:ext cx="801823" cy="369332"/>
+          </a:xfrm>
+          <a:prstGeom prst="rect">
+            <a:avLst/>
+          </a:prstGeom>
+          <a:noFill/>
+        </p:spPr>
+        <p:txBody>
+          <a:bodyPr wrap="none" rtlCol="0">
+            <a:spAutoFit/>
+          </a:bodyPr>
+          <a:lstStyle/>
+          <a:p>
+            <a:r>
+              <a:rPr lang="it-IT" dirty="0"/>
+              <a:t>EVENT</a:t>
+            </a:r>
+          </a:p>
+        </p:txBody>
+      </p:sp>
+      <p:cxnSp>
+        <p:nvCxnSpPr>
+          <p:cNvPr id="33" name="Straight Arrow Connector 32"/>
+          <p:cNvCxnSpPr>
+            <a:stCxn id="34" idx="1"/>
+          </p:cNvCxnSpPr>
+          <p:nvPr/>
+        </p:nvCxnSpPr>
+        <p:spPr>
+          <a:xfrm flipH="1">
+            <a:off x="6670320" y="2491149"/>
+            <a:ext cx="655704" cy="656671"/>
+          </a:xfrm>
+          <a:prstGeom prst="straightConnector1">
+            <a:avLst/>
+          </a:prstGeom>
+          <a:ln w="57150">
+            <a:solidFill>
+              <a:srgbClr val="FF0000"/>
+            </a:solidFill>
+            <a:tailEnd type="triangle"/>
+          </a:ln>
+        </p:spPr>
+        <p:style>
+          <a:lnRef idx="3">
+            <a:schemeClr val="accent1"/>
+          </a:lnRef>
+          <a:fillRef idx="0">
+            <a:schemeClr val="accent1"/>
+          </a:fillRef>
+          <a:effectRef idx="2">
+            <a:schemeClr val="accent1"/>
+          </a:effectRef>
+          <a:fontRef idx="minor">
+            <a:schemeClr val="tx1"/>
+          </a:fontRef>
+        </p:style>
+      </p:cxnSp>
+      <p:sp>
+        <p:nvSpPr>
+          <p:cNvPr id="34" name="TextBox 33"/>
+          <p:cNvSpPr txBox="1"/>
+          <p:nvPr/>
+        </p:nvSpPr>
+        <p:spPr>
+          <a:xfrm>
+            <a:off x="7326024" y="2306483"/>
+            <a:ext cx="911916" cy="369332"/>
+          </a:xfrm>
+          <a:prstGeom prst="rect">
+            <a:avLst/>
+          </a:prstGeom>
+          <a:noFill/>
+        </p:spPr>
+        <p:txBody>
+          <a:bodyPr wrap="none" rtlCol="0">
+            <a:spAutoFit/>
+          </a:bodyPr>
+          <a:lstStyle/>
+          <a:p>
+            <a:r>
+              <a:rPr lang="it-IT" dirty="0"/>
+              <a:t>ACTION</a:t>
+            </a:r>
+          </a:p>
+        </p:txBody>
+      </p:sp>
+      <p:cxnSp>
+        <p:nvCxnSpPr>
+          <p:cNvPr id="35" name="Straight Arrow Connector 34"/>
+          <p:cNvCxnSpPr>
+            <a:stCxn id="36" idx="1"/>
+          </p:cNvCxnSpPr>
+          <p:nvPr/>
+        </p:nvCxnSpPr>
+        <p:spPr>
+          <a:xfrm flipH="1">
+            <a:off x="5755392" y="2096513"/>
+            <a:ext cx="800608" cy="1352169"/>
+          </a:xfrm>
+          <a:prstGeom prst="straightConnector1">
+            <a:avLst/>
+          </a:prstGeom>
+          <a:ln w="57150">
+            <a:solidFill>
+              <a:srgbClr val="FF0000"/>
+            </a:solidFill>
+            <a:tailEnd type="triangle"/>
+          </a:ln>
+        </p:spPr>
+        <p:style>
+          <a:lnRef idx="3">
+            <a:schemeClr val="accent1"/>
+          </a:lnRef>
+          <a:fillRef idx="0">
+            <a:schemeClr val="accent1"/>
+          </a:fillRef>
+          <a:effectRef idx="2">
+            <a:schemeClr val="accent1"/>
+          </a:effectRef>
+          <a:fontRef idx="minor">
+            <a:schemeClr val="tx1"/>
+          </a:fontRef>
+        </p:style>
+      </p:cxnSp>
+      <p:sp>
+        <p:nvSpPr>
+          <p:cNvPr id="36" name="TextBox 35"/>
+          <p:cNvSpPr txBox="1"/>
+          <p:nvPr/>
+        </p:nvSpPr>
+        <p:spPr>
+          <a:xfrm>
+            <a:off x="6556000" y="1911847"/>
+            <a:ext cx="1378134" cy="369332"/>
+          </a:xfrm>
+          <a:prstGeom prst="rect">
+            <a:avLst/>
+          </a:prstGeom>
+          <a:noFill/>
+        </p:spPr>
+        <p:txBody>
+          <a:bodyPr wrap="none" rtlCol="0">
+            <a:spAutoFit/>
+          </a:bodyPr>
+          <a:lstStyle/>
+          <a:p>
+            <a:r>
+              <a:rPr lang="it-IT" dirty="0"/>
+              <a:t>NAVIGATION</a:t>
+            </a:r>
           </a:p>
         </p:txBody>
       </p:sp>
     </p:spTree>
     <p:extLst>
       <p:ext uri="{BB962C8B-B14F-4D97-AF65-F5344CB8AC3E}">
-        <p14:creationId xmlns:p14="http://schemas.microsoft.com/office/powerpoint/2010/main" val="3603114901"/>
+        <p14:creationId xmlns:p14="http://schemas.microsoft.com/office/powerpoint/2010/main" val="2100777373"/>
       </p:ext>
     </p:extLst>
   </p:cSld>
@@ -7284,6 +7721,679 @@
 </file>
 
 <file path=ppt/slides/slide20.xml><?xml version="1.0" encoding="utf-8"?>
+<p:sld xmlns:a="http://schemas.openxmlformats.org/drawingml/2006/main" xmlns:r="http://schemas.openxmlformats.org/officeDocument/2006/relationships" xmlns:p="http://schemas.openxmlformats.org/presentationml/2006/main">
+  <p:cSld>
+    <p:spTree>
+      <p:nvGrpSpPr>
+        <p:cNvPr id="1" name=""/>
+        <p:cNvGrpSpPr/>
+        <p:nvPr/>
+      </p:nvGrpSpPr>
+      <p:grpSpPr>
+        <a:xfrm>
+          <a:off x="0" y="0"/>
+          <a:ext cx="0" cy="0"/>
+          <a:chOff x="0" y="0"/>
+          <a:chExt cx="0" cy="0"/>
+        </a:xfrm>
+      </p:grpSpPr>
+      <p:sp>
+        <p:nvSpPr>
+          <p:cNvPr id="2" name="Title 1"/>
+          <p:cNvSpPr>
+            <a:spLocks noGrp="1"/>
+          </p:cNvSpPr>
+          <p:nvPr>
+            <p:ph type="title"/>
+          </p:nvPr>
+        </p:nvSpPr>
+        <p:spPr/>
+        <p:txBody>
+          <a:bodyPr/>
+          <a:lstStyle/>
+          <a:p>
+            <a:r>
+              <a:rPr lang="it-IT" dirty="0"/>
+              <a:t>Example of textual notation</a:t>
+            </a:r>
+          </a:p>
+        </p:txBody>
+      </p:sp>
+      <p:sp>
+        <p:nvSpPr>
+          <p:cNvPr id="5" name="Content Placeholder 4"/>
+          <p:cNvSpPr>
+            <a:spLocks noGrp="1"/>
+          </p:cNvSpPr>
+          <p:nvPr>
+            <p:ph idx="1"/>
+          </p:nvPr>
+        </p:nvSpPr>
+        <p:spPr>
+          <a:xfrm>
+            <a:off x="211756" y="1386038"/>
+            <a:ext cx="8855242" cy="5236143"/>
+          </a:xfrm>
+        </p:spPr>
+        <p:txBody>
+          <a:bodyPr>
+            <a:normAutofit fontScale="70000" lnSpcReduction="20000"/>
+          </a:bodyPr>
+          <a:lstStyle/>
+          <a:p>
+            <a:r>
+              <a:rPr lang="en-GB" dirty="0"/>
+              <a:t>A Web application allows the management of travel expenses. After </a:t>
+            </a:r>
+            <a:r>
+              <a:rPr lang="en-GB" dirty="0">
+                <a:solidFill>
+                  <a:srgbClr val="C00000"/>
+                </a:solidFill>
+              </a:rPr>
+              <a:t>logging in</a:t>
+            </a:r>
+            <a:r>
+              <a:rPr lang="en-GB" dirty="0"/>
+              <a:t>, the user </a:t>
+            </a:r>
+            <a:r>
+              <a:rPr lang="en-GB" dirty="0">
+                <a:solidFill>
+                  <a:srgbClr val="0070C0"/>
+                </a:solidFill>
+              </a:rPr>
+              <a:t>accesses</a:t>
+            </a:r>
+            <a:r>
+              <a:rPr lang="en-GB" dirty="0"/>
+              <a:t> a </a:t>
+            </a:r>
+            <a:r>
+              <a:rPr lang="en-GB" dirty="0">
+                <a:solidFill>
+                  <a:srgbClr val="FF0000"/>
+                </a:solidFill>
+              </a:rPr>
+              <a:t>HOME</a:t>
+            </a:r>
+            <a:r>
+              <a:rPr lang="en-GB" dirty="0"/>
+              <a:t> </a:t>
+            </a:r>
+            <a:r>
+              <a:rPr lang="en-GB" dirty="0">
+                <a:solidFill>
+                  <a:srgbClr val="FF0000"/>
+                </a:solidFill>
+              </a:rPr>
+              <a:t>page</a:t>
+            </a:r>
+            <a:r>
+              <a:rPr lang="en-GB" dirty="0"/>
+              <a:t> where there is a </a:t>
+            </a:r>
+            <a:r>
+              <a:rPr lang="en-GB" dirty="0">
+                <a:solidFill>
+                  <a:srgbClr val="00B050"/>
+                </a:solidFill>
+              </a:rPr>
+              <a:t>list of travel missions</a:t>
+            </a:r>
+            <a:r>
+              <a:rPr lang="en-GB" dirty="0"/>
+              <a:t>; a mission belongs to a user and has a date, a place, a description, a number of days of duration, and a status ("open", "finalized", "closed"). The list shows the date and place of the missions, which are sorted by date in descending order. On the HOME page there is a </a:t>
+            </a:r>
+            <a:r>
+              <a:rPr lang="en-GB" dirty="0">
+                <a:solidFill>
+                  <a:srgbClr val="00B050"/>
+                </a:solidFill>
+              </a:rPr>
+              <a:t>form</a:t>
+            </a:r>
+            <a:r>
+              <a:rPr lang="en-GB" dirty="0"/>
+              <a:t>, with which the user can </a:t>
+            </a:r>
+            <a:r>
+              <a:rPr lang="en-GB" dirty="0">
+                <a:solidFill>
+                  <a:srgbClr val="C00000"/>
+                </a:solidFill>
+              </a:rPr>
+              <a:t>create a new mission</a:t>
+            </a:r>
+            <a:r>
+              <a:rPr lang="en-GB" dirty="0"/>
+              <a:t>, by entering all the data, which are mandatory. A new mission is always in the "open" state. After creating a mission, one is returned to the HOME page. When the user </a:t>
+            </a:r>
+            <a:r>
+              <a:rPr lang="en-GB" dirty="0">
+                <a:solidFill>
+                  <a:srgbClr val="0070C0"/>
+                </a:solidFill>
+              </a:rPr>
+              <a:t>selects a mission </a:t>
+            </a:r>
+            <a:r>
+              <a:rPr lang="en-GB" dirty="0"/>
+              <a:t>in the list, a </a:t>
+            </a:r>
+            <a:r>
+              <a:rPr lang="en-GB" dirty="0">
+                <a:solidFill>
+                  <a:srgbClr val="FF0000"/>
+                </a:solidFill>
+              </a:rPr>
+              <a:t>DETAIL_MISSION page </a:t>
+            </a:r>
+            <a:r>
+              <a:rPr lang="en-GB" dirty="0"/>
+              <a:t>appears, showing </a:t>
+            </a:r>
+            <a:r>
+              <a:rPr lang="en-GB" dirty="0">
+                <a:solidFill>
+                  <a:srgbClr val="00B050"/>
+                </a:solidFill>
+              </a:rPr>
+              <a:t>all the mission data</a:t>
+            </a:r>
+            <a:r>
+              <a:rPr lang="en-GB" dirty="0"/>
+              <a:t>. If the mission is in the "open" state, a </a:t>
+            </a:r>
+            <a:r>
+              <a:rPr lang="en-GB" dirty="0">
+                <a:solidFill>
+                  <a:srgbClr val="00B050"/>
+                </a:solidFill>
+              </a:rPr>
+              <a:t>form</a:t>
+            </a:r>
+            <a:r>
+              <a:rPr lang="en-GB" dirty="0"/>
+              <a:t> appears for entering the expenses incurred during the mission; the form contains three fields: food costs, accommodation costs, transport costs. </a:t>
+            </a:r>
+            <a:r>
+              <a:rPr lang="en-GB" dirty="0">
+                <a:solidFill>
+                  <a:srgbClr val="0070C0"/>
+                </a:solidFill>
+              </a:rPr>
+              <a:t>Sending the form data </a:t>
+            </a:r>
+            <a:r>
+              <a:rPr lang="en-GB" dirty="0"/>
+              <a:t>causes the </a:t>
+            </a:r>
+            <a:r>
+              <a:rPr lang="en-GB" dirty="0">
+                <a:solidFill>
+                  <a:srgbClr val="C00000"/>
+                </a:solidFill>
+              </a:rPr>
+              <a:t>mission status to change </a:t>
+            </a:r>
+            <a:r>
+              <a:rPr lang="en-GB" dirty="0"/>
+              <a:t>from "open " to  “finalized ",  and the return to the DETAIL_MISSION page. If the mission is in the "finalized“ status, a </a:t>
+            </a:r>
+            <a:r>
+              <a:rPr lang="en-GB" dirty="0">
+                <a:solidFill>
+                  <a:srgbClr val="00B050"/>
+                </a:solidFill>
+              </a:rPr>
+              <a:t>"close“ button </a:t>
+            </a:r>
+            <a:r>
+              <a:rPr lang="en-GB" dirty="0"/>
+              <a:t>appears which the user </a:t>
+            </a:r>
+            <a:r>
+              <a:rPr lang="en-GB" dirty="0">
+                <a:solidFill>
+                  <a:srgbClr val="0070C0"/>
+                </a:solidFill>
+              </a:rPr>
+              <a:t>can click </a:t>
+            </a:r>
+            <a:r>
+              <a:rPr lang="en-GB" dirty="0"/>
+              <a:t>to report that he has received the reimbursement of expenses; this causes the </a:t>
+            </a:r>
+            <a:r>
+              <a:rPr lang="en-GB" dirty="0">
+                <a:solidFill>
+                  <a:srgbClr val="C00000"/>
+                </a:solidFill>
+              </a:rPr>
+              <a:t>mission status to change </a:t>
+            </a:r>
+            <a:r>
+              <a:rPr lang="en-GB" dirty="0"/>
+              <a:t>from "finalized" to "closed" and the return to the DETAIL_MISSION page. If the mission is in the "closed" status, the DETAIL_MISSION page shows mission data also the value of the three types of expenditure. </a:t>
+            </a:r>
+          </a:p>
+          <a:p>
+            <a:r>
+              <a:rPr lang="en-GB" dirty="0">
+                <a:solidFill>
+                  <a:srgbClr val="FF0000"/>
+                </a:solidFill>
+              </a:rPr>
+              <a:t>Pages (views)</a:t>
+            </a:r>
+            <a:r>
+              <a:rPr lang="en-GB" dirty="0"/>
+              <a:t>, </a:t>
+            </a:r>
+            <a:r>
+              <a:rPr lang="en-GB" dirty="0">
+                <a:solidFill>
+                  <a:srgbClr val="00B050"/>
+                </a:solidFill>
+              </a:rPr>
+              <a:t>view components</a:t>
+            </a:r>
+            <a:r>
+              <a:rPr lang="en-GB" dirty="0"/>
+              <a:t>, </a:t>
+            </a:r>
+            <a:r>
+              <a:rPr lang="en-GB" dirty="0">
+                <a:solidFill>
+                  <a:srgbClr val="0070C0"/>
+                </a:solidFill>
+              </a:rPr>
+              <a:t>events</a:t>
+            </a:r>
+            <a:r>
+              <a:rPr lang="en-GB" dirty="0"/>
+              <a:t>, </a:t>
+            </a:r>
+            <a:r>
+              <a:rPr lang="en-GB" dirty="0">
+                <a:solidFill>
+                  <a:srgbClr val="C00000"/>
+                </a:solidFill>
+              </a:rPr>
+              <a:t>actions</a:t>
+            </a:r>
+            <a:endParaRPr lang="it-IT" dirty="0">
+              <a:solidFill>
+                <a:srgbClr val="C00000"/>
+              </a:solidFill>
+            </a:endParaRPr>
+          </a:p>
+        </p:txBody>
+      </p:sp>
+    </p:spTree>
+    <p:extLst>
+      <p:ext uri="{BB962C8B-B14F-4D97-AF65-F5344CB8AC3E}">
+        <p14:creationId xmlns:p14="http://schemas.microsoft.com/office/powerpoint/2010/main" val="302696994"/>
+      </p:ext>
+    </p:extLst>
+  </p:cSld>
+  <p:clrMapOvr>
+    <a:masterClrMapping/>
+  </p:clrMapOvr>
+</p:sld>
+</file>
+
+<file path=ppt/slides/slide21.xml><?xml version="1.0" encoding="utf-8"?>
+<p:sld xmlns:a="http://schemas.openxmlformats.org/drawingml/2006/main" xmlns:r="http://schemas.openxmlformats.org/officeDocument/2006/relationships" xmlns:p="http://schemas.openxmlformats.org/presentationml/2006/main">
+  <p:cSld>
+    <p:spTree>
+      <p:nvGrpSpPr>
+        <p:cNvPr id="1" name=""/>
+        <p:cNvGrpSpPr/>
+        <p:nvPr/>
+      </p:nvGrpSpPr>
+      <p:grpSpPr>
+        <a:xfrm>
+          <a:off x="0" y="0"/>
+          <a:ext cx="0" cy="0"/>
+          <a:chOff x="0" y="0"/>
+          <a:chExt cx="0" cy="0"/>
+        </a:xfrm>
+      </p:grpSpPr>
+      <p:sp>
+        <p:nvSpPr>
+          <p:cNvPr id="2" name="Title 1"/>
+          <p:cNvSpPr>
+            <a:spLocks noGrp="1"/>
+          </p:cNvSpPr>
+          <p:nvPr>
+            <p:ph type="title"/>
+          </p:nvPr>
+        </p:nvSpPr>
+        <p:spPr/>
+        <p:txBody>
+          <a:bodyPr/>
+          <a:lstStyle/>
+          <a:p>
+            <a:r>
+              <a:rPr lang="en-GB" dirty="0"/>
+              <a:t>Components</a:t>
+            </a:r>
+          </a:p>
+        </p:txBody>
+      </p:sp>
+      <p:sp>
+        <p:nvSpPr>
+          <p:cNvPr id="4" name="Content Placeholder 3"/>
+          <p:cNvSpPr>
+            <a:spLocks noGrp="1"/>
+          </p:cNvSpPr>
+          <p:nvPr>
+            <p:ph sz="half" idx="1"/>
+          </p:nvPr>
+        </p:nvSpPr>
+        <p:spPr/>
+        <p:txBody>
+          <a:bodyPr>
+            <a:normAutofit lnSpcReduction="10000"/>
+          </a:bodyPr>
+          <a:lstStyle/>
+          <a:p>
+            <a:r>
+              <a:rPr lang="en-GB" dirty="0"/>
+              <a:t>Client components</a:t>
+            </a:r>
+          </a:p>
+          <a:p>
+            <a:pPr lvl="1"/>
+            <a:r>
+              <a:rPr lang="en-GB" sz="2000" dirty="0"/>
+              <a:t>Servlets</a:t>
+            </a:r>
+          </a:p>
+          <a:p>
+            <a:pPr lvl="1"/>
+            <a:r>
+              <a:rPr lang="en-GB" sz="2000" dirty="0"/>
+              <a:t>Views</a:t>
+            </a:r>
+          </a:p>
+          <a:p>
+            <a:pPr lvl="1"/>
+            <a:r>
+              <a:rPr lang="en-GB" sz="2000" dirty="0"/>
+              <a:t>Java Beans</a:t>
+            </a:r>
+          </a:p>
+          <a:p>
+            <a:pPr marL="457200" lvl="1" indent="0">
+              <a:buNone/>
+            </a:pPr>
+            <a:endParaRPr lang="en-GB" sz="2000" dirty="0"/>
+          </a:p>
+          <a:p>
+            <a:pPr marL="457200" lvl="1" indent="0">
+              <a:buNone/>
+            </a:pPr>
+            <a:endParaRPr lang="en-GB" sz="2000" dirty="0"/>
+          </a:p>
+        </p:txBody>
+      </p:sp>
+      <p:sp>
+        <p:nvSpPr>
+          <p:cNvPr id="5" name="Content Placeholder 4"/>
+          <p:cNvSpPr>
+            <a:spLocks noGrp="1"/>
+          </p:cNvSpPr>
+          <p:nvPr>
+            <p:ph sz="half" idx="2"/>
+          </p:nvPr>
+        </p:nvSpPr>
+        <p:spPr>
+          <a:xfrm>
+            <a:off x="4629149" y="1825625"/>
+            <a:ext cx="4418597" cy="4351338"/>
+          </a:xfrm>
+        </p:spPr>
+        <p:txBody>
+          <a:bodyPr>
+            <a:normAutofit lnSpcReduction="10000"/>
+          </a:bodyPr>
+          <a:lstStyle/>
+          <a:p>
+            <a:r>
+              <a:rPr lang="en-GB" dirty="0"/>
+              <a:t>Back end components</a:t>
+            </a:r>
+          </a:p>
+          <a:p>
+            <a:pPr lvl="1"/>
+            <a:r>
+              <a:rPr lang="en-GB" dirty="0"/>
+              <a:t>Entities</a:t>
+            </a:r>
+          </a:p>
+          <a:p>
+            <a:pPr lvl="2"/>
+            <a:r>
+              <a:rPr lang="en-GB" dirty="0"/>
+              <a:t>Entity1</a:t>
+            </a:r>
+          </a:p>
+          <a:p>
+            <a:pPr lvl="2"/>
+            <a:r>
+              <a:rPr lang="en-GB" dirty="0"/>
+              <a:t>Entity2</a:t>
+            </a:r>
+          </a:p>
+          <a:p>
+            <a:pPr lvl="1"/>
+            <a:r>
+              <a:rPr lang="en-GB"/>
+              <a:t>Business Components (EJBs)</a:t>
+            </a:r>
+            <a:endParaRPr lang="en-GB" dirty="0"/>
+          </a:p>
+          <a:p>
+            <a:pPr lvl="2"/>
+            <a:r>
+              <a:rPr lang="en-GB" dirty="0"/>
+              <a:t>BC1 </a:t>
+            </a:r>
+          </a:p>
+          <a:p>
+            <a:pPr lvl="3"/>
+            <a:r>
+              <a:rPr lang="en-GB" dirty="0"/>
+              <a:t>(stateless or stateful)</a:t>
+            </a:r>
+          </a:p>
+          <a:p>
+            <a:pPr lvl="3"/>
+            <a:r>
+              <a:rPr lang="en-GB" dirty="0"/>
+              <a:t>Method BC11( </a:t>
+            </a:r>
+            <a:r>
+              <a:rPr lang="en-GB" dirty="0" err="1"/>
+              <a:t>params</a:t>
+            </a:r>
+            <a:r>
+              <a:rPr lang="en-GB" dirty="0"/>
+              <a:t>)</a:t>
+            </a:r>
+          </a:p>
+          <a:p>
+            <a:pPr lvl="3"/>
+            <a:r>
+              <a:rPr lang="en-GB" dirty="0"/>
+              <a:t>Method BC11( </a:t>
+            </a:r>
+            <a:r>
+              <a:rPr lang="en-GB" dirty="0" err="1"/>
+              <a:t>params</a:t>
+            </a:r>
+            <a:r>
+              <a:rPr lang="en-GB" dirty="0"/>
+              <a:t>)</a:t>
+            </a:r>
+          </a:p>
+          <a:p>
+            <a:pPr lvl="2"/>
+            <a:r>
+              <a:rPr lang="en-GB" dirty="0"/>
+              <a:t>BC2</a:t>
+            </a:r>
+          </a:p>
+          <a:p>
+            <a:pPr lvl="3"/>
+            <a:r>
+              <a:rPr lang="en-GB" dirty="0"/>
+              <a:t>(stateless or stateful)</a:t>
+            </a:r>
+          </a:p>
+          <a:p>
+            <a:pPr lvl="3"/>
+            <a:r>
+              <a:rPr lang="en-GB" dirty="0"/>
+              <a:t>Method BC21( </a:t>
+            </a:r>
+            <a:r>
+              <a:rPr lang="en-GB" dirty="0" err="1"/>
+              <a:t>params</a:t>
+            </a:r>
+            <a:r>
+              <a:rPr lang="en-GB" dirty="0"/>
+              <a:t>)</a:t>
+            </a:r>
+          </a:p>
+          <a:p>
+            <a:pPr lvl="3"/>
+            <a:r>
+              <a:rPr lang="en-GB" dirty="0"/>
+              <a:t>Method BC22( </a:t>
+            </a:r>
+            <a:r>
+              <a:rPr lang="en-GB" dirty="0" err="1"/>
+              <a:t>params</a:t>
+            </a:r>
+            <a:r>
+              <a:rPr lang="en-GB" dirty="0"/>
+              <a:t>)</a:t>
+            </a:r>
+          </a:p>
+          <a:p>
+            <a:pPr lvl="2"/>
+            <a:endParaRPr lang="en-GB" dirty="0"/>
+          </a:p>
+          <a:p>
+            <a:pPr lvl="1"/>
+            <a:endParaRPr lang="en-GB" dirty="0"/>
+          </a:p>
+        </p:txBody>
+      </p:sp>
+    </p:spTree>
+    <p:extLst>
+      <p:ext uri="{BB962C8B-B14F-4D97-AF65-F5344CB8AC3E}">
+        <p14:creationId xmlns:p14="http://schemas.microsoft.com/office/powerpoint/2010/main" val="1681549262"/>
+      </p:ext>
+    </p:extLst>
+  </p:cSld>
+  <p:clrMapOvr>
+    <a:masterClrMapping/>
+  </p:clrMapOvr>
+</p:sld>
+</file>
+
+<file path=ppt/slides/slide22.xml><?xml version="1.0" encoding="utf-8"?>
+<p:sld xmlns:a="http://schemas.openxmlformats.org/drawingml/2006/main" xmlns:r="http://schemas.openxmlformats.org/officeDocument/2006/relationships" xmlns:p="http://schemas.openxmlformats.org/presentationml/2006/main">
+  <p:cSld>
+    <p:spTree>
+      <p:nvGrpSpPr>
+        <p:cNvPr id="1" name=""/>
+        <p:cNvGrpSpPr/>
+        <p:nvPr/>
+      </p:nvGrpSpPr>
+      <p:grpSpPr>
+        <a:xfrm>
+          <a:off x="0" y="0"/>
+          <a:ext cx="0" cy="0"/>
+          <a:chOff x="0" y="0"/>
+          <a:chExt cx="0" cy="0"/>
+        </a:xfrm>
+      </p:grpSpPr>
+      <p:sp>
+        <p:nvSpPr>
+          <p:cNvPr id="2" name="Title 1"/>
+          <p:cNvSpPr>
+            <a:spLocks noGrp="1"/>
+          </p:cNvSpPr>
+          <p:nvPr>
+            <p:ph type="title"/>
+          </p:nvPr>
+        </p:nvSpPr>
+        <p:spPr/>
+        <p:txBody>
+          <a:bodyPr/>
+          <a:lstStyle/>
+          <a:p>
+            <a:r>
+              <a:rPr lang="it-IT" dirty="0"/>
+              <a:t>Motivations of the components design</a:t>
+            </a:r>
+            <a:r>
+              <a:rPr lang="en-GB" dirty="0"/>
+              <a:t> </a:t>
+            </a:r>
+          </a:p>
+        </p:txBody>
+      </p:sp>
+      <p:sp>
+        <p:nvSpPr>
+          <p:cNvPr id="4" name="Content Placeholder 3"/>
+          <p:cNvSpPr>
+            <a:spLocks noGrp="1"/>
+          </p:cNvSpPr>
+          <p:nvPr>
+            <p:ph sz="half" idx="1"/>
+          </p:nvPr>
+        </p:nvSpPr>
+        <p:spPr>
+          <a:xfrm>
+            <a:off x="628650" y="1825625"/>
+            <a:ext cx="7539990" cy="4351338"/>
+          </a:xfrm>
+        </p:spPr>
+        <p:txBody>
+          <a:bodyPr>
+            <a:normAutofit/>
+          </a:bodyPr>
+          <a:lstStyle/>
+          <a:p>
+            <a:r>
+              <a:rPr lang="it-IT" dirty="0"/>
+              <a:t>If there are aspects of the components design that you want to illustrate or motivate, write here your explanations</a:t>
+            </a:r>
+            <a:endParaRPr lang="en-GB" sz="2000" dirty="0"/>
+          </a:p>
+        </p:txBody>
+      </p:sp>
+    </p:spTree>
+    <p:extLst>
+      <p:ext uri="{BB962C8B-B14F-4D97-AF65-F5344CB8AC3E}">
+        <p14:creationId xmlns:p14="http://schemas.microsoft.com/office/powerpoint/2010/main" val="3603114901"/>
+      </p:ext>
+    </p:extLst>
+  </p:cSld>
+  <p:clrMapOvr>
+    <a:masterClrMapping/>
+  </p:clrMapOvr>
+</p:sld>
+</file>
+
+<file path=ppt/slides/slide23.xml><?xml version="1.0" encoding="utf-8"?>
 <p:sld xmlns:a="http://schemas.openxmlformats.org/drawingml/2006/main" xmlns:r="http://schemas.openxmlformats.org/officeDocument/2006/relationships" xmlns:p="http://schemas.openxmlformats.org/presentationml/2006/main">
   <p:cSld>
     <p:spTree>
@@ -11822,350 +12932,359 @@
       </p:grpSpPr>
       <p:sp>
         <p:nvSpPr>
-          <p:cNvPr id="2" name="Title 1"/>
-          <p:cNvSpPr txBox="1">
-            <a:spLocks noGrp="1"/>
-          </p:cNvSpPr>
-          <p:nvPr>
-            <p:ph type="title"/>
-          </p:nvPr>
-        </p:nvSpPr>
-        <p:spPr>
-          <a:xfrm>
-            <a:off x="324293" y="318525"/>
-            <a:ext cx="7886700" cy="1325563"/>
-          </a:xfrm>
-        </p:spPr>
-        <p:txBody>
-          <a:bodyPr/>
-          <a:lstStyle/>
-          <a:p>
-            <a:pPr lvl="0"/>
-            <a:r>
-              <a:rPr lang="en-GB" dirty="0"/>
-              <a:t>Relational model</a:t>
-            </a:r>
-          </a:p>
-        </p:txBody>
-      </p:sp>
-      <p:sp>
-        <p:nvSpPr>
-          <p:cNvPr id="3" name="Content Placeholder 2"/>
-          <p:cNvSpPr txBox="1">
-            <a:spLocks noGrp="1"/>
-          </p:cNvSpPr>
-          <p:nvPr>
-            <p:ph sz="half" idx="1"/>
-          </p:nvPr>
-        </p:nvSpPr>
-        <p:spPr>
-          <a:xfrm>
-            <a:off x="324293" y="1587120"/>
-            <a:ext cx="8495414" cy="4289573"/>
-          </a:xfrm>
-        </p:spPr>
-        <p:txBody>
-          <a:bodyPr>
-            <a:normAutofit/>
-          </a:bodyPr>
-          <a:lstStyle/>
-          <a:p>
-            <a:pPr marL="0" indent="0">
-              <a:lnSpc>
-                <a:spcPct val="220000"/>
-              </a:lnSpc>
-              <a:buNone/>
-            </a:pPr>
-            <a:r>
-              <a:rPr lang="en-GB" sz="2000" dirty="0"/>
-              <a:t>User (</a:t>
-            </a:r>
-            <a:r>
-              <a:rPr lang="en-GB" sz="2000" u="sng" dirty="0"/>
-              <a:t>username</a:t>
-            </a:r>
-            <a:r>
-              <a:rPr lang="en-GB" sz="2000" dirty="0"/>
-              <a:t>, Password, Email, Insolvent)</a:t>
-            </a:r>
-          </a:p>
-          <a:p>
-            <a:pPr marL="0" indent="0">
-              <a:lnSpc>
-                <a:spcPct val="220000"/>
-              </a:lnSpc>
-              <a:buNone/>
-            </a:pPr>
-            <a:r>
-              <a:rPr lang="en-GB" sz="2000" dirty="0"/>
-              <a:t>Order (</a:t>
-            </a:r>
-            <a:r>
-              <a:rPr lang="en-GB" sz="2000" u="sng" dirty="0"/>
-              <a:t>ID</a:t>
-            </a:r>
-            <a:r>
-              <a:rPr lang="en-GB" sz="2000" dirty="0"/>
-              <a:t>, </a:t>
-            </a:r>
-            <a:r>
-              <a:rPr lang="en-GB" sz="2000" dirty="0" err="1"/>
-              <a:t>UserID</a:t>
-            </a:r>
-            <a:r>
-              <a:rPr lang="en-GB" sz="2000" dirty="0"/>
-              <a:t>, </a:t>
-            </a:r>
-            <a:r>
-              <a:rPr lang="en-GB" sz="2000" dirty="0" err="1"/>
-              <a:t>DateCreated</a:t>
-            </a:r>
-            <a:r>
-              <a:rPr lang="en-GB" sz="2000" dirty="0"/>
-              <a:t>, </a:t>
-            </a:r>
-            <a:r>
-              <a:rPr lang="en-GB" sz="2000" dirty="0" err="1"/>
-              <a:t>HourCreated</a:t>
-            </a:r>
-            <a:r>
-              <a:rPr lang="en-GB" sz="2000" dirty="0"/>
-              <a:t>, </a:t>
-            </a:r>
-            <a:r>
-              <a:rPr lang="en-GB" sz="2000" dirty="0" err="1"/>
-              <a:t>TotalValue</a:t>
-            </a:r>
-            <a:r>
-              <a:rPr lang="en-GB" sz="2000" dirty="0"/>
-              <a:t>, Valid)</a:t>
-            </a:r>
-          </a:p>
-          <a:p>
-            <a:pPr marL="0" indent="0">
-              <a:lnSpc>
-                <a:spcPct val="220000"/>
-              </a:lnSpc>
-              <a:buNone/>
-            </a:pPr>
-            <a:r>
-              <a:rPr lang="en-GB" sz="2000" dirty="0"/>
-              <a:t>Subscription (</a:t>
-            </a:r>
-            <a:r>
-              <a:rPr lang="en-GB" sz="2000" u="sng" dirty="0"/>
-              <a:t>ID</a:t>
-            </a:r>
-            <a:r>
-              <a:rPr lang="en-GB" sz="2000" dirty="0"/>
-              <a:t>, </a:t>
-            </a:r>
-            <a:r>
-              <a:rPr lang="en-GB" sz="2000" dirty="0" err="1"/>
-              <a:t>ValidityPeriod</a:t>
-            </a:r>
-            <a:r>
-              <a:rPr lang="en-GB" sz="2000" dirty="0"/>
-              <a:t>, Fee, </a:t>
-            </a:r>
-            <a:r>
-              <a:rPr lang="en-GB" sz="2000" dirty="0" err="1"/>
-              <a:t>IDOrder</a:t>
-            </a:r>
-            <a:r>
-              <a:rPr lang="en-GB" sz="2000" dirty="0"/>
-              <a:t>, </a:t>
-            </a:r>
-            <a:r>
-              <a:rPr lang="en-GB" sz="2000" dirty="0" err="1"/>
-              <a:t>IDPackage</a:t>
-            </a:r>
-            <a:r>
-              <a:rPr lang="en-GB" sz="2000" dirty="0"/>
-              <a:t>)</a:t>
-            </a:r>
-          </a:p>
-          <a:p>
-            <a:pPr marL="0" indent="0">
-              <a:lnSpc>
-                <a:spcPct val="220000"/>
-              </a:lnSpc>
-              <a:buNone/>
-            </a:pPr>
-            <a:r>
-              <a:rPr lang="en-GB" sz="2000" dirty="0"/>
-              <a:t>ServicePackage (</a:t>
-            </a:r>
-            <a:r>
-              <a:rPr lang="en-GB" sz="2000" u="sng" dirty="0"/>
-              <a:t>ID</a:t>
-            </a:r>
-            <a:r>
-              <a:rPr lang="en-GB" sz="2000" dirty="0"/>
-              <a:t>, Name, </a:t>
-            </a:r>
-            <a:r>
-              <a:rPr lang="en-GB" sz="2000" dirty="0" err="1"/>
-              <a:t>FixedPhone</a:t>
-            </a:r>
-            <a:r>
-              <a:rPr lang="en-GB" sz="2000" dirty="0"/>
-              <a:t>, 12Fee, 24Fee, 36Fee)</a:t>
-            </a:r>
-          </a:p>
-          <a:p>
-            <a:pPr marL="0" lvl="0" indent="0">
-              <a:buNone/>
-            </a:pPr>
-            <a:endParaRPr lang="en-GB" sz="2000" dirty="0"/>
-          </a:p>
-          <a:p>
-            <a:pPr marL="0" lvl="0" indent="0">
-              <a:buNone/>
-            </a:pPr>
-            <a:endParaRPr lang="en-GB" sz="2000" dirty="0"/>
-          </a:p>
-          <a:p>
-            <a:pPr marL="0" lvl="0" indent="0">
-              <a:buNone/>
-            </a:pPr>
-            <a:endParaRPr lang="en-GB" sz="2000" dirty="0"/>
-          </a:p>
-          <a:p>
-            <a:pPr marL="0" lvl="0" indent="0">
-              <a:buNone/>
-            </a:pPr>
-            <a:endParaRPr lang="en-GB" dirty="0"/>
-          </a:p>
-        </p:txBody>
-      </p:sp>
-      <p:cxnSp>
-        <p:nvCxnSpPr>
-          <p:cNvPr id="9" name="Straight Arrow Connector 8">
+          <p:cNvPr id="3" name="TextBox 2">
             <a:extLst>
               <a:ext uri="{FF2B5EF4-FFF2-40B4-BE49-F238E27FC236}">
-                <a16:creationId xmlns:a16="http://schemas.microsoft.com/office/drawing/2014/main" id="{B6C9CF91-A931-0C49-96B3-E3FE702042E8}"/>
+                <a16:creationId xmlns:a16="http://schemas.microsoft.com/office/drawing/2014/main" id="{E3B70DA2-6E75-482D-A996-E69542C6C48C}"/>
               </a:ext>
             </a:extLst>
           </p:cNvPr>
-          <p:cNvCxnSpPr>
-            <a:cxnSpLocks/>
-          </p:cNvCxnSpPr>
+          <p:cNvSpPr txBox="1"/>
           <p:nvPr/>
-        </p:nvCxnSpPr>
+        </p:nvSpPr>
         <p:spPr>
           <a:xfrm>
-            <a:off x="1449659" y="2252546"/>
-            <a:ext cx="334536" cy="512956"/>
-          </a:xfrm>
-          <a:prstGeom prst="straightConnector1">
+            <a:off x="-8878" y="0"/>
+            <a:ext cx="9144000" cy="6771084"/>
+          </a:xfrm>
+          <a:prstGeom prst="rect">
             <a:avLst/>
           </a:prstGeom>
-          <a:ln>
-            <a:tailEnd type="triangle"/>
-          </a:ln>
-        </p:spPr>
-        <p:style>
-          <a:lnRef idx="3">
-            <a:schemeClr val="accent1"/>
-          </a:lnRef>
-          <a:fillRef idx="0">
-            <a:schemeClr val="accent1"/>
-          </a:fillRef>
-          <a:effectRef idx="2">
-            <a:schemeClr val="accent1"/>
-          </a:effectRef>
-          <a:fontRef idx="minor">
-            <a:schemeClr val="tx1"/>
-          </a:fontRef>
-        </p:style>
-      </p:cxnSp>
-      <p:cxnSp>
-        <p:nvCxnSpPr>
-          <p:cNvPr id="13" name="Straight Arrow Connector 12">
-            <a:extLst>
-              <a:ext uri="{FF2B5EF4-FFF2-40B4-BE49-F238E27FC236}">
-                <a16:creationId xmlns:a16="http://schemas.microsoft.com/office/drawing/2014/main" id="{7C9F7441-9C2F-5E42-97FF-68FE21727F83}"/>
-              </a:ext>
-            </a:extLst>
-          </p:cNvPr>
-          <p:cNvCxnSpPr>
-            <a:cxnSpLocks/>
-          </p:cNvCxnSpPr>
-          <p:nvPr/>
-        </p:nvCxnSpPr>
-        <p:spPr>
-          <a:xfrm>
-            <a:off x="1293541" y="3077737"/>
-            <a:ext cx="2888166" cy="468351"/>
-          </a:xfrm>
-          <a:prstGeom prst="straightConnector1">
-            <a:avLst/>
-          </a:prstGeom>
-          <a:ln>
-            <a:tailEnd type="triangle"/>
-          </a:ln>
-        </p:spPr>
-        <p:style>
-          <a:lnRef idx="3">
-            <a:schemeClr val="accent1"/>
-          </a:lnRef>
-          <a:fillRef idx="0">
-            <a:schemeClr val="accent1"/>
-          </a:fillRef>
-          <a:effectRef idx="2">
-            <a:schemeClr val="accent1"/>
-          </a:effectRef>
-          <a:fontRef idx="minor">
-            <a:schemeClr val="tx1"/>
-          </a:fontRef>
-        </p:style>
-      </p:cxnSp>
-      <p:cxnSp>
-        <p:nvCxnSpPr>
-          <p:cNvPr id="15" name="Straight Arrow Connector 14">
-            <a:extLst>
-              <a:ext uri="{FF2B5EF4-FFF2-40B4-BE49-F238E27FC236}">
-                <a16:creationId xmlns:a16="http://schemas.microsoft.com/office/drawing/2014/main" id="{88BA7E87-A3B4-E64B-A7D6-1B43B834F525}"/>
-              </a:ext>
-            </a:extLst>
-          </p:cNvPr>
-          <p:cNvCxnSpPr>
-            <a:cxnSpLocks/>
-          </p:cNvCxnSpPr>
-          <p:nvPr/>
-        </p:nvCxnSpPr>
-        <p:spPr>
-          <a:xfrm flipV="1">
-            <a:off x="2274849" y="3824868"/>
-            <a:ext cx="3088888" cy="468352"/>
-          </a:xfrm>
-          <a:prstGeom prst="straightConnector1">
-            <a:avLst/>
-          </a:prstGeom>
-          <a:ln>
-            <a:tailEnd type="triangle"/>
-          </a:ln>
-        </p:spPr>
-        <p:style>
-          <a:lnRef idx="3">
-            <a:schemeClr val="accent1"/>
-          </a:lnRef>
-          <a:fillRef idx="0">
-            <a:schemeClr val="accent1"/>
-          </a:fillRef>
-          <a:effectRef idx="2">
-            <a:schemeClr val="accent1"/>
-          </a:effectRef>
-          <a:fontRef idx="minor">
-            <a:schemeClr val="tx1"/>
-          </a:fontRef>
-        </p:style>
-      </p:cxnSp>
+          <a:noFill/>
+        </p:spPr>
+        <p:txBody>
+          <a:bodyPr wrap="square">
+            <a:spAutoFit/>
+          </a:bodyPr>
+          <a:lstStyle/>
+          <a:p>
+            <a:endParaRPr lang="en-GB" sz="1600" b="0" i="0" u="none" strike="noStrike" baseline="0" dirty="0">
+              <a:latin typeface="Calibri" panose="020F0502020204030204" pitchFamily="34" charset="0"/>
+            </a:endParaRPr>
+          </a:p>
+          <a:p>
+            <a:r>
+              <a:rPr lang="en-GB" sz="5400" b="0" i="0" u="none" strike="noStrike" baseline="0" dirty="0">
+                <a:latin typeface="Calibri" panose="020F0502020204030204" pitchFamily="34" charset="0"/>
+              </a:rPr>
+              <a:t>SQL DDL</a:t>
+            </a:r>
+          </a:p>
+          <a:p>
+            <a:r>
+              <a:rPr lang="en-GB" sz="1400" b="0" i="0" u="none" strike="noStrike" baseline="0" dirty="0">
+                <a:latin typeface="Courier New" panose="02070309020205020404" pitchFamily="49" charset="0"/>
+              </a:rPr>
+              <a:t>CREATE TABLE `</a:t>
+            </a:r>
+            <a:r>
+              <a:rPr lang="en-GB" sz="1400" b="1" i="0" u="none" strike="noStrike" baseline="0" dirty="0">
+                <a:latin typeface="Courier New" panose="02070309020205020404" pitchFamily="49" charset="0"/>
+              </a:rPr>
+              <a:t>user</a:t>
+            </a:r>
+            <a:r>
+              <a:rPr lang="en-GB" sz="1400" b="0" i="0" u="none" strike="noStrike" baseline="0" dirty="0">
+                <a:latin typeface="Courier New" panose="02070309020205020404" pitchFamily="49" charset="0"/>
+              </a:rPr>
+              <a:t>` (  </a:t>
+            </a:r>
+          </a:p>
+          <a:p>
+            <a:r>
+              <a:rPr lang="en-GB" sz="1400" b="0" i="0" u="none" strike="noStrike" baseline="0" dirty="0">
+                <a:latin typeface="Courier New" panose="02070309020205020404" pitchFamily="49" charset="0"/>
+              </a:rPr>
+              <a:t>`id` int(</a:t>
+            </a:r>
+            <a:r>
+              <a:rPr lang="en-GB" sz="1400" dirty="0">
+                <a:latin typeface="Courier New" panose="02070309020205020404" pitchFamily="49" charset="0"/>
+              </a:rPr>
+              <a:t>6</a:t>
+            </a:r>
+            <a:r>
+              <a:rPr lang="en-GB" sz="1400" b="0" i="0" u="none" strike="noStrike" baseline="0" dirty="0">
+                <a:latin typeface="Courier New" panose="02070309020205020404" pitchFamily="49" charset="0"/>
+              </a:rPr>
+              <a:t>) NOT NULL AUTO_INCREMENT,  </a:t>
+            </a:r>
+          </a:p>
+          <a:p>
+            <a:r>
+              <a:rPr lang="en-GB" sz="1400" b="0" i="0" u="none" strike="noStrike" baseline="0" dirty="0">
+                <a:latin typeface="Courier New" panose="02070309020205020404" pitchFamily="49" charset="0"/>
+              </a:rPr>
+              <a:t>`username` varchar(45) NOT NULL,  </a:t>
+            </a:r>
+          </a:p>
+          <a:p>
+            <a:r>
+              <a:rPr lang="en-GB" sz="1400" b="0" i="0" u="none" strike="noStrike" baseline="0" dirty="0">
+                <a:latin typeface="Courier New" panose="02070309020205020404" pitchFamily="49" charset="0"/>
+              </a:rPr>
+              <a:t>`password` varchar(45) NOT NULL,  </a:t>
+            </a:r>
+          </a:p>
+          <a:p>
+            <a:r>
+              <a:rPr lang="en-GB" sz="1400" b="0" i="0" u="none" strike="noStrike" baseline="0" dirty="0">
+                <a:latin typeface="Courier New" panose="02070309020205020404" pitchFamily="49" charset="0"/>
+              </a:rPr>
+              <a:t>`name` varchar(45) NOT NULL,  </a:t>
+            </a:r>
+          </a:p>
+          <a:p>
+            <a:r>
+              <a:rPr lang="en-GB" sz="1400" b="0" i="0" u="none" strike="noStrike" baseline="0" dirty="0">
+                <a:latin typeface="Courier New" panose="02070309020205020404" pitchFamily="49" charset="0"/>
+              </a:rPr>
+              <a:t>`surname` varchar(45) NOT NULL,  PRIMARY KEY (`id`)</a:t>
+            </a:r>
+          </a:p>
+          <a:p>
+            <a:r>
+              <a:rPr lang="en-GB" sz="1400" b="0" i="0" u="none" strike="noStrike" baseline="0" dirty="0">
+                <a:latin typeface="Courier New" panose="02070309020205020404" pitchFamily="49" charset="0"/>
+              </a:rPr>
+              <a:t>)</a:t>
+            </a:r>
+          </a:p>
+          <a:p>
+            <a:endParaRPr lang="en-GB" sz="1400" b="0" i="0" u="none" strike="noStrike" baseline="0" dirty="0">
+              <a:latin typeface="Courier New" panose="02070309020205020404" pitchFamily="49" charset="0"/>
+            </a:endParaRPr>
+          </a:p>
+          <a:p>
+            <a:r>
+              <a:rPr lang="en-GB" sz="1400" b="0" i="0" u="none" strike="noStrike" baseline="0" dirty="0">
+                <a:latin typeface="Courier New" panose="02070309020205020404" pitchFamily="49" charset="0"/>
+              </a:rPr>
+              <a:t>CREATE TABLE `</a:t>
+            </a:r>
+            <a:r>
+              <a:rPr lang="en-GB" sz="1400" b="1" i="0" u="none" strike="noStrike" baseline="0" dirty="0">
+                <a:latin typeface="Courier New" panose="02070309020205020404" pitchFamily="49" charset="0"/>
+              </a:rPr>
+              <a:t>order</a:t>
+            </a:r>
+            <a:r>
+              <a:rPr lang="en-GB" sz="1400" b="0" i="0" u="none" strike="noStrike" baseline="0" dirty="0">
+                <a:latin typeface="Courier New" panose="02070309020205020404" pitchFamily="49" charset="0"/>
+              </a:rPr>
+              <a:t>` (</a:t>
+            </a:r>
+          </a:p>
+          <a:p>
+            <a:r>
+              <a:rPr lang="en-GB" sz="1400" b="0" i="0" u="none" strike="noStrike" baseline="0" dirty="0">
+                <a:latin typeface="Courier New" panose="02070309020205020404" pitchFamily="49" charset="0"/>
+              </a:rPr>
+              <a:t>`id` int(6) NOT NULL AUTO_INCREMENT,</a:t>
+            </a:r>
+          </a:p>
+          <a:p>
+            <a:r>
+              <a:rPr lang="en-GB" sz="1400" b="0" i="0" u="none" strike="noStrike" baseline="0" dirty="0">
+                <a:latin typeface="Courier New" panose="02070309020205020404" pitchFamily="49" charset="0"/>
+              </a:rPr>
+              <a:t>`costumer` int(6) NOT NULL DEFAULT=`999999`,</a:t>
+            </a:r>
+          </a:p>
+          <a:p>
+            <a:r>
+              <a:rPr lang="en-GB" sz="1400" b="0" i="0" u="none" strike="noStrike" baseline="0" dirty="0">
+                <a:latin typeface="Courier New" panose="02070309020205020404" pitchFamily="49" charset="0"/>
+              </a:rPr>
+              <a:t>`subscription` varchar(45) NOT NULL, </a:t>
+            </a:r>
+          </a:p>
+          <a:p>
+            <a:r>
+              <a:rPr lang="en-GB" sz="1400" b="0" i="0" u="none" strike="noStrike" baseline="0" dirty="0">
+                <a:latin typeface="Courier New" panose="02070309020205020404" pitchFamily="49" charset="0"/>
+              </a:rPr>
+              <a:t>`</a:t>
+            </a:r>
+            <a:r>
+              <a:rPr lang="en-GB" sz="1400" b="0" i="0" u="none" strike="noStrike" baseline="0" dirty="0" err="1">
+                <a:latin typeface="Courier New" panose="02070309020205020404" pitchFamily="49" charset="0"/>
+              </a:rPr>
+              <a:t>date_of_creation</a:t>
+            </a:r>
+            <a:r>
+              <a:rPr lang="en-GB" sz="1400" b="0" i="0" u="none" strike="noStrike" baseline="0" dirty="0">
+                <a:latin typeface="Courier New" panose="02070309020205020404" pitchFamily="49" charset="0"/>
+              </a:rPr>
+              <a:t>` date NOT NULL,</a:t>
+            </a:r>
+          </a:p>
+          <a:p>
+            <a:r>
+              <a:rPr lang="en-GB" sz="1400" b="0" i="0" u="none" strike="noStrike" baseline="0" dirty="0">
+                <a:latin typeface="Courier New" panose="02070309020205020404" pitchFamily="49" charset="0"/>
+              </a:rPr>
+              <a:t>`</a:t>
+            </a:r>
+            <a:r>
+              <a:rPr lang="en-GB" sz="1400" b="0" i="0" u="none" strike="noStrike" baseline="0" dirty="0" err="1">
+                <a:latin typeface="Courier New" panose="02070309020205020404" pitchFamily="49" charset="0"/>
+              </a:rPr>
+              <a:t>hour_of_creation</a:t>
+            </a:r>
+            <a:r>
+              <a:rPr lang="en-GB" sz="1400" b="0" i="0" u="none" strike="noStrike" baseline="0" dirty="0">
+                <a:latin typeface="Courier New" panose="02070309020205020404" pitchFamily="49" charset="0"/>
+              </a:rPr>
+              <a:t>` time NOT NULL,</a:t>
+            </a:r>
+          </a:p>
+          <a:p>
+            <a:r>
+              <a:rPr lang="en-GB" sz="1400" b="0" i="0" u="none" strike="noStrike" baseline="0" dirty="0">
+                <a:latin typeface="Courier New" panose="02070309020205020404" pitchFamily="49" charset="0"/>
+              </a:rPr>
+              <a:t>`total value` decimal NOT NULL,</a:t>
+            </a:r>
+          </a:p>
+          <a:p>
+            <a:r>
+              <a:rPr lang="en-GB" sz="1400" b="0" i="0" u="none" strike="noStrike" baseline="0" dirty="0">
+                <a:latin typeface="Courier New" panose="02070309020205020404" pitchFamily="49" charset="0"/>
+              </a:rPr>
+              <a:t>`valid` number(1) NOT NULL,</a:t>
+            </a:r>
+          </a:p>
+          <a:p>
+            <a:r>
+              <a:rPr lang="en-GB" sz="1400" dirty="0">
+                <a:latin typeface="Courier New" panose="02070309020205020404" pitchFamily="49" charset="0"/>
+              </a:rPr>
+              <a:t>PRIMARY KEY </a:t>
+            </a:r>
+            <a:r>
+              <a:rPr lang="en-GB" sz="1400" b="0" i="0" u="none" strike="noStrike" baseline="0" dirty="0">
+                <a:latin typeface="Courier New" panose="02070309020205020404" pitchFamily="49" charset="0"/>
+              </a:rPr>
+              <a:t>`</a:t>
+            </a:r>
+            <a:r>
+              <a:rPr lang="en-GB" sz="1400" dirty="0">
+                <a:latin typeface="Courier New" panose="02070309020205020404" pitchFamily="49" charset="0"/>
+              </a:rPr>
+              <a:t>id</a:t>
+            </a:r>
+            <a:r>
+              <a:rPr lang="en-GB" sz="1400" b="0" i="0" u="none" strike="noStrike" baseline="0" dirty="0">
+                <a:latin typeface="Courier New" panose="02070309020205020404" pitchFamily="49" charset="0"/>
+              </a:rPr>
+              <a:t>`</a:t>
+            </a:r>
+          </a:p>
+          <a:p>
+            <a:r>
+              <a:rPr lang="en-GB" sz="1400" b="0" i="0" u="none" strike="noStrike" baseline="0" dirty="0">
+                <a:latin typeface="Courier New" panose="02070309020205020404" pitchFamily="49" charset="0"/>
+              </a:rPr>
+              <a:t>COSTRAINT `</a:t>
+            </a:r>
+            <a:r>
+              <a:rPr lang="en-GB" sz="1400" b="0" i="0" u="none" strike="noStrike" baseline="0" dirty="0" err="1">
+                <a:latin typeface="Courier New" panose="02070309020205020404" pitchFamily="49" charset="0"/>
+              </a:rPr>
+              <a:t>id_costumer</a:t>
+            </a:r>
+            <a:r>
+              <a:rPr lang="en-GB" sz="1400" b="0" i="0" u="none" strike="noStrike" baseline="0" dirty="0">
+                <a:latin typeface="Courier New" panose="02070309020205020404" pitchFamily="49" charset="0"/>
+              </a:rPr>
+              <a:t>` FOREIGN KEY (`costumer`)</a:t>
+            </a:r>
+          </a:p>
+          <a:p>
+            <a:r>
+              <a:rPr lang="en-GB" sz="1400" dirty="0">
+                <a:latin typeface="Courier New" panose="02070309020205020404" pitchFamily="49" charset="0"/>
+              </a:rPr>
+              <a:t>	REFERENCES </a:t>
+            </a:r>
+            <a:r>
+              <a:rPr lang="en-GB" sz="1400" b="0" i="0" u="none" strike="noStrike" baseline="0" dirty="0">
+                <a:latin typeface="Courier New" panose="02070309020205020404" pitchFamily="49" charset="0"/>
+              </a:rPr>
+              <a:t>`user`(`id`) ON DELETE SET DEFAULT </a:t>
+            </a:r>
+          </a:p>
+          <a:p>
+            <a:r>
+              <a:rPr lang="en-GB" sz="1400" dirty="0">
+                <a:latin typeface="Courier New" panose="02070309020205020404" pitchFamily="49" charset="0"/>
+              </a:rPr>
+              <a:t>	ON UPDATE CASCADE,</a:t>
+            </a:r>
+          </a:p>
+          <a:p>
+            <a:r>
+              <a:rPr lang="en-GB" sz="1400" dirty="0">
+                <a:latin typeface="Courier New" panose="02070309020205020404" pitchFamily="49" charset="0"/>
+              </a:rPr>
+              <a:t>COSTRAINT </a:t>
+            </a:r>
+            <a:r>
+              <a:rPr lang="en-GB" sz="1400" b="0" i="0" u="none" strike="noStrike" baseline="0" dirty="0">
+                <a:latin typeface="Courier New" panose="02070309020205020404" pitchFamily="49" charset="0"/>
+              </a:rPr>
+              <a:t>`</a:t>
+            </a:r>
+            <a:r>
+              <a:rPr lang="en-GB" sz="1400" b="0" i="0" u="none" strike="noStrike" baseline="0" dirty="0" err="1">
+                <a:latin typeface="Courier New" panose="02070309020205020404" pitchFamily="49" charset="0"/>
+              </a:rPr>
+              <a:t>id_subscription</a:t>
+            </a:r>
+            <a:r>
+              <a:rPr lang="en-GB" sz="1400" b="0" i="0" u="none" strike="noStrike" baseline="0" dirty="0">
+                <a:latin typeface="Courier New" panose="02070309020205020404" pitchFamily="49" charset="0"/>
+              </a:rPr>
+              <a:t>` FOREIGN KEY (`subscription`)</a:t>
+            </a:r>
+          </a:p>
+          <a:p>
+            <a:r>
+              <a:rPr lang="en-GB" sz="1400" dirty="0">
+                <a:latin typeface="Courier New" panose="02070309020205020404" pitchFamily="49" charset="0"/>
+              </a:rPr>
+              <a:t>	REFERENCES </a:t>
+            </a:r>
+            <a:r>
+              <a:rPr lang="en-GB" sz="1400" b="0" i="0" u="none" strike="noStrike" baseline="0" dirty="0">
+                <a:latin typeface="Courier New" panose="02070309020205020404" pitchFamily="49" charset="0"/>
+              </a:rPr>
+              <a:t>`subscription`(`id`)</a:t>
+            </a:r>
+          </a:p>
+          <a:p>
+            <a:r>
+              <a:rPr lang="en-GB" sz="1400" b="0" i="0" u="none" strike="noStrike" baseline="0" dirty="0">
+                <a:latin typeface="Courier New" panose="02070309020205020404" pitchFamily="49" charset="0"/>
+              </a:rPr>
+              <a:t>) </a:t>
+            </a:r>
+          </a:p>
+          <a:p>
+            <a:endParaRPr lang="en-GB" sz="1400" dirty="0">
+              <a:latin typeface="Courier New" panose="02070309020205020404" pitchFamily="49" charset="0"/>
+            </a:endParaRPr>
+          </a:p>
+          <a:p>
+            <a:endParaRPr lang="en-GB" sz="1400" dirty="0"/>
+          </a:p>
+        </p:txBody>
+      </p:sp>
     </p:spTree>
     <p:extLst>
       <p:ext uri="{BB962C8B-B14F-4D97-AF65-F5344CB8AC3E}">
-        <p14:creationId xmlns:p14="http://schemas.microsoft.com/office/powerpoint/2010/main" val="741865338"/>
+        <p14:creationId xmlns:p14="http://schemas.microsoft.com/office/powerpoint/2010/main" val="3835985545"/>
       </p:ext>
     </p:extLst>
   </p:cSld>
@@ -12194,633 +13313,417 @@
       </p:grpSpPr>
       <p:sp>
         <p:nvSpPr>
-          <p:cNvPr id="5" name="Title 1">
+          <p:cNvPr id="3" name="TextBox 2">
             <a:extLst>
               <a:ext uri="{FF2B5EF4-FFF2-40B4-BE49-F238E27FC236}">
-                <a16:creationId xmlns:a16="http://schemas.microsoft.com/office/drawing/2014/main" id="{0373DEA9-84F3-EA4B-A7A4-81F9D06F2640}"/>
+                <a16:creationId xmlns:a16="http://schemas.microsoft.com/office/drawing/2014/main" id="{E3B70DA2-6E75-482D-A996-E69542C6C48C}"/>
               </a:ext>
             </a:extLst>
           </p:cNvPr>
-          <p:cNvSpPr txBox="1">
-            <a:spLocks noGrp="1"/>
-          </p:cNvSpPr>
-          <p:nvPr>
-            <p:ph type="title"/>
-          </p:nvPr>
+          <p:cNvSpPr txBox="1"/>
+          <p:nvPr/>
         </p:nvSpPr>
         <p:spPr>
           <a:xfrm>
-            <a:off x="202020" y="0"/>
-            <a:ext cx="7886700" cy="1325563"/>
-          </a:xfrm>
-        </p:spPr>
-        <p:txBody>
-          <a:bodyPr/>
-          <a:lstStyle/>
-          <a:p>
-            <a:pPr lvl="0"/>
-            <a:r>
-              <a:rPr lang="en-GB" dirty="0"/>
-              <a:t>Relational model</a:t>
-            </a:r>
-          </a:p>
-        </p:txBody>
-      </p:sp>
-      <p:sp>
-        <p:nvSpPr>
-          <p:cNvPr id="6" name="Content Placeholder 2">
-            <a:extLst>
-              <a:ext uri="{FF2B5EF4-FFF2-40B4-BE49-F238E27FC236}">
-                <a16:creationId xmlns:a16="http://schemas.microsoft.com/office/drawing/2014/main" id="{AAF79A1C-B050-3244-86DA-321E7BF84A1D}"/>
-              </a:ext>
-            </a:extLst>
-          </p:cNvPr>
-          <p:cNvSpPr txBox="1">
-            <a:spLocks noGrp="1"/>
-          </p:cNvSpPr>
-          <p:nvPr>
-            <p:ph sz="half" idx="1"/>
-          </p:nvPr>
-        </p:nvSpPr>
-        <p:spPr>
-          <a:xfrm>
-            <a:off x="202020" y="936703"/>
-            <a:ext cx="8495414" cy="5762328"/>
-          </a:xfrm>
-        </p:spPr>
-        <p:txBody>
-          <a:bodyPr>
-            <a:normAutofit fontScale="77500" lnSpcReduction="20000"/>
-          </a:bodyPr>
-          <a:lstStyle/>
-          <a:p>
-            <a:pPr marL="0" indent="0">
-              <a:lnSpc>
-                <a:spcPct val="220000"/>
-              </a:lnSpc>
-              <a:buNone/>
-            </a:pPr>
-            <a:r>
-              <a:rPr lang="en-GB" sz="2000" dirty="0"/>
-              <a:t>OptionalProduct (</a:t>
-            </a:r>
-            <a:r>
-              <a:rPr lang="en-GB" sz="2000" u="sng" dirty="0"/>
-              <a:t>Name</a:t>
-            </a:r>
-            <a:r>
-              <a:rPr lang="en-GB" sz="2000" dirty="0"/>
-              <a:t>, </a:t>
-            </a:r>
-            <a:r>
-              <a:rPr lang="en-GB" sz="2000" dirty="0" err="1"/>
-              <a:t>MonthlyFee</a:t>
-            </a:r>
-            <a:r>
-              <a:rPr lang="en-GB" sz="2000" dirty="0"/>
-              <a:t>)</a:t>
-            </a:r>
-          </a:p>
-          <a:p>
-            <a:pPr marL="0" indent="0">
-              <a:lnSpc>
-                <a:spcPct val="220000"/>
-              </a:lnSpc>
-              <a:buNone/>
-            </a:pPr>
-            <a:r>
-              <a:rPr lang="en-GB" sz="2000" dirty="0"/>
-              <a:t>ServiceOptional (</a:t>
-            </a:r>
-            <a:r>
-              <a:rPr lang="en-GB" sz="2000" u="sng" dirty="0" err="1"/>
-              <a:t>IDPackage</a:t>
-            </a:r>
-            <a:r>
-              <a:rPr lang="en-GB" sz="2000" dirty="0"/>
-              <a:t>, </a:t>
-            </a:r>
-            <a:r>
-              <a:rPr lang="en-GB" sz="2000" dirty="0" err="1"/>
-              <a:t>OptionalName</a:t>
-            </a:r>
-            <a:r>
-              <a:rPr lang="en-GB" sz="2000" dirty="0"/>
-              <a:t>)</a:t>
-            </a:r>
-          </a:p>
-          <a:p>
-            <a:pPr marL="0" indent="0">
-              <a:lnSpc>
-                <a:spcPct val="220000"/>
-              </a:lnSpc>
-              <a:buNone/>
-            </a:pPr>
-            <a:r>
-              <a:rPr lang="en-GB" sz="2000" dirty="0"/>
-              <a:t>ServicePackage (</a:t>
-            </a:r>
-            <a:r>
-              <a:rPr lang="en-GB" sz="2000" u="sng" dirty="0"/>
-              <a:t>ID</a:t>
-            </a:r>
-            <a:r>
-              <a:rPr lang="en-GB" sz="2000" dirty="0"/>
-              <a:t>, Name, </a:t>
-            </a:r>
-            <a:r>
-              <a:rPr lang="en-GB" sz="2000" dirty="0" err="1"/>
-              <a:t>FixedPhone</a:t>
-            </a:r>
-            <a:r>
-              <a:rPr lang="en-GB" sz="2000" dirty="0"/>
-              <a:t>, 12Fee, 24Fee, 36Fee)</a:t>
-            </a:r>
-          </a:p>
-          <a:p>
-            <a:pPr marL="0" indent="0">
-              <a:lnSpc>
-                <a:spcPct val="220000"/>
-              </a:lnSpc>
-              <a:buNone/>
-            </a:pPr>
-            <a:r>
-              <a:rPr lang="en-GB" sz="2000" dirty="0"/>
-              <a:t>ServiceFixedInternet (</a:t>
-            </a:r>
-            <a:r>
-              <a:rPr lang="en-GB" sz="2000" dirty="0" err="1"/>
-              <a:t>FixedID</a:t>
-            </a:r>
-            <a:r>
-              <a:rPr lang="en-GB" sz="2000" dirty="0"/>
-              <a:t>, </a:t>
-            </a:r>
-            <a:r>
-              <a:rPr lang="en-GB" sz="2000" dirty="0" err="1"/>
-              <a:t>PackageID</a:t>
-            </a:r>
-            <a:r>
-              <a:rPr lang="en-GB" sz="2000" dirty="0"/>
-              <a:t>)</a:t>
-            </a:r>
-          </a:p>
-          <a:p>
-            <a:pPr marL="0" indent="0">
-              <a:lnSpc>
-                <a:spcPct val="220000"/>
-              </a:lnSpc>
-              <a:buNone/>
-            </a:pPr>
-            <a:r>
-              <a:rPr lang="en-GB" sz="2000" dirty="0"/>
-              <a:t>FixedInternet(</a:t>
-            </a:r>
-            <a:r>
-              <a:rPr lang="en-GB" sz="2000" u="sng" dirty="0"/>
-              <a:t>ID</a:t>
-            </a:r>
-            <a:r>
-              <a:rPr lang="en-GB" sz="2000" dirty="0"/>
-              <a:t>, </a:t>
-            </a:r>
-            <a:r>
-              <a:rPr lang="en-GB" sz="2000" dirty="0" err="1"/>
-              <a:t>NoOfGigabytes</a:t>
-            </a:r>
-            <a:r>
-              <a:rPr lang="en-GB" sz="2000" dirty="0"/>
-              <a:t>, </a:t>
-            </a:r>
-            <a:r>
-              <a:rPr lang="en-GB" sz="2000" dirty="0" err="1"/>
-              <a:t>ExtraFee</a:t>
-            </a:r>
-            <a:r>
-              <a:rPr lang="en-GB" sz="2000" dirty="0"/>
-              <a:t>)</a:t>
-            </a:r>
-          </a:p>
-          <a:p>
-            <a:pPr marL="0" indent="0">
-              <a:lnSpc>
-                <a:spcPct val="220000"/>
-              </a:lnSpc>
-              <a:buNone/>
-            </a:pPr>
-            <a:r>
-              <a:rPr lang="en-GB" sz="2000" dirty="0"/>
-              <a:t>MobileInternet (</a:t>
-            </a:r>
-            <a:r>
-              <a:rPr lang="en-GB" sz="2000" u="sng" dirty="0"/>
-              <a:t>ID</a:t>
-            </a:r>
-            <a:r>
-              <a:rPr lang="en-GB" sz="2000" dirty="0"/>
-              <a:t>, </a:t>
-            </a:r>
-            <a:r>
-              <a:rPr lang="en-GB" sz="2000" dirty="0" err="1"/>
-              <a:t>NoOfGigabytes</a:t>
-            </a:r>
-            <a:r>
-              <a:rPr lang="en-GB" sz="2000" dirty="0"/>
-              <a:t>, </a:t>
-            </a:r>
-            <a:r>
-              <a:rPr lang="en-GB" sz="2000" dirty="0" err="1"/>
-              <a:t>ExtraFee</a:t>
-            </a:r>
-            <a:r>
-              <a:rPr lang="en-GB" sz="2000" dirty="0"/>
-              <a:t>)</a:t>
-            </a:r>
-          </a:p>
-          <a:p>
-            <a:pPr marL="0" indent="0">
-              <a:lnSpc>
-                <a:spcPct val="220000"/>
-              </a:lnSpc>
-              <a:buNone/>
-            </a:pPr>
-            <a:r>
-              <a:rPr lang="en-GB" sz="2000" dirty="0"/>
-              <a:t>ServiceMobileInternet (</a:t>
-            </a:r>
-            <a:r>
-              <a:rPr lang="en-GB" sz="2000" dirty="0" err="1"/>
-              <a:t>MobileInternetID</a:t>
-            </a:r>
-            <a:r>
-              <a:rPr lang="en-GB" sz="2000" dirty="0"/>
-              <a:t>, </a:t>
-            </a:r>
-            <a:r>
-              <a:rPr lang="en-GB" sz="2000" dirty="0" err="1"/>
-              <a:t>PackageID</a:t>
-            </a:r>
-            <a:r>
-              <a:rPr lang="en-GB" sz="2000" dirty="0"/>
-              <a:t>)</a:t>
-            </a:r>
-          </a:p>
-          <a:p>
-            <a:pPr marL="0" indent="0">
-              <a:lnSpc>
-                <a:spcPct val="220000"/>
-              </a:lnSpc>
-              <a:buNone/>
-            </a:pPr>
-            <a:r>
-              <a:rPr lang="en-GB" sz="2000" dirty="0"/>
-              <a:t>MobilePhone (</a:t>
-            </a:r>
-            <a:r>
-              <a:rPr lang="en-GB" sz="2000" u="sng" dirty="0"/>
-              <a:t>ID</a:t>
-            </a:r>
-            <a:r>
-              <a:rPr lang="en-GB" sz="2000" dirty="0"/>
-              <a:t>, </a:t>
-            </a:r>
-            <a:r>
-              <a:rPr lang="en-GB" sz="2000" dirty="0" err="1"/>
-              <a:t>NoOfMinutes</a:t>
-            </a:r>
-            <a:r>
-              <a:rPr lang="en-GB" sz="2000" dirty="0"/>
-              <a:t>, </a:t>
-            </a:r>
-            <a:r>
-              <a:rPr lang="en-GB" sz="2000" dirty="0" err="1"/>
-              <a:t>NoOfSms</a:t>
-            </a:r>
-            <a:r>
-              <a:rPr lang="en-GB" sz="2000" dirty="0"/>
-              <a:t>, </a:t>
-            </a:r>
-            <a:r>
-              <a:rPr lang="en-GB" sz="2000" dirty="0" err="1"/>
-              <a:t>ExtraFeeMin</a:t>
-            </a:r>
-            <a:r>
-              <a:rPr lang="en-GB" sz="2000" dirty="0"/>
-              <a:t>, </a:t>
-            </a:r>
-            <a:r>
-              <a:rPr lang="en-GB" sz="2000" dirty="0" err="1"/>
-              <a:t>ExtraFeeSms</a:t>
-            </a:r>
-            <a:r>
-              <a:rPr lang="en-GB" sz="2000" dirty="0"/>
-              <a:t>)</a:t>
-            </a:r>
-          </a:p>
-          <a:p>
-            <a:pPr marL="0" indent="0">
-              <a:lnSpc>
-                <a:spcPct val="220000"/>
-              </a:lnSpc>
-              <a:buNone/>
-            </a:pPr>
-            <a:r>
-              <a:rPr lang="en-GB" sz="2000" dirty="0"/>
-              <a:t>ServiceMobilePhone (</a:t>
-            </a:r>
-            <a:r>
-              <a:rPr lang="en-GB" sz="2000" dirty="0" err="1"/>
-              <a:t>MobilePhoneID</a:t>
-            </a:r>
-            <a:r>
-              <a:rPr lang="en-GB" sz="2000" dirty="0"/>
-              <a:t>, </a:t>
-            </a:r>
-            <a:r>
-              <a:rPr lang="en-GB" sz="2000" dirty="0" err="1"/>
-              <a:t>PackageID</a:t>
-            </a:r>
-            <a:r>
-              <a:rPr lang="en-GB" sz="2000" dirty="0"/>
-              <a:t>)</a:t>
-            </a:r>
-          </a:p>
-          <a:p>
-            <a:pPr marL="0" lvl="0" indent="0">
-              <a:buNone/>
-            </a:pPr>
-            <a:endParaRPr lang="en-GB" sz="2000" dirty="0"/>
-          </a:p>
-          <a:p>
-            <a:pPr marL="0" lvl="0" indent="0">
-              <a:buNone/>
-            </a:pPr>
-            <a:endParaRPr lang="en-GB" sz="2000" dirty="0"/>
-          </a:p>
-          <a:p>
-            <a:pPr marL="0" lvl="0" indent="0">
-              <a:buNone/>
-            </a:pPr>
-            <a:endParaRPr lang="en-GB" sz="2000" dirty="0"/>
-          </a:p>
-          <a:p>
-            <a:pPr marL="0" lvl="0" indent="0">
-              <a:buNone/>
-            </a:pPr>
-            <a:endParaRPr lang="en-GB" dirty="0"/>
-          </a:p>
-        </p:txBody>
-      </p:sp>
-      <p:cxnSp>
-        <p:nvCxnSpPr>
-          <p:cNvPr id="7" name="Straight Arrow Connector 6">
-            <a:extLst>
-              <a:ext uri="{FF2B5EF4-FFF2-40B4-BE49-F238E27FC236}">
-                <a16:creationId xmlns:a16="http://schemas.microsoft.com/office/drawing/2014/main" id="{E7DDDFDE-F824-3D41-AF3F-91316F86780A}"/>
-              </a:ext>
-            </a:extLst>
-          </p:cNvPr>
-          <p:cNvCxnSpPr>
-            <a:cxnSpLocks/>
-          </p:cNvCxnSpPr>
-          <p:nvPr/>
-        </p:nvCxnSpPr>
-        <p:spPr>
-          <a:xfrm flipV="1">
-            <a:off x="1760034" y="2085278"/>
-            <a:ext cx="392151" cy="272772"/>
-          </a:xfrm>
-          <a:prstGeom prst="straightConnector1">
+            <a:off x="-8878" y="0"/>
+            <a:ext cx="9144000" cy="6555641"/>
+          </a:xfrm>
+          <a:prstGeom prst="rect">
             <a:avLst/>
           </a:prstGeom>
-          <a:ln>
-            <a:tailEnd type="triangle"/>
-          </a:ln>
-        </p:spPr>
-        <p:style>
-          <a:lnRef idx="3">
-            <a:schemeClr val="accent1"/>
-          </a:lnRef>
-          <a:fillRef idx="0">
-            <a:schemeClr val="accent1"/>
-          </a:fillRef>
-          <a:effectRef idx="2">
-            <a:schemeClr val="accent1"/>
-          </a:effectRef>
-          <a:fontRef idx="minor">
-            <a:schemeClr val="tx1"/>
-          </a:fontRef>
-        </p:style>
-      </p:cxnSp>
-      <p:cxnSp>
-        <p:nvCxnSpPr>
-          <p:cNvPr id="8" name="Straight Arrow Connector 7">
-            <a:extLst>
-              <a:ext uri="{FF2B5EF4-FFF2-40B4-BE49-F238E27FC236}">
-                <a16:creationId xmlns:a16="http://schemas.microsoft.com/office/drawing/2014/main" id="{717D7A39-A35E-4245-8D33-971E3D883471}"/>
-              </a:ext>
-            </a:extLst>
-          </p:cNvPr>
-          <p:cNvCxnSpPr>
-            <a:cxnSpLocks/>
-          </p:cNvCxnSpPr>
-          <p:nvPr/>
-        </p:nvCxnSpPr>
-        <p:spPr>
-          <a:xfrm flipV="1">
-            <a:off x="1572322" y="3289610"/>
-            <a:ext cx="700019" cy="341687"/>
-          </a:xfrm>
-          <a:prstGeom prst="straightConnector1">
-            <a:avLst/>
-          </a:prstGeom>
-          <a:ln>
-            <a:tailEnd type="triangle"/>
-          </a:ln>
-        </p:spPr>
-        <p:style>
-          <a:lnRef idx="3">
-            <a:schemeClr val="accent1"/>
-          </a:lnRef>
-          <a:fillRef idx="0">
-            <a:schemeClr val="accent1"/>
-          </a:fillRef>
-          <a:effectRef idx="2">
-            <a:schemeClr val="accent1"/>
-          </a:effectRef>
-          <a:fontRef idx="minor">
-            <a:schemeClr val="tx1"/>
-          </a:fontRef>
-        </p:style>
-      </p:cxnSp>
-      <p:cxnSp>
-        <p:nvCxnSpPr>
-          <p:cNvPr id="9" name="Straight Arrow Connector 8">
-            <a:extLst>
-              <a:ext uri="{FF2B5EF4-FFF2-40B4-BE49-F238E27FC236}">
-                <a16:creationId xmlns:a16="http://schemas.microsoft.com/office/drawing/2014/main" id="{39F43AE3-541F-4D42-B97D-9AB4AE5030E2}"/>
-              </a:ext>
-            </a:extLst>
-          </p:cNvPr>
-          <p:cNvCxnSpPr>
-            <a:cxnSpLocks/>
-          </p:cNvCxnSpPr>
-          <p:nvPr/>
-        </p:nvCxnSpPr>
-        <p:spPr>
-          <a:xfrm>
-            <a:off x="1760034" y="4499950"/>
-            <a:ext cx="702807" cy="384284"/>
-          </a:xfrm>
-          <a:prstGeom prst="straightConnector1">
-            <a:avLst/>
-          </a:prstGeom>
-          <a:ln>
-            <a:tailEnd type="triangle"/>
-          </a:ln>
-        </p:spPr>
-        <p:style>
-          <a:lnRef idx="3">
-            <a:schemeClr val="accent1"/>
-          </a:lnRef>
-          <a:fillRef idx="0">
-            <a:schemeClr val="accent1"/>
-          </a:fillRef>
-          <a:effectRef idx="2">
-            <a:schemeClr val="accent1"/>
-          </a:effectRef>
-          <a:fontRef idx="minor">
-            <a:schemeClr val="tx1"/>
-          </a:fontRef>
-        </p:style>
-      </p:cxnSp>
-      <p:cxnSp>
-        <p:nvCxnSpPr>
-          <p:cNvPr id="10" name="Straight Arrow Connector 9">
-            <a:extLst>
-              <a:ext uri="{FF2B5EF4-FFF2-40B4-BE49-F238E27FC236}">
-                <a16:creationId xmlns:a16="http://schemas.microsoft.com/office/drawing/2014/main" id="{0A593971-BAC8-674D-A453-1FE11C7CB8EC}"/>
-              </a:ext>
-            </a:extLst>
-          </p:cNvPr>
-          <p:cNvCxnSpPr>
-            <a:cxnSpLocks/>
-          </p:cNvCxnSpPr>
-          <p:nvPr/>
-        </p:nvCxnSpPr>
-        <p:spPr>
-          <a:xfrm>
-            <a:off x="1572322" y="5731728"/>
-            <a:ext cx="700019" cy="367989"/>
-          </a:xfrm>
-          <a:prstGeom prst="straightConnector1">
-            <a:avLst/>
-          </a:prstGeom>
-          <a:ln>
-            <a:tailEnd type="triangle"/>
-          </a:ln>
-        </p:spPr>
-        <p:style>
-          <a:lnRef idx="3">
-            <a:schemeClr val="accent1"/>
-          </a:lnRef>
-          <a:fillRef idx="0">
-            <a:schemeClr val="accent1"/>
-          </a:fillRef>
-          <a:effectRef idx="2">
-            <a:schemeClr val="accent1"/>
-          </a:effectRef>
-          <a:fontRef idx="minor">
-            <a:schemeClr val="tx1"/>
-          </a:fontRef>
-        </p:style>
-      </p:cxnSp>
-      <p:cxnSp>
-        <p:nvCxnSpPr>
-          <p:cNvPr id="11" name="Straight Arrow Connector 10">
-            <a:extLst>
-              <a:ext uri="{FF2B5EF4-FFF2-40B4-BE49-F238E27FC236}">
-                <a16:creationId xmlns:a16="http://schemas.microsoft.com/office/drawing/2014/main" id="{619E337F-8ECA-F848-B2B3-9827766CBA45}"/>
-              </a:ext>
-            </a:extLst>
-          </p:cNvPr>
-          <p:cNvCxnSpPr>
-            <a:cxnSpLocks/>
-          </p:cNvCxnSpPr>
-          <p:nvPr/>
-        </p:nvCxnSpPr>
-        <p:spPr>
-          <a:xfrm>
-            <a:off x="2018372" y="1438507"/>
-            <a:ext cx="1014760" cy="323386"/>
-          </a:xfrm>
-          <a:prstGeom prst="straightConnector1">
-            <a:avLst/>
-          </a:prstGeom>
-          <a:ln>
-            <a:tailEnd type="triangle"/>
-          </a:ln>
-        </p:spPr>
-        <p:style>
-          <a:lnRef idx="3">
-            <a:schemeClr val="accent1"/>
-          </a:lnRef>
-          <a:fillRef idx="0">
-            <a:schemeClr val="accent1"/>
-          </a:fillRef>
-          <a:effectRef idx="2">
-            <a:schemeClr val="accent1"/>
-          </a:effectRef>
-          <a:fontRef idx="minor">
-            <a:schemeClr val="tx1"/>
-          </a:fontRef>
-        </p:style>
-      </p:cxnSp>
-      <p:cxnSp>
-        <p:nvCxnSpPr>
-          <p:cNvPr id="35" name="Straight Arrow Connector 34">
-            <a:extLst>
-              <a:ext uri="{FF2B5EF4-FFF2-40B4-BE49-F238E27FC236}">
-                <a16:creationId xmlns:a16="http://schemas.microsoft.com/office/drawing/2014/main" id="{9A7F850A-3E23-1440-B183-73D26CE577AA}"/>
-              </a:ext>
-            </a:extLst>
-          </p:cNvPr>
-          <p:cNvCxnSpPr>
-            <a:cxnSpLocks/>
-          </p:cNvCxnSpPr>
-          <p:nvPr/>
-        </p:nvCxnSpPr>
-        <p:spPr>
-          <a:xfrm>
-            <a:off x="1760034" y="2665142"/>
-            <a:ext cx="1362307" cy="356838"/>
-          </a:xfrm>
-          <a:prstGeom prst="straightConnector1">
-            <a:avLst/>
-          </a:prstGeom>
-          <a:ln>
-            <a:tailEnd type="triangle"/>
-          </a:ln>
-        </p:spPr>
-        <p:style>
-          <a:lnRef idx="3">
-            <a:schemeClr val="accent1"/>
-          </a:lnRef>
-          <a:fillRef idx="0">
-            <a:schemeClr val="accent1"/>
-          </a:fillRef>
-          <a:effectRef idx="2">
-            <a:schemeClr val="accent1"/>
-          </a:effectRef>
-          <a:fontRef idx="minor">
-            <a:schemeClr val="tx1"/>
-          </a:fontRef>
-        </p:style>
-      </p:cxnSp>
+          <a:noFill/>
+        </p:spPr>
+        <p:txBody>
+          <a:bodyPr wrap="square">
+            <a:spAutoFit/>
+          </a:bodyPr>
+          <a:lstStyle/>
+          <a:p>
+            <a:endParaRPr lang="en-GB" sz="1600" b="0" i="0" u="none" strike="noStrike" baseline="0" dirty="0">
+              <a:latin typeface="Calibri" panose="020F0502020204030204" pitchFamily="34" charset="0"/>
+            </a:endParaRPr>
+          </a:p>
+          <a:p>
+            <a:r>
+              <a:rPr lang="en-GB" sz="5400" b="0" i="0" u="none" strike="noStrike" baseline="0" dirty="0">
+                <a:latin typeface="Calibri" panose="020F0502020204030204" pitchFamily="34" charset="0"/>
+              </a:rPr>
+              <a:t>SQL DDL</a:t>
+            </a:r>
+          </a:p>
+          <a:p>
+            <a:r>
+              <a:rPr lang="en-GB" sz="1400" b="0" i="0" u="none" strike="noStrike" baseline="0" dirty="0">
+                <a:latin typeface="Courier New" panose="02070309020205020404" pitchFamily="49" charset="0"/>
+              </a:rPr>
+              <a:t>CREATE TABLE `</a:t>
+            </a:r>
+            <a:r>
+              <a:rPr lang="en-GB" sz="1400" b="1" i="0" u="none" strike="noStrike" baseline="0" dirty="0">
+                <a:latin typeface="Courier New" panose="02070309020205020404" pitchFamily="49" charset="0"/>
+              </a:rPr>
+              <a:t>subscription</a:t>
+            </a:r>
+            <a:r>
+              <a:rPr lang="en-GB" sz="1400" b="0" i="0" u="none" strike="noStrike" baseline="0" dirty="0">
+                <a:latin typeface="Courier New" panose="02070309020205020404" pitchFamily="49" charset="0"/>
+              </a:rPr>
+              <a:t>` (  </a:t>
+            </a:r>
+          </a:p>
+          <a:p>
+            <a:r>
+              <a:rPr lang="en-GB" sz="1400" b="0" i="0" u="none" strike="noStrike" baseline="0" dirty="0">
+                <a:latin typeface="Courier New" panose="02070309020205020404" pitchFamily="49" charset="0"/>
+              </a:rPr>
+              <a:t>`id` int(</a:t>
+            </a:r>
+            <a:r>
+              <a:rPr lang="en-GB" sz="1400" dirty="0">
+                <a:latin typeface="Courier New" panose="02070309020205020404" pitchFamily="49" charset="0"/>
+              </a:rPr>
+              <a:t>6</a:t>
+            </a:r>
+            <a:r>
+              <a:rPr lang="en-GB" sz="1400" b="0" i="0" u="none" strike="noStrike" baseline="0" dirty="0">
+                <a:latin typeface="Courier New" panose="02070309020205020404" pitchFamily="49" charset="0"/>
+              </a:rPr>
+              <a:t>) NOT NULL AUTO_INCREMENT,</a:t>
+            </a:r>
+          </a:p>
+          <a:p>
+            <a:r>
+              <a:rPr lang="en-GB" sz="1400" b="0" i="0" u="none" strike="noStrike" baseline="0" dirty="0">
+                <a:latin typeface="Courier New" panose="02070309020205020404" pitchFamily="49" charset="0"/>
+              </a:rPr>
+              <a:t>`</a:t>
+            </a:r>
+            <a:r>
+              <a:rPr lang="en-GB" sz="1400" b="0" i="0" u="none" strike="noStrike" baseline="0" dirty="0" err="1">
+                <a:latin typeface="Courier New" panose="02070309020205020404" pitchFamily="49" charset="0"/>
+              </a:rPr>
+              <a:t>validity_period</a:t>
+            </a:r>
+            <a:r>
+              <a:rPr lang="en-GB" sz="1400" b="0" i="0" u="none" strike="noStrike" baseline="0" dirty="0">
+                <a:latin typeface="Courier New" panose="02070309020205020404" pitchFamily="49" charset="0"/>
+              </a:rPr>
+              <a:t>` decimal NOT NULL,</a:t>
+            </a:r>
+          </a:p>
+          <a:p>
+            <a:r>
+              <a:rPr lang="en-GB" sz="1400" b="0" i="0" u="none" strike="noStrike" baseline="0" dirty="0">
+                <a:latin typeface="Courier New" panose="02070309020205020404" pitchFamily="49" charset="0"/>
+              </a:rPr>
+              <a:t>`</a:t>
+            </a:r>
+            <a:r>
+              <a:rPr lang="en-GB" sz="1400" dirty="0">
+                <a:latin typeface="Courier New" panose="02070309020205020404" pitchFamily="49" charset="0"/>
+              </a:rPr>
+              <a:t>fee</a:t>
+            </a:r>
+            <a:r>
+              <a:rPr lang="en-GB" sz="1400" b="0" i="0" u="none" strike="noStrike" baseline="0" dirty="0">
+                <a:latin typeface="Courier New" panose="02070309020205020404" pitchFamily="49" charset="0"/>
+              </a:rPr>
+              <a:t>`</a:t>
+            </a:r>
+            <a:r>
+              <a:rPr lang="en-GB" sz="1400" dirty="0">
+                <a:latin typeface="Courier New" panose="02070309020205020404" pitchFamily="49" charset="0"/>
+              </a:rPr>
+              <a:t> decimal NOT NULL</a:t>
+            </a:r>
+          </a:p>
+          <a:p>
+            <a:r>
+              <a:rPr lang="en-GB" sz="1400" b="0" i="0" u="none" strike="noStrike" baseline="0" dirty="0">
+                <a:latin typeface="Courier New" panose="02070309020205020404" pitchFamily="49" charset="0"/>
+              </a:rPr>
+              <a:t>)</a:t>
+            </a:r>
+          </a:p>
+          <a:p>
+            <a:endParaRPr lang="en-GB" sz="1400" b="0" i="0" u="none" strike="noStrike" baseline="0" dirty="0">
+              <a:latin typeface="Courier New" panose="02070309020205020404" pitchFamily="49" charset="0"/>
+            </a:endParaRPr>
+          </a:p>
+          <a:p>
+            <a:r>
+              <a:rPr lang="en-GB" sz="1400" b="0" i="0" u="none" strike="noStrike" baseline="0" dirty="0">
+                <a:latin typeface="Courier New" panose="02070309020205020404" pitchFamily="49" charset="0"/>
+              </a:rPr>
+              <a:t>CREATE TABLE `</a:t>
+            </a:r>
+            <a:r>
+              <a:rPr lang="en-GB" sz="1400" b="1" i="0" u="none" strike="noStrike" baseline="0" dirty="0" err="1">
+                <a:latin typeface="Courier New" panose="02070309020205020404" pitchFamily="49" charset="0"/>
+              </a:rPr>
+              <a:t>service_package</a:t>
+            </a:r>
+            <a:r>
+              <a:rPr lang="en-GB" sz="1400" b="0" i="0" u="none" strike="noStrike" baseline="0" dirty="0">
+                <a:latin typeface="Courier New" panose="02070309020205020404" pitchFamily="49" charset="0"/>
+              </a:rPr>
+              <a:t>` (</a:t>
+            </a:r>
+          </a:p>
+          <a:p>
+            <a:r>
+              <a:rPr lang="en-GB" sz="1400" b="0" i="0" u="none" strike="noStrike" baseline="0" dirty="0">
+                <a:latin typeface="Courier New" panose="02070309020205020404" pitchFamily="49" charset="0"/>
+              </a:rPr>
+              <a:t>`id` int(6) NOT NULL AUTO_INCREMENT,</a:t>
+            </a:r>
+          </a:p>
+          <a:p>
+            <a:r>
+              <a:rPr lang="en-GB" sz="1400" b="0" i="0" u="none" strike="noStrike" baseline="0" dirty="0">
+                <a:latin typeface="Courier New" panose="02070309020205020404" pitchFamily="49" charset="0"/>
+              </a:rPr>
+              <a:t>`name` varchar(</a:t>
+            </a:r>
+            <a:r>
+              <a:rPr lang="en-GB" sz="1400" dirty="0">
+                <a:latin typeface="Courier New" panose="02070309020205020404" pitchFamily="49" charset="0"/>
+              </a:rPr>
+              <a:t>45</a:t>
+            </a:r>
+            <a:r>
+              <a:rPr lang="en-GB" sz="1400" b="0" i="0" u="none" strike="noStrike" baseline="0" dirty="0">
+                <a:latin typeface="Courier New" panose="02070309020205020404" pitchFamily="49" charset="0"/>
+              </a:rPr>
+              <a:t>) NOT NULL DEFAULT=`999999`,</a:t>
+            </a:r>
+          </a:p>
+          <a:p>
+            <a:r>
+              <a:rPr lang="en-GB" sz="1400" b="0" i="0" u="none" strike="noStrike" baseline="0" dirty="0">
+                <a:latin typeface="Courier New" panose="02070309020205020404" pitchFamily="49" charset="0"/>
+              </a:rPr>
+              <a:t>`</a:t>
+            </a:r>
+            <a:r>
+              <a:rPr lang="en-GB" sz="1400" b="0" i="0" u="none" strike="noStrike" baseline="0" dirty="0" err="1">
+                <a:latin typeface="Courier New" panose="02070309020205020404" pitchFamily="49" charset="0"/>
+              </a:rPr>
+              <a:t>fixed_phone</a:t>
+            </a:r>
+            <a:r>
+              <a:rPr lang="en-GB" sz="1400" b="0" i="0" u="none" strike="noStrike" baseline="0" dirty="0">
+                <a:latin typeface="Courier New" panose="02070309020205020404" pitchFamily="49" charset="0"/>
+              </a:rPr>
+              <a:t>` number(1) NOT NULL, </a:t>
+            </a:r>
+          </a:p>
+          <a:p>
+            <a:r>
+              <a:rPr lang="en-GB" sz="1400" b="0" i="0" u="none" strike="noStrike" baseline="0" dirty="0">
+                <a:latin typeface="Courier New" panose="02070309020205020404" pitchFamily="49" charset="0"/>
+              </a:rPr>
+              <a:t>`12Fee` decimal NOT NULL,</a:t>
+            </a:r>
+          </a:p>
+          <a:p>
+            <a:r>
+              <a:rPr lang="en-GB" sz="1400" b="0" i="0" u="none" strike="noStrike" baseline="0" dirty="0">
+                <a:latin typeface="Courier New" panose="02070309020205020404" pitchFamily="49" charset="0"/>
+              </a:rPr>
+              <a:t>`</a:t>
+            </a:r>
+            <a:r>
+              <a:rPr lang="en-GB" sz="1400" dirty="0">
+                <a:latin typeface="Courier New" panose="02070309020205020404" pitchFamily="49" charset="0"/>
+              </a:rPr>
+              <a:t>24Fee</a:t>
+            </a:r>
+            <a:r>
+              <a:rPr lang="en-GB" sz="1400" b="0" i="0" u="none" strike="noStrike" baseline="0" dirty="0">
+                <a:latin typeface="Courier New" panose="02070309020205020404" pitchFamily="49" charset="0"/>
+              </a:rPr>
+              <a:t>` decimal NOT NULL,</a:t>
+            </a:r>
+          </a:p>
+          <a:p>
+            <a:r>
+              <a:rPr lang="en-GB" sz="1400" b="0" i="0" u="none" strike="noStrike" baseline="0" dirty="0">
+                <a:latin typeface="Courier New" panose="02070309020205020404" pitchFamily="49" charset="0"/>
+              </a:rPr>
+              <a:t>`36</a:t>
+            </a:r>
+            <a:r>
+              <a:rPr lang="en-GB" sz="1400" dirty="0">
+                <a:latin typeface="Courier New" panose="02070309020205020404" pitchFamily="49" charset="0"/>
+              </a:rPr>
+              <a:t>Fee</a:t>
+            </a:r>
+            <a:r>
+              <a:rPr lang="en-GB" sz="1400" b="0" i="0" u="none" strike="noStrike" baseline="0" dirty="0">
+                <a:latin typeface="Courier New" panose="02070309020205020404" pitchFamily="49" charset="0"/>
+              </a:rPr>
+              <a:t>` decimal NOT NULL,</a:t>
+            </a:r>
+            <a:r>
+              <a:rPr lang="en-GB" sz="1400" dirty="0">
+                <a:latin typeface="Courier New" panose="02070309020205020404" pitchFamily="49" charset="0"/>
+              </a:rPr>
+              <a:t> </a:t>
+            </a:r>
+          </a:p>
+          <a:p>
+            <a:r>
+              <a:rPr lang="en-GB" sz="1400" dirty="0">
+                <a:latin typeface="Courier New" panose="02070309020205020404" pitchFamily="49" charset="0"/>
+              </a:rPr>
+              <a:t>PRIMARY KEY </a:t>
+            </a:r>
+            <a:r>
+              <a:rPr lang="en-GB" sz="1400" b="0" i="0" u="none" strike="noStrike" baseline="0" dirty="0">
+                <a:latin typeface="Courier New" panose="02070309020205020404" pitchFamily="49" charset="0"/>
+              </a:rPr>
+              <a:t>`</a:t>
+            </a:r>
+            <a:r>
+              <a:rPr lang="en-GB" sz="1400" dirty="0">
+                <a:latin typeface="Courier New" panose="02070309020205020404" pitchFamily="49" charset="0"/>
+              </a:rPr>
+              <a:t>id</a:t>
+            </a:r>
+            <a:r>
+              <a:rPr lang="en-GB" sz="1400" b="0" i="0" u="none" strike="noStrike" baseline="0" dirty="0">
+                <a:latin typeface="Courier New" panose="02070309020205020404" pitchFamily="49" charset="0"/>
+              </a:rPr>
+              <a:t>`</a:t>
+            </a:r>
+          </a:p>
+          <a:p>
+            <a:r>
+              <a:rPr lang="en-GB" sz="1400" b="0" i="0" u="none" strike="noStrike" baseline="0" dirty="0">
+                <a:latin typeface="Courier New" panose="02070309020205020404" pitchFamily="49" charset="0"/>
+              </a:rPr>
+              <a:t>) </a:t>
+            </a:r>
+          </a:p>
+          <a:p>
+            <a:endParaRPr lang="en-GB" sz="1400" dirty="0">
+              <a:latin typeface="Courier New" panose="02070309020205020404" pitchFamily="49" charset="0"/>
+            </a:endParaRPr>
+          </a:p>
+          <a:p>
+            <a:endParaRPr lang="en-GB" sz="1400" dirty="0">
+              <a:latin typeface="Courier New" panose="02070309020205020404" pitchFamily="49" charset="0"/>
+            </a:endParaRPr>
+          </a:p>
+          <a:p>
+            <a:r>
+              <a:rPr lang="en-GB" sz="1400" b="0" i="0" u="none" strike="noStrike" baseline="0" dirty="0">
+                <a:latin typeface="Courier New" panose="02070309020205020404" pitchFamily="49" charset="0"/>
+              </a:rPr>
+              <a:t>CREATE TABLE `</a:t>
+            </a:r>
+            <a:r>
+              <a:rPr lang="en-GB" sz="1400" b="1" i="0" u="none" strike="noStrike" baseline="0" dirty="0">
+                <a:latin typeface="Courier New" panose="02070309020205020404" pitchFamily="49" charset="0"/>
+              </a:rPr>
+              <a:t>product</a:t>
+            </a:r>
+            <a:r>
+              <a:rPr lang="en-GB" sz="1400" b="0" i="0" u="none" strike="noStrike" baseline="0" dirty="0">
+                <a:latin typeface="Courier New" panose="02070309020205020404" pitchFamily="49" charset="0"/>
+              </a:rPr>
+              <a:t>` (</a:t>
+            </a:r>
+          </a:p>
+          <a:p>
+            <a:r>
+              <a:rPr lang="en-GB" sz="1400" b="0" i="0" u="none" strike="noStrike" baseline="0" dirty="0">
+                <a:latin typeface="Courier New" panose="02070309020205020404" pitchFamily="49" charset="0"/>
+              </a:rPr>
+              <a:t>`name` varchar(</a:t>
+            </a:r>
+            <a:r>
+              <a:rPr lang="en-GB" sz="1400" dirty="0">
+                <a:latin typeface="Courier New" panose="02070309020205020404" pitchFamily="49" charset="0"/>
+              </a:rPr>
+              <a:t>45</a:t>
+            </a:r>
+            <a:r>
+              <a:rPr lang="en-GB" sz="1400" b="0" i="0" u="none" strike="noStrike" baseline="0" dirty="0">
+                <a:latin typeface="Courier New" panose="02070309020205020404" pitchFamily="49" charset="0"/>
+              </a:rPr>
+              <a:t>) NOT NULL,</a:t>
+            </a:r>
+          </a:p>
+          <a:p>
+            <a:r>
+              <a:rPr lang="en-GB" sz="1400" b="0" i="0" u="none" strike="noStrike" baseline="0" dirty="0">
+                <a:latin typeface="Courier New" panose="02070309020205020404" pitchFamily="49" charset="0"/>
+              </a:rPr>
+              <a:t>`</a:t>
+            </a:r>
+            <a:r>
+              <a:rPr lang="en-GB" sz="1400" b="0" i="0" u="none" strike="noStrike" baseline="0" dirty="0" err="1">
+                <a:latin typeface="Courier New" panose="02070309020205020404" pitchFamily="49" charset="0"/>
+              </a:rPr>
+              <a:t>monthly_fee</a:t>
+            </a:r>
+            <a:r>
+              <a:rPr lang="en-GB" sz="1400" b="0" i="0" u="none" strike="noStrike" baseline="0" dirty="0">
+                <a:latin typeface="Courier New" panose="02070309020205020404" pitchFamily="49" charset="0"/>
+              </a:rPr>
+              <a:t>` decimal NOT NULL,</a:t>
+            </a:r>
+          </a:p>
+          <a:p>
+            <a:r>
+              <a:rPr lang="en-GB" sz="1400" dirty="0">
+                <a:latin typeface="Courier New" panose="02070309020205020404" pitchFamily="49" charset="0"/>
+              </a:rPr>
+              <a:t>PRIMARY KEY </a:t>
+            </a:r>
+            <a:r>
+              <a:rPr lang="en-GB" sz="1400" b="0" i="0" u="none" strike="noStrike" baseline="0" dirty="0">
+                <a:latin typeface="Courier New" panose="02070309020205020404" pitchFamily="49" charset="0"/>
+              </a:rPr>
+              <a:t>`</a:t>
+            </a:r>
+            <a:r>
+              <a:rPr lang="en-GB" sz="1400" dirty="0">
+                <a:latin typeface="Courier New" panose="02070309020205020404" pitchFamily="49" charset="0"/>
+              </a:rPr>
+              <a:t>name</a:t>
+            </a:r>
+            <a:r>
+              <a:rPr lang="en-GB" sz="1400" b="0" i="0" u="none" strike="noStrike" baseline="0" dirty="0">
+                <a:latin typeface="Courier New" panose="02070309020205020404" pitchFamily="49" charset="0"/>
+              </a:rPr>
+              <a:t>`</a:t>
+            </a:r>
+          </a:p>
+          <a:p>
+            <a:r>
+              <a:rPr lang="en-GB" sz="1400" b="0" i="0" u="none" strike="noStrike" baseline="0" dirty="0">
+                <a:latin typeface="Courier New" panose="02070309020205020404" pitchFamily="49" charset="0"/>
+              </a:rPr>
+              <a:t>) </a:t>
+            </a:r>
+          </a:p>
+          <a:p>
+            <a:endParaRPr lang="en-GB" sz="1400" dirty="0">
+              <a:latin typeface="Courier New" panose="02070309020205020404" pitchFamily="49" charset="0"/>
+            </a:endParaRPr>
+          </a:p>
+          <a:p>
+            <a:endParaRPr lang="en-GB" sz="1400" dirty="0"/>
+          </a:p>
+        </p:txBody>
+      </p:sp>
     </p:spTree>
     <p:extLst>
       <p:ext uri="{BB962C8B-B14F-4D97-AF65-F5344CB8AC3E}">
-        <p14:creationId xmlns:p14="http://schemas.microsoft.com/office/powerpoint/2010/main" val="2016126694"/>
+        <p14:creationId xmlns:p14="http://schemas.microsoft.com/office/powerpoint/2010/main" val="1492152605"/>
       </p:ext>
     </p:extLst>
   </p:cSld>
@@ -12849,58 +13752,509 @@
       </p:grpSpPr>
       <p:sp>
         <p:nvSpPr>
-          <p:cNvPr id="2" name="Title 1"/>
-          <p:cNvSpPr>
-            <a:spLocks noGrp="1"/>
-          </p:cNvSpPr>
-          <p:nvPr>
-            <p:ph type="title"/>
-          </p:nvPr>
-        </p:nvSpPr>
-        <p:spPr/>
-        <p:txBody>
-          <a:bodyPr/>
-          <a:lstStyle/>
-          <a:p>
-            <a:r>
-              <a:rPr lang="en-GB" dirty="0"/>
-              <a:t>Motivations of the logical design</a:t>
-            </a:r>
-          </a:p>
-        </p:txBody>
-      </p:sp>
-      <p:sp>
-        <p:nvSpPr>
-          <p:cNvPr id="3" name="Content Placeholder 2"/>
-          <p:cNvSpPr>
-            <a:spLocks noGrp="1"/>
-          </p:cNvSpPr>
-          <p:nvPr>
-            <p:ph idx="1"/>
-          </p:nvPr>
-        </p:nvSpPr>
-        <p:spPr/>
-        <p:txBody>
-          <a:bodyPr/>
-          <a:lstStyle/>
-          <a:p>
-            <a:r>
-              <a:rPr lang="en-GB" dirty="0"/>
-              <a:t>If there are considerations about the logical model write them here</a:t>
-            </a:r>
-          </a:p>
-          <a:p>
-            <a:pPr marL="0" indent="0">
-              <a:buNone/>
-            </a:pPr>
-            <a:endParaRPr lang="en-GB" dirty="0"/>
+          <p:cNvPr id="3" name="TextBox 2">
+            <a:extLst>
+              <a:ext uri="{FF2B5EF4-FFF2-40B4-BE49-F238E27FC236}">
+                <a16:creationId xmlns:a16="http://schemas.microsoft.com/office/drawing/2014/main" id="{E3B70DA2-6E75-482D-A996-E69542C6C48C}"/>
+              </a:ext>
+            </a:extLst>
+          </p:cNvPr>
+          <p:cNvSpPr txBox="1"/>
+          <p:nvPr/>
+        </p:nvSpPr>
+        <p:spPr>
+          <a:xfrm>
+            <a:off x="-8878" y="0"/>
+            <a:ext cx="9144000" cy="6555641"/>
+          </a:xfrm>
+          <a:prstGeom prst="rect">
+            <a:avLst/>
+          </a:prstGeom>
+          <a:noFill/>
+        </p:spPr>
+        <p:txBody>
+          <a:bodyPr wrap="square">
+            <a:spAutoFit/>
+          </a:bodyPr>
+          <a:lstStyle/>
+          <a:p>
+            <a:endParaRPr lang="en-GB" sz="1600" b="0" i="0" u="none" strike="noStrike" baseline="0" dirty="0">
+              <a:latin typeface="Calibri" panose="020F0502020204030204" pitchFamily="34" charset="0"/>
+            </a:endParaRPr>
+          </a:p>
+          <a:p>
+            <a:r>
+              <a:rPr lang="en-GB" sz="5400" b="0" i="0" u="none" strike="noStrike" baseline="0" dirty="0">
+                <a:latin typeface="Calibri" panose="020F0502020204030204" pitchFamily="34" charset="0"/>
+              </a:rPr>
+              <a:t>SQL DDL</a:t>
+            </a:r>
+          </a:p>
+          <a:p>
+            <a:r>
+              <a:rPr lang="en-GB" sz="1400" b="0" i="0" u="none" strike="noStrike" baseline="0" dirty="0">
+                <a:latin typeface="Courier New" panose="02070309020205020404" pitchFamily="49" charset="0"/>
+              </a:rPr>
+              <a:t>CREATE TABLE `</a:t>
+            </a:r>
+            <a:r>
+              <a:rPr lang="en-GB" sz="1400" b="1" i="0" u="none" strike="noStrike" baseline="0" dirty="0" err="1">
+                <a:latin typeface="Courier New" panose="02070309020205020404" pitchFamily="49" charset="0"/>
+              </a:rPr>
+              <a:t>fixed_internet</a:t>
+            </a:r>
+            <a:r>
+              <a:rPr lang="en-GB" sz="1400" b="0" i="0" u="none" strike="noStrike" baseline="0" dirty="0">
+                <a:latin typeface="Courier New" panose="02070309020205020404" pitchFamily="49" charset="0"/>
+              </a:rPr>
+              <a:t>` (  </a:t>
+            </a:r>
+          </a:p>
+          <a:p>
+            <a:r>
+              <a:rPr lang="en-GB" sz="1400" b="0" i="0" u="none" strike="noStrike" baseline="0" dirty="0">
+                <a:latin typeface="Courier New" panose="02070309020205020404" pitchFamily="49" charset="0"/>
+              </a:rPr>
+              <a:t>`id` int(</a:t>
+            </a:r>
+            <a:r>
+              <a:rPr lang="en-GB" sz="1400" dirty="0">
+                <a:latin typeface="Courier New" panose="02070309020205020404" pitchFamily="49" charset="0"/>
+              </a:rPr>
+              <a:t>6</a:t>
+            </a:r>
+            <a:r>
+              <a:rPr lang="en-GB" sz="1400" b="0" i="0" u="none" strike="noStrike" baseline="0" dirty="0">
+                <a:latin typeface="Courier New" panose="02070309020205020404" pitchFamily="49" charset="0"/>
+              </a:rPr>
+              <a:t>) NOT NULL AUTO_INCREMENT,</a:t>
+            </a:r>
+          </a:p>
+          <a:p>
+            <a:r>
+              <a:rPr lang="en-GB" sz="1400" b="0" i="0" u="none" strike="noStrike" baseline="0" dirty="0">
+                <a:latin typeface="Courier New" panose="02070309020205020404" pitchFamily="49" charset="0"/>
+              </a:rPr>
+              <a:t>`</a:t>
+            </a:r>
+            <a:r>
+              <a:rPr lang="en-GB" sz="1400" b="0" i="0" u="none" strike="noStrike" baseline="0" dirty="0" err="1">
+                <a:latin typeface="Courier New" panose="02070309020205020404" pitchFamily="49" charset="0"/>
+              </a:rPr>
+              <a:t>num_gb</a:t>
+            </a:r>
+            <a:r>
+              <a:rPr lang="en-GB" sz="1400" b="0" i="0" u="none" strike="noStrike" baseline="0" dirty="0">
+                <a:latin typeface="Courier New" panose="02070309020205020404" pitchFamily="49" charset="0"/>
+              </a:rPr>
+              <a:t>` decimal NOT NULL,</a:t>
+            </a:r>
+          </a:p>
+          <a:p>
+            <a:r>
+              <a:rPr lang="en-GB" sz="1400" b="0" i="0" u="none" strike="noStrike" baseline="0" dirty="0">
+                <a:latin typeface="Courier New" panose="02070309020205020404" pitchFamily="49" charset="0"/>
+              </a:rPr>
+              <a:t>`</a:t>
+            </a:r>
+            <a:r>
+              <a:rPr lang="en-GB" sz="1400" b="0" i="0" u="none" strike="noStrike" baseline="0" dirty="0" err="1">
+                <a:latin typeface="Courier New" panose="02070309020205020404" pitchFamily="49" charset="0"/>
+              </a:rPr>
+              <a:t>fee_</a:t>
+            </a:r>
+            <a:r>
+              <a:rPr lang="en-GB" sz="1400" dirty="0" err="1">
+                <a:latin typeface="Courier New" panose="02070309020205020404" pitchFamily="49" charset="0"/>
+              </a:rPr>
+              <a:t>extra_gb</a:t>
+            </a:r>
+            <a:r>
+              <a:rPr lang="en-GB" sz="1400" b="0" i="0" u="none" strike="noStrike" baseline="0" dirty="0">
+                <a:latin typeface="Courier New" panose="02070309020205020404" pitchFamily="49" charset="0"/>
+              </a:rPr>
+              <a:t>`</a:t>
+            </a:r>
+            <a:r>
+              <a:rPr lang="en-GB" sz="1400" dirty="0">
+                <a:latin typeface="Courier New" panose="02070309020205020404" pitchFamily="49" charset="0"/>
+              </a:rPr>
+              <a:t> decimal NOT NULL</a:t>
+            </a:r>
+          </a:p>
+          <a:p>
+            <a:r>
+              <a:rPr lang="en-GB" sz="1400" dirty="0">
+                <a:latin typeface="Courier New" panose="02070309020205020404" pitchFamily="49" charset="0"/>
+              </a:rPr>
+              <a:t>PRIMARY KEY </a:t>
+            </a:r>
+            <a:r>
+              <a:rPr lang="en-GB" sz="1400" b="0" i="0" u="none" strike="noStrike" baseline="0" dirty="0">
+                <a:latin typeface="Courier New" panose="02070309020205020404" pitchFamily="49" charset="0"/>
+              </a:rPr>
+              <a:t>`</a:t>
+            </a:r>
+            <a:r>
+              <a:rPr lang="en-GB" sz="1400" dirty="0">
+                <a:latin typeface="Courier New" panose="02070309020205020404" pitchFamily="49" charset="0"/>
+              </a:rPr>
+              <a:t>id</a:t>
+            </a:r>
+            <a:r>
+              <a:rPr lang="en-GB" sz="1400" b="0" i="0" u="none" strike="noStrike" baseline="0" dirty="0">
+                <a:latin typeface="Courier New" panose="02070309020205020404" pitchFamily="49" charset="0"/>
+              </a:rPr>
+              <a:t>`</a:t>
+            </a:r>
+          </a:p>
+          <a:p>
+            <a:r>
+              <a:rPr lang="en-GB" sz="1400" b="0" i="0" u="none" strike="noStrike" baseline="0" dirty="0">
+                <a:latin typeface="Courier New" panose="02070309020205020404" pitchFamily="49" charset="0"/>
+              </a:rPr>
+              <a:t>)</a:t>
+            </a:r>
+          </a:p>
+          <a:p>
+            <a:endParaRPr lang="en-GB" sz="1400" b="0" i="0" u="none" strike="noStrike" baseline="0" dirty="0">
+              <a:latin typeface="Courier New" panose="02070309020205020404" pitchFamily="49" charset="0"/>
+            </a:endParaRPr>
+          </a:p>
+          <a:p>
+            <a:r>
+              <a:rPr lang="en-GB" sz="1400" b="0" i="0" u="none" strike="noStrike" baseline="0" dirty="0">
+                <a:latin typeface="Courier New" panose="02070309020205020404" pitchFamily="49" charset="0"/>
+              </a:rPr>
+              <a:t>CREATE TABLE `</a:t>
+            </a:r>
+            <a:r>
+              <a:rPr lang="en-GB" sz="1400" b="1" i="0" u="none" strike="noStrike" baseline="0" dirty="0" err="1">
+                <a:latin typeface="Courier New" panose="02070309020205020404" pitchFamily="49" charset="0"/>
+              </a:rPr>
+              <a:t>mobile_phone</a:t>
+            </a:r>
+            <a:r>
+              <a:rPr lang="en-GB" sz="1400" b="0" i="0" u="none" strike="noStrike" baseline="0" dirty="0">
+                <a:latin typeface="Courier New" panose="02070309020205020404" pitchFamily="49" charset="0"/>
+              </a:rPr>
+              <a:t>` (</a:t>
+            </a:r>
+          </a:p>
+          <a:p>
+            <a:r>
+              <a:rPr lang="en-GB" sz="1400" b="0" i="0" u="none" strike="noStrike" baseline="0" dirty="0">
+                <a:latin typeface="Courier New" panose="02070309020205020404" pitchFamily="49" charset="0"/>
+              </a:rPr>
+              <a:t>`id` int(</a:t>
+            </a:r>
+            <a:r>
+              <a:rPr lang="en-GB" sz="1400" dirty="0">
+                <a:latin typeface="Courier New" panose="02070309020205020404" pitchFamily="49" charset="0"/>
+              </a:rPr>
+              <a:t>6</a:t>
+            </a:r>
+            <a:r>
+              <a:rPr lang="en-GB" sz="1400" b="0" i="0" u="none" strike="noStrike" baseline="0" dirty="0">
+                <a:latin typeface="Courier New" panose="02070309020205020404" pitchFamily="49" charset="0"/>
+              </a:rPr>
+              <a:t>) NOT NULL AUTO_INCREMENT,</a:t>
+            </a:r>
+          </a:p>
+          <a:p>
+            <a:r>
+              <a:rPr lang="en-GB" sz="1400" b="0" i="0" u="none" strike="noStrike" baseline="0" dirty="0">
+                <a:latin typeface="Courier New" panose="02070309020205020404" pitchFamily="49" charset="0"/>
+              </a:rPr>
+              <a:t>`</a:t>
+            </a:r>
+            <a:r>
+              <a:rPr lang="en-GB" sz="1400" b="0" i="0" u="none" strike="noStrike" baseline="0" dirty="0" err="1">
+                <a:latin typeface="Courier New" panose="02070309020205020404" pitchFamily="49" charset="0"/>
+              </a:rPr>
+              <a:t>num_minutes</a:t>
+            </a:r>
+            <a:r>
+              <a:rPr lang="en-GB" sz="1400" b="0" i="0" u="none" strike="noStrike" baseline="0" dirty="0">
+                <a:latin typeface="Courier New" panose="02070309020205020404" pitchFamily="49" charset="0"/>
+              </a:rPr>
+              <a:t>` decimal NOT NULL,</a:t>
+            </a:r>
+          </a:p>
+          <a:p>
+            <a:r>
+              <a:rPr lang="en-GB" sz="1400" b="0" i="0" u="none" strike="noStrike" baseline="0" dirty="0">
+                <a:latin typeface="Courier New" panose="02070309020205020404" pitchFamily="49" charset="0"/>
+              </a:rPr>
+              <a:t>`</a:t>
+            </a:r>
+            <a:r>
+              <a:rPr lang="en-GB" sz="1400" b="0" i="0" u="none" strike="noStrike" baseline="0" dirty="0" err="1">
+                <a:latin typeface="Courier New" panose="02070309020205020404" pitchFamily="49" charset="0"/>
+              </a:rPr>
+              <a:t>num_sms</a:t>
+            </a:r>
+            <a:r>
+              <a:rPr lang="en-GB" sz="1400" b="0" i="0" u="none" strike="noStrike" baseline="0" dirty="0">
+                <a:latin typeface="Courier New" panose="02070309020205020404" pitchFamily="49" charset="0"/>
+              </a:rPr>
+              <a:t>` decimal NOT NULL,</a:t>
+            </a:r>
+          </a:p>
+          <a:p>
+            <a:r>
+              <a:rPr lang="en-GB" sz="1400" b="0" i="0" u="none" strike="noStrike" baseline="0" dirty="0">
+                <a:latin typeface="Courier New" panose="02070309020205020404" pitchFamily="49" charset="0"/>
+              </a:rPr>
+              <a:t>`</a:t>
+            </a:r>
+            <a:r>
+              <a:rPr lang="en-GB" sz="1400" b="0" i="0" u="none" strike="noStrike" baseline="0" dirty="0" err="1">
+                <a:latin typeface="Courier New" panose="02070309020205020404" pitchFamily="49" charset="0"/>
+              </a:rPr>
+              <a:t>fee_</a:t>
+            </a:r>
+            <a:r>
+              <a:rPr lang="en-GB" sz="1400" dirty="0" err="1">
+                <a:latin typeface="Courier New" panose="02070309020205020404" pitchFamily="49" charset="0"/>
+              </a:rPr>
+              <a:t>extra_minutes</a:t>
+            </a:r>
+            <a:r>
+              <a:rPr lang="en-GB" sz="1400" b="0" i="0" u="none" strike="noStrike" baseline="0" dirty="0">
+                <a:latin typeface="Courier New" panose="02070309020205020404" pitchFamily="49" charset="0"/>
+              </a:rPr>
+              <a:t>`</a:t>
+            </a:r>
+            <a:r>
+              <a:rPr lang="en-GB" sz="1400" dirty="0">
+                <a:latin typeface="Courier New" panose="02070309020205020404" pitchFamily="49" charset="0"/>
+              </a:rPr>
+              <a:t> decimal NOT NULL</a:t>
+            </a:r>
+            <a:endParaRPr lang="en-GB" sz="1400" b="0" i="0" u="none" strike="noStrike" baseline="0" dirty="0">
+              <a:latin typeface="Courier New" panose="02070309020205020404" pitchFamily="49" charset="0"/>
+            </a:endParaRPr>
+          </a:p>
+          <a:p>
+            <a:r>
+              <a:rPr lang="en-GB" sz="1400" b="0" i="0" u="none" strike="noStrike" baseline="0" dirty="0">
+                <a:latin typeface="Courier New" panose="02070309020205020404" pitchFamily="49" charset="0"/>
+              </a:rPr>
+              <a:t>`</a:t>
+            </a:r>
+            <a:r>
+              <a:rPr lang="en-GB" sz="1400" b="0" i="0" u="none" strike="noStrike" baseline="0" dirty="0" err="1">
+                <a:latin typeface="Courier New" panose="02070309020205020404" pitchFamily="49" charset="0"/>
+              </a:rPr>
+              <a:t>fee_</a:t>
+            </a:r>
+            <a:r>
+              <a:rPr lang="en-GB" sz="1400" dirty="0" err="1">
+                <a:latin typeface="Courier New" panose="02070309020205020404" pitchFamily="49" charset="0"/>
+              </a:rPr>
+              <a:t>extra_sms</a:t>
+            </a:r>
+            <a:r>
+              <a:rPr lang="en-GB" sz="1400" b="0" i="0" u="none" strike="noStrike" baseline="0" dirty="0">
+                <a:latin typeface="Courier New" panose="02070309020205020404" pitchFamily="49" charset="0"/>
+              </a:rPr>
+              <a:t>`</a:t>
+            </a:r>
+            <a:r>
+              <a:rPr lang="en-GB" sz="1400" dirty="0">
+                <a:latin typeface="Courier New" panose="02070309020205020404" pitchFamily="49" charset="0"/>
+              </a:rPr>
+              <a:t> decimal NOT NULL</a:t>
+            </a:r>
+          </a:p>
+          <a:p>
+            <a:r>
+              <a:rPr lang="en-GB" sz="1400" dirty="0">
+                <a:latin typeface="Courier New" panose="02070309020205020404" pitchFamily="49" charset="0"/>
+              </a:rPr>
+              <a:t>PRIMARY KEY </a:t>
+            </a:r>
+            <a:r>
+              <a:rPr lang="en-GB" sz="1400" b="0" i="0" u="none" strike="noStrike" baseline="0" dirty="0">
+                <a:latin typeface="Courier New" panose="02070309020205020404" pitchFamily="49" charset="0"/>
+              </a:rPr>
+              <a:t>`</a:t>
+            </a:r>
+            <a:r>
+              <a:rPr lang="en-GB" sz="1400" dirty="0">
+                <a:latin typeface="Courier New" panose="02070309020205020404" pitchFamily="49" charset="0"/>
+              </a:rPr>
+              <a:t>id</a:t>
+            </a:r>
+            <a:r>
+              <a:rPr lang="en-GB" sz="1400" b="0" i="0" u="none" strike="noStrike" baseline="0" dirty="0">
+                <a:latin typeface="Courier New" panose="02070309020205020404" pitchFamily="49" charset="0"/>
+              </a:rPr>
+              <a:t>`</a:t>
+            </a:r>
+          </a:p>
+          <a:p>
+            <a:r>
+              <a:rPr lang="en-GB" sz="1400" b="0" i="0" u="none" strike="noStrike" baseline="0" dirty="0">
+                <a:latin typeface="Courier New" panose="02070309020205020404" pitchFamily="49" charset="0"/>
+              </a:rPr>
+              <a:t>) </a:t>
+            </a:r>
+          </a:p>
+          <a:p>
+            <a:endParaRPr lang="en-GB" sz="1400" dirty="0">
+              <a:latin typeface="Courier New" panose="02070309020205020404" pitchFamily="49" charset="0"/>
+            </a:endParaRPr>
+          </a:p>
+          <a:p>
+            <a:endParaRPr lang="en-GB" sz="1400" dirty="0">
+              <a:latin typeface="Courier New" panose="02070309020205020404" pitchFamily="49" charset="0"/>
+            </a:endParaRPr>
+          </a:p>
+          <a:p>
+            <a:r>
+              <a:rPr lang="en-GB" sz="1400" b="0" i="0" u="none" strike="noStrike" baseline="0" dirty="0">
+                <a:latin typeface="Courier New" panose="02070309020205020404" pitchFamily="49" charset="0"/>
+              </a:rPr>
+              <a:t>CREATE TABLE `</a:t>
+            </a:r>
+            <a:r>
+              <a:rPr lang="en-GB" sz="1400" b="1" i="0" u="none" strike="noStrike" baseline="0" dirty="0" err="1">
+                <a:latin typeface="Courier New" panose="02070309020205020404" pitchFamily="49" charset="0"/>
+              </a:rPr>
+              <a:t>mobile_internet</a:t>
+            </a:r>
+            <a:r>
+              <a:rPr lang="en-GB" sz="1400" b="0" i="0" u="none" strike="noStrike" baseline="0" dirty="0">
+                <a:latin typeface="Courier New" panose="02070309020205020404" pitchFamily="49" charset="0"/>
+              </a:rPr>
+              <a:t>` (</a:t>
+            </a:r>
+          </a:p>
+          <a:p>
+            <a:r>
+              <a:rPr lang="en-GB" sz="1400" b="0" i="0" u="none" strike="noStrike" baseline="0" dirty="0">
+                <a:latin typeface="Courier New" panose="02070309020205020404" pitchFamily="49" charset="0"/>
+              </a:rPr>
+              <a:t>`id` int(</a:t>
+            </a:r>
+            <a:r>
+              <a:rPr lang="en-GB" sz="1400" dirty="0">
+                <a:latin typeface="Courier New" panose="02070309020205020404" pitchFamily="49" charset="0"/>
+              </a:rPr>
+              <a:t>6</a:t>
+            </a:r>
+            <a:r>
+              <a:rPr lang="en-GB" sz="1400" b="0" i="0" u="none" strike="noStrike" baseline="0" dirty="0">
+                <a:latin typeface="Courier New" panose="02070309020205020404" pitchFamily="49" charset="0"/>
+              </a:rPr>
+              <a:t>) NOT NULL AUTO_INCREMENT,</a:t>
+            </a:r>
+          </a:p>
+          <a:p>
+            <a:r>
+              <a:rPr lang="en-GB" sz="1400" b="0" i="0" u="none" strike="noStrike" baseline="0" dirty="0">
+                <a:latin typeface="Courier New" panose="02070309020205020404" pitchFamily="49" charset="0"/>
+              </a:rPr>
+              <a:t>`</a:t>
+            </a:r>
+            <a:r>
+              <a:rPr lang="en-GB" sz="1400" b="0" i="0" u="none" strike="noStrike" baseline="0" dirty="0" err="1">
+                <a:latin typeface="Courier New" panose="02070309020205020404" pitchFamily="49" charset="0"/>
+              </a:rPr>
+              <a:t>num_gb</a:t>
+            </a:r>
+            <a:r>
+              <a:rPr lang="en-GB" sz="1400" b="0" i="0" u="none" strike="noStrike" baseline="0" dirty="0">
+                <a:latin typeface="Courier New" panose="02070309020205020404" pitchFamily="49" charset="0"/>
+              </a:rPr>
+              <a:t>` decimal NOT NULL,</a:t>
+            </a:r>
+          </a:p>
+          <a:p>
+            <a:r>
+              <a:rPr lang="en-GB" sz="1400" b="0" i="0" u="none" strike="noStrike" baseline="0" dirty="0">
+                <a:latin typeface="Courier New" panose="02070309020205020404" pitchFamily="49" charset="0"/>
+              </a:rPr>
+              <a:t>`</a:t>
+            </a:r>
+            <a:r>
+              <a:rPr lang="en-GB" sz="1400" b="0" i="0" u="none" strike="noStrike" baseline="0" dirty="0" err="1">
+                <a:latin typeface="Courier New" panose="02070309020205020404" pitchFamily="49" charset="0"/>
+              </a:rPr>
+              <a:t>fee_</a:t>
+            </a:r>
+            <a:r>
+              <a:rPr lang="en-GB" sz="1400" dirty="0" err="1">
+                <a:latin typeface="Courier New" panose="02070309020205020404" pitchFamily="49" charset="0"/>
+              </a:rPr>
+              <a:t>extra_gb</a:t>
+            </a:r>
+            <a:r>
+              <a:rPr lang="en-GB" sz="1400" b="0" i="0" u="none" strike="noStrike" baseline="0" dirty="0">
+                <a:latin typeface="Courier New" panose="02070309020205020404" pitchFamily="49" charset="0"/>
+              </a:rPr>
+              <a:t>`</a:t>
+            </a:r>
+            <a:r>
+              <a:rPr lang="en-GB" sz="1400" dirty="0">
+                <a:latin typeface="Courier New" panose="02070309020205020404" pitchFamily="49" charset="0"/>
+              </a:rPr>
+              <a:t> decimal NOT NULL</a:t>
+            </a:r>
+          </a:p>
+          <a:p>
+            <a:r>
+              <a:rPr lang="en-GB" sz="1400" dirty="0">
+                <a:latin typeface="Courier New" panose="02070309020205020404" pitchFamily="49" charset="0"/>
+              </a:rPr>
+              <a:t>PRIMARY KEY </a:t>
+            </a:r>
+            <a:r>
+              <a:rPr lang="en-GB" sz="1400" b="0" i="0" u="none" strike="noStrike" baseline="0" dirty="0">
+                <a:latin typeface="Courier New" panose="02070309020205020404" pitchFamily="49" charset="0"/>
+              </a:rPr>
+              <a:t>`</a:t>
+            </a:r>
+            <a:r>
+              <a:rPr lang="en-GB" sz="1400" dirty="0">
+                <a:latin typeface="Courier New" panose="02070309020205020404" pitchFamily="49" charset="0"/>
+              </a:rPr>
+              <a:t>id</a:t>
+            </a:r>
+            <a:r>
+              <a:rPr lang="en-GB" sz="1400" b="0" i="0" u="none" strike="noStrike" baseline="0" dirty="0">
+                <a:latin typeface="Courier New" panose="02070309020205020404" pitchFamily="49" charset="0"/>
+              </a:rPr>
+              <a:t>`</a:t>
+            </a:r>
+          </a:p>
+          <a:p>
+            <a:r>
+              <a:rPr lang="en-GB" sz="1400" b="0" i="0" u="none" strike="noStrike" baseline="0">
+                <a:latin typeface="Courier New" panose="02070309020205020404" pitchFamily="49" charset="0"/>
+              </a:rPr>
+              <a:t>) </a:t>
+            </a:r>
+            <a:endParaRPr lang="en-GB" sz="1400" b="0" i="0" u="none" strike="noStrike" baseline="0" dirty="0">
+              <a:latin typeface="Courier New" panose="02070309020205020404" pitchFamily="49" charset="0"/>
+            </a:endParaRPr>
+          </a:p>
+          <a:p>
+            <a:endParaRPr lang="en-GB" sz="1400" dirty="0">
+              <a:latin typeface="Courier New" panose="02070309020205020404" pitchFamily="49" charset="0"/>
+            </a:endParaRPr>
+          </a:p>
+          <a:p>
+            <a:endParaRPr lang="en-GB" sz="1400" dirty="0"/>
           </a:p>
         </p:txBody>
       </p:sp>
     </p:spTree>
     <p:extLst>
       <p:ext uri="{BB962C8B-B14F-4D97-AF65-F5344CB8AC3E}">
-        <p14:creationId xmlns:p14="http://schemas.microsoft.com/office/powerpoint/2010/main" val="3142545725"/>
+        <p14:creationId xmlns:p14="http://schemas.microsoft.com/office/powerpoint/2010/main" val="3523302650"/>
       </p:ext>
     </p:extLst>
   </p:cSld>

--- a/UML/TemplateProjectDocumentation.pptx
+++ b/UML/TemplateProjectDocumentation.pptx
@@ -13212,7 +13212,7 @@
               <a:rPr lang="en-GB" sz="1400" b="0" i="0" u="none" strike="noStrike" baseline="0" dirty="0">
                 <a:latin typeface="Courier New" panose="02070309020205020404" pitchFamily="49" charset="0"/>
               </a:rPr>
-              <a:t>`user`(`id`) ON DELETE SET DEFAULT </a:t>
+              <a:t>`user` (`id`) ON DELETE SET DEFAULT </a:t>
             </a:r>
           </a:p>
           <a:p>
@@ -13260,7 +13260,7 @@
               <a:rPr lang="en-GB" sz="1400" b="0" i="0" u="none" strike="noStrike" baseline="0" dirty="0">
                 <a:latin typeface="Courier New" panose="02070309020205020404" pitchFamily="49" charset="0"/>
               </a:rPr>
-              <a:t>`subscription`(`id`)</a:t>
+              <a:t>`subscription` (`id`)</a:t>
             </a:r>
           </a:p>
           <a:p>
@@ -13326,7 +13326,7 @@
         <p:spPr>
           <a:xfrm>
             <a:off x="-8878" y="0"/>
-            <a:ext cx="9144000" cy="6555641"/>
+            <a:ext cx="9144000" cy="7632859"/>
           </a:xfrm>
           <a:prstGeom prst="rect">
             <a:avLst/>
@@ -13402,6 +13402,46 @@
               <a:rPr lang="en-GB" sz="1400" b="0" i="0" u="none" strike="noStrike" baseline="0" dirty="0" err="1">
                 <a:latin typeface="Courier New" panose="02070309020205020404" pitchFamily="49" charset="0"/>
               </a:rPr>
+              <a:t>id_order</a:t>
+            </a:r>
+            <a:r>
+              <a:rPr lang="en-GB" sz="1400" b="0" i="0" u="none" strike="noStrike" baseline="0" dirty="0">
+                <a:latin typeface="Courier New" panose="02070309020205020404" pitchFamily="49" charset="0"/>
+              </a:rPr>
+              <a:t>` int(6) NOT NULL,</a:t>
+            </a:r>
+          </a:p>
+          <a:p>
+            <a:r>
+              <a:rPr lang="en-GB" sz="1400" b="0" i="0" u="none" strike="noStrike" baseline="0" dirty="0">
+                <a:latin typeface="Courier New" panose="02070309020205020404" pitchFamily="49" charset="0"/>
+              </a:rPr>
+              <a:t>`</a:t>
+            </a:r>
+            <a:r>
+              <a:rPr lang="en-GB" sz="1400" dirty="0" err="1">
+                <a:latin typeface="Courier New" panose="02070309020205020404" pitchFamily="49" charset="0"/>
+              </a:rPr>
+              <a:t>id_package</a:t>
+            </a:r>
+            <a:r>
+              <a:rPr lang="en-GB" sz="1400" b="0" i="0" u="none" strike="noStrike" baseline="0" dirty="0">
+                <a:latin typeface="Courier New" panose="02070309020205020404" pitchFamily="49" charset="0"/>
+              </a:rPr>
+              <a:t>` int(6) NOT NULL,</a:t>
+            </a:r>
+          </a:p>
+          <a:p>
+            <a:r>
+              <a:rPr lang="en-GB" sz="1400" b="0" i="0" u="none" strike="noStrike" baseline="0" dirty="0">
+                <a:latin typeface="Courier New" panose="02070309020205020404" pitchFamily="49" charset="0"/>
+              </a:rPr>
+              <a:t>`</a:t>
+            </a:r>
+            <a:r>
+              <a:rPr lang="en-GB" sz="1400" b="0" i="0" u="none" strike="noStrike" baseline="0" dirty="0" err="1">
+                <a:latin typeface="Courier New" panose="02070309020205020404" pitchFamily="49" charset="0"/>
+              </a:rPr>
               <a:t>validity_period</a:t>
             </a:r>
             <a:r>
@@ -13435,6 +13475,119 @@
                 <a:latin typeface="Courier New" panose="02070309020205020404" pitchFamily="49" charset="0"/>
               </a:rPr>
               <a:t> decimal NOT NULL</a:t>
+            </a:r>
+          </a:p>
+          <a:p>
+            <a:r>
+              <a:rPr lang="en-GB" sz="1400" dirty="0">
+                <a:latin typeface="Courier New" panose="02070309020205020404" pitchFamily="49" charset="0"/>
+              </a:rPr>
+              <a:t>PRIMARY KEY </a:t>
+            </a:r>
+            <a:r>
+              <a:rPr lang="en-GB" sz="1400" b="0" i="0" u="none" strike="noStrike" baseline="0" dirty="0">
+                <a:latin typeface="Courier New" panose="02070309020205020404" pitchFamily="49" charset="0"/>
+              </a:rPr>
+              <a:t>`id`</a:t>
+            </a:r>
+            <a:endParaRPr lang="en-GB" sz="1400" dirty="0">
+              <a:latin typeface="Courier New" panose="02070309020205020404" pitchFamily="49" charset="0"/>
+            </a:endParaRPr>
+          </a:p>
+          <a:p>
+            <a:r>
+              <a:rPr lang="en-GB" sz="1400" dirty="0">
+                <a:latin typeface="Courier New" panose="02070309020205020404" pitchFamily="49" charset="0"/>
+              </a:rPr>
+              <a:t>COSTRAINT </a:t>
+            </a:r>
+            <a:r>
+              <a:rPr lang="en-GB" sz="1400" b="0" i="0" u="none" strike="noStrike" baseline="0" dirty="0">
+                <a:latin typeface="Courier New" panose="02070309020205020404" pitchFamily="49" charset="0"/>
+              </a:rPr>
+              <a:t>`</a:t>
+            </a:r>
+            <a:r>
+              <a:rPr lang="en-GB" sz="1400" b="0" i="0" u="none" strike="noStrike" baseline="0" dirty="0" err="1">
+                <a:latin typeface="Courier New" panose="02070309020205020404" pitchFamily="49" charset="0"/>
+              </a:rPr>
+              <a:t>id_order</a:t>
+            </a:r>
+            <a:r>
+              <a:rPr lang="en-GB" sz="1400" b="0" i="0" u="none" strike="noStrike" baseline="0" dirty="0">
+                <a:latin typeface="Courier New" panose="02070309020205020404" pitchFamily="49" charset="0"/>
+              </a:rPr>
+              <a:t>` FOREIGN KEY (`order`) </a:t>
+            </a:r>
+            <a:r>
+              <a:rPr lang="en-GB" sz="1400" dirty="0">
+                <a:latin typeface="Courier New" panose="02070309020205020404" pitchFamily="49" charset="0"/>
+              </a:rPr>
+              <a:t>REFERENCES </a:t>
+            </a:r>
+            <a:r>
+              <a:rPr lang="en-GB" sz="1400" b="0" i="0" u="none" strike="noStrike" baseline="0" dirty="0">
+                <a:latin typeface="Courier New" panose="02070309020205020404" pitchFamily="49" charset="0"/>
+              </a:rPr>
+              <a:t>`order` (`id`)</a:t>
+            </a:r>
+          </a:p>
+          <a:p>
+            <a:r>
+              <a:rPr lang="en-GB" sz="1400" dirty="0">
+                <a:latin typeface="Courier New" panose="02070309020205020404" pitchFamily="49" charset="0"/>
+              </a:rPr>
+              <a:t>COSTRAINT </a:t>
+            </a:r>
+            <a:r>
+              <a:rPr lang="en-GB" sz="1400" b="0" i="0" u="none" strike="noStrike" baseline="0" dirty="0">
+                <a:latin typeface="Courier New" panose="02070309020205020404" pitchFamily="49" charset="0"/>
+              </a:rPr>
+              <a:t>`</a:t>
+            </a:r>
+            <a:r>
+              <a:rPr lang="en-GB" sz="1400" b="0" i="0" u="none" strike="noStrike" baseline="0" dirty="0" err="1">
+                <a:latin typeface="Courier New" panose="02070309020205020404" pitchFamily="49" charset="0"/>
+              </a:rPr>
+              <a:t>id_package</a:t>
+            </a:r>
+            <a:r>
+              <a:rPr lang="en-GB" sz="1400" b="0" i="0" u="none" strike="noStrike" baseline="0" dirty="0">
+                <a:latin typeface="Courier New" panose="02070309020205020404" pitchFamily="49" charset="0"/>
+              </a:rPr>
+              <a:t>` FOREIGN KEY (`package`) </a:t>
+            </a:r>
+            <a:r>
+              <a:rPr lang="en-GB" sz="1400" dirty="0">
+                <a:latin typeface="Courier New" panose="02070309020205020404" pitchFamily="49" charset="0"/>
+              </a:rPr>
+              <a:t>REFERENCES </a:t>
+            </a:r>
+            <a:r>
+              <a:rPr lang="en-GB" sz="1400" b="0" i="0" u="none" strike="noStrike" baseline="0" dirty="0">
+                <a:latin typeface="Courier New" panose="02070309020205020404" pitchFamily="49" charset="0"/>
+              </a:rPr>
+              <a:t>`package` </a:t>
+            </a:r>
+          </a:p>
+          <a:p>
+            <a:r>
+              <a:rPr lang="en-GB" sz="1400" dirty="0">
+                <a:latin typeface="Courier New" panose="02070309020205020404" pitchFamily="49" charset="0"/>
+              </a:rPr>
+              <a:t>	</a:t>
+            </a:r>
+            <a:r>
+              <a:rPr lang="en-GB" sz="1400" b="0" i="0" u="none" strike="noStrike" baseline="0" dirty="0">
+                <a:latin typeface="Courier New" panose="02070309020205020404" pitchFamily="49" charset="0"/>
+              </a:rPr>
+              <a:t>(`id`) ON DELETE CASCADE,</a:t>
+            </a:r>
+            <a:r>
+              <a:rPr lang="en-GB" sz="1400" dirty="0">
+                <a:latin typeface="Courier New" panose="02070309020205020404" pitchFamily="49" charset="0"/>
+              </a:rPr>
+              <a:t>	ON DELETE CASCADE</a:t>
             </a:r>
           </a:p>
           <a:p>
@@ -13458,10 +13611,10 @@
               <a:t>CREATE TABLE `</a:t>
             </a:r>
             <a:r>
-              <a:rPr lang="en-GB" sz="1400" b="1" i="0" u="none" strike="noStrike" baseline="0" dirty="0" err="1">
-                <a:latin typeface="Courier New" panose="02070309020205020404" pitchFamily="49" charset="0"/>
-              </a:rPr>
-              <a:t>service_package</a:t>
+              <a:rPr lang="en-GB" sz="1400" b="1" i="0" u="none" strike="noStrike" baseline="0" dirty="0">
+                <a:latin typeface="Courier New" panose="02070309020205020404" pitchFamily="49" charset="0"/>
+              </a:rPr>
+              <a:t>package</a:t>
             </a:r>
             <a:r>
               <a:rPr lang="en-GB" sz="1400" b="0" i="0" u="none" strike="noStrike" baseline="0" dirty="0">
@@ -13605,8 +13758,6 @@
               </a:rPr>
               <a:t>) </a:t>
             </a:r>
-          </a:p>
-          <a:p>
             <a:endParaRPr lang="en-GB" sz="1400" dirty="0">
               <a:latin typeface="Courier New" panose="02070309020205020404" pitchFamily="49" charset="0"/>
             </a:endParaRPr>
@@ -14232,14 +14383,11 @@
           </a:p>
           <a:p>
             <a:r>
-              <a:rPr lang="en-GB" sz="1400" b="0" i="0" u="none" strike="noStrike" baseline="0">
+              <a:rPr lang="en-GB" sz="1400" b="0" i="0" u="none" strike="noStrike" baseline="0" dirty="0">
                 <a:latin typeface="Courier New" panose="02070309020205020404" pitchFamily="49" charset="0"/>
               </a:rPr>
               <a:t>) </a:t>
             </a:r>
-            <a:endParaRPr lang="en-GB" sz="1400" b="0" i="0" u="none" strike="noStrike" baseline="0" dirty="0">
-              <a:latin typeface="Courier New" panose="02070309020205020404" pitchFamily="49" charset="0"/>
-            </a:endParaRPr>
           </a:p>
           <a:p>
             <a:endParaRPr lang="en-GB" sz="1400" dirty="0">
